--- a/My results/capstone presentation.pptx
+++ b/My results/capstone presentation.pptx
@@ -2,10 +2,19 @@
 <file path=ppt/presentation.xml><?xml version="1.0" encoding="utf-8"?>
 <p:presentation xmlns:a="http://schemas.openxmlformats.org/drawingml/2006/main" xmlns:r="http://schemas.openxmlformats.org/officeDocument/2006/relationships" xmlns:p="http://schemas.openxmlformats.org/presentationml/2006/main" saveSubsetFonts="1">
   <p:sldMasterIdLst>
-    <p:sldMasterId id="2147483648" r:id="rId1"/>
+    <p:sldMasterId id="2147483672" r:id="rId1"/>
   </p:sldMasterIdLst>
   <p:sldIdLst>
     <p:sldId id="256" r:id="rId2"/>
+    <p:sldId id="257" r:id="rId3"/>
+    <p:sldId id="258" r:id="rId4"/>
+    <p:sldId id="259" r:id="rId5"/>
+    <p:sldId id="260" r:id="rId6"/>
+    <p:sldId id="261" r:id="rId7"/>
+    <p:sldId id="262" r:id="rId8"/>
+    <p:sldId id="265" r:id="rId9"/>
+    <p:sldId id="263" r:id="rId10"/>
+    <p:sldId id="264" r:id="rId11"/>
   </p:sldIdLst>
   <p:sldSz cx="9144000" cy="6858000" type="screen4x3"/>
   <p:notesSz cx="6858000" cy="9144000"/>
@@ -108,7 +117,7 @@
 </file>
 
 <file path=ppt/slideLayouts/slideLayout1.xml><?xml version="1.0" encoding="utf-8"?>
-<p:sldLayout xmlns:a="http://schemas.openxmlformats.org/drawingml/2006/main" xmlns:r="http://schemas.openxmlformats.org/officeDocument/2006/relationships" xmlns:p="http://schemas.openxmlformats.org/presentationml/2006/main" type="title" preserve="1">
+<p:sldLayout xmlns:a="http://schemas.openxmlformats.org/drawingml/2006/main" xmlns:r="http://schemas.openxmlformats.org/officeDocument/2006/relationships" xmlns:p="http://schemas.openxmlformats.org/presentationml/2006/main" showMasterSp="0" type="title" preserve="1">
   <p:cSld name="Diapositive de titre">
     <p:spTree>
       <p:nvGrpSpPr>
@@ -126,7 +135,529 @@
       </p:grpSpPr>
       <p:sp>
         <p:nvSpPr>
-          <p:cNvPr id="2" name="Titre 1"/>
+          <p:cNvPr id="23" name="Rectangle 22"/>
+          <p:cNvSpPr/>
+          <p:nvPr/>
+        </p:nvSpPr>
+        <p:spPr>
+          <a:xfrm flipV="1">
+            <a:off x="5410182" y="3810000"/>
+            <a:ext cx="3733819" cy="91087"/>
+          </a:xfrm>
+          <a:prstGeom prst="rect">
+            <a:avLst/>
+          </a:prstGeom>
+          <a:solidFill>
+            <a:schemeClr val="accent2">
+              <a:alpha val="100000"/>
+            </a:schemeClr>
+          </a:solidFill>
+          <a:ln w="50800" cap="rnd" cmpd="thickThin" algn="ctr">
+            <a:noFill/>
+            <a:prstDash val="solid"/>
+          </a:ln>
+          <a:effectLst/>
+        </p:spPr>
+        <p:style>
+          <a:lnRef idx="3">
+            <a:schemeClr val="lt1"/>
+          </a:lnRef>
+          <a:fillRef idx="1">
+            <a:schemeClr val="accent1"/>
+          </a:fillRef>
+          <a:effectRef idx="1">
+            <a:schemeClr val="accent1"/>
+          </a:effectRef>
+          <a:fontRef idx="minor">
+            <a:schemeClr val="lt1"/>
+          </a:fontRef>
+        </p:style>
+        <p:txBody>
+          <a:bodyPr anchor="ctr"/>
+          <a:lstStyle/>
+          <a:p>
+            <a:pPr algn="ctr" eaLnBrk="1" latinLnBrk="0" hangingPunct="1"/>
+            <a:endParaRPr kumimoji="0" lang="en-US"/>
+          </a:p>
+        </p:txBody>
+      </p:sp>
+      <p:sp>
+        <p:nvSpPr>
+          <p:cNvPr id="24" name="Rectangle 23"/>
+          <p:cNvSpPr/>
+          <p:nvPr/>
+        </p:nvSpPr>
+        <p:spPr>
+          <a:xfrm flipV="1">
+            <a:off x="5410200" y="3897010"/>
+            <a:ext cx="3733801" cy="192024"/>
+          </a:xfrm>
+          <a:prstGeom prst="rect">
+            <a:avLst/>
+          </a:prstGeom>
+          <a:solidFill>
+            <a:schemeClr val="accent2">
+              <a:alpha val="50000"/>
+            </a:schemeClr>
+          </a:solidFill>
+          <a:ln w="50800" cap="rnd" cmpd="thickThin" algn="ctr">
+            <a:noFill/>
+            <a:prstDash val="solid"/>
+          </a:ln>
+          <a:effectLst/>
+        </p:spPr>
+        <p:style>
+          <a:lnRef idx="3">
+            <a:schemeClr val="lt1"/>
+          </a:lnRef>
+          <a:fillRef idx="1">
+            <a:schemeClr val="accent1"/>
+          </a:fillRef>
+          <a:effectRef idx="1">
+            <a:schemeClr val="accent1"/>
+          </a:effectRef>
+          <a:fontRef idx="minor">
+            <a:schemeClr val="lt1"/>
+          </a:fontRef>
+        </p:style>
+        <p:txBody>
+          <a:bodyPr anchor="ctr"/>
+          <a:lstStyle/>
+          <a:p>
+            <a:pPr algn="ctr" eaLnBrk="1" latinLnBrk="0" hangingPunct="1"/>
+            <a:endParaRPr kumimoji="0" lang="en-US"/>
+          </a:p>
+        </p:txBody>
+      </p:sp>
+      <p:sp>
+        <p:nvSpPr>
+          <p:cNvPr id="25" name="Rectangle 24"/>
+          <p:cNvSpPr/>
+          <p:nvPr/>
+        </p:nvSpPr>
+        <p:spPr>
+          <a:xfrm flipV="1">
+            <a:off x="5410200" y="4115167"/>
+            <a:ext cx="3733801" cy="9144"/>
+          </a:xfrm>
+          <a:prstGeom prst="rect">
+            <a:avLst/>
+          </a:prstGeom>
+          <a:solidFill>
+            <a:schemeClr val="accent2">
+              <a:alpha val="65000"/>
+            </a:schemeClr>
+          </a:solidFill>
+          <a:ln w="50800" cap="rnd" cmpd="thickThin" algn="ctr">
+            <a:noFill/>
+            <a:prstDash val="solid"/>
+          </a:ln>
+          <a:effectLst/>
+        </p:spPr>
+        <p:style>
+          <a:lnRef idx="3">
+            <a:schemeClr val="lt1"/>
+          </a:lnRef>
+          <a:fillRef idx="1">
+            <a:schemeClr val="accent1"/>
+          </a:fillRef>
+          <a:effectRef idx="1">
+            <a:schemeClr val="accent1"/>
+          </a:effectRef>
+          <a:fontRef idx="minor">
+            <a:schemeClr val="lt1"/>
+          </a:fontRef>
+        </p:style>
+        <p:txBody>
+          <a:bodyPr anchor="ctr"/>
+          <a:lstStyle/>
+          <a:p>
+            <a:pPr algn="ctr" eaLnBrk="1" latinLnBrk="0" hangingPunct="1"/>
+            <a:endParaRPr kumimoji="0" lang="en-US"/>
+          </a:p>
+        </p:txBody>
+      </p:sp>
+      <p:sp>
+        <p:nvSpPr>
+          <p:cNvPr id="26" name="Rectangle 25"/>
+          <p:cNvSpPr/>
+          <p:nvPr/>
+        </p:nvSpPr>
+        <p:spPr>
+          <a:xfrm flipV="1">
+            <a:off x="5410200" y="4164403"/>
+            <a:ext cx="1965960" cy="18288"/>
+          </a:xfrm>
+          <a:prstGeom prst="rect">
+            <a:avLst/>
+          </a:prstGeom>
+          <a:solidFill>
+            <a:schemeClr val="accent2">
+              <a:alpha val="60000"/>
+            </a:schemeClr>
+          </a:solidFill>
+          <a:ln w="50800" cap="rnd" cmpd="thickThin" algn="ctr">
+            <a:noFill/>
+            <a:prstDash val="solid"/>
+          </a:ln>
+          <a:effectLst/>
+        </p:spPr>
+        <p:style>
+          <a:lnRef idx="3">
+            <a:schemeClr val="lt1"/>
+          </a:lnRef>
+          <a:fillRef idx="1">
+            <a:schemeClr val="accent1"/>
+          </a:fillRef>
+          <a:effectRef idx="1">
+            <a:schemeClr val="accent1"/>
+          </a:effectRef>
+          <a:fontRef idx="minor">
+            <a:schemeClr val="lt1"/>
+          </a:fontRef>
+        </p:style>
+        <p:txBody>
+          <a:bodyPr anchor="ctr"/>
+          <a:lstStyle/>
+          <a:p>
+            <a:pPr algn="ctr" eaLnBrk="1" latinLnBrk="0" hangingPunct="1"/>
+            <a:endParaRPr kumimoji="0" lang="en-US"/>
+          </a:p>
+        </p:txBody>
+      </p:sp>
+      <p:sp>
+        <p:nvSpPr>
+          <p:cNvPr id="27" name="Rectangle 26"/>
+          <p:cNvSpPr/>
+          <p:nvPr/>
+        </p:nvSpPr>
+        <p:spPr>
+          <a:xfrm flipV="1">
+            <a:off x="5410200" y="4199572"/>
+            <a:ext cx="1965960" cy="9144"/>
+          </a:xfrm>
+          <a:prstGeom prst="rect">
+            <a:avLst/>
+          </a:prstGeom>
+          <a:solidFill>
+            <a:schemeClr val="accent2">
+              <a:alpha val="65000"/>
+            </a:schemeClr>
+          </a:solidFill>
+          <a:ln w="50800" cap="rnd" cmpd="thickThin" algn="ctr">
+            <a:noFill/>
+            <a:prstDash val="solid"/>
+          </a:ln>
+          <a:effectLst/>
+        </p:spPr>
+        <p:style>
+          <a:lnRef idx="3">
+            <a:schemeClr val="lt1"/>
+          </a:lnRef>
+          <a:fillRef idx="1">
+            <a:schemeClr val="accent1"/>
+          </a:fillRef>
+          <a:effectRef idx="1">
+            <a:schemeClr val="accent1"/>
+          </a:effectRef>
+          <a:fontRef idx="minor">
+            <a:schemeClr val="lt1"/>
+          </a:fontRef>
+        </p:style>
+        <p:txBody>
+          <a:bodyPr anchor="ctr"/>
+          <a:lstStyle/>
+          <a:p>
+            <a:pPr algn="ctr" eaLnBrk="1" latinLnBrk="0" hangingPunct="1"/>
+            <a:endParaRPr kumimoji="0" lang="en-US"/>
+          </a:p>
+        </p:txBody>
+      </p:sp>
+      <p:sp useBgFill="1">
+        <p:nvSpPr>
+          <p:cNvPr id="30" name="Rectangle à coins arrondis 29"/>
+          <p:cNvSpPr/>
+          <p:nvPr/>
+        </p:nvSpPr>
+        <p:spPr bwMode="white">
+          <a:xfrm>
+            <a:off x="5410200" y="3962400"/>
+            <a:ext cx="3063240" cy="27432"/>
+          </a:xfrm>
+          <a:prstGeom prst="roundRect">
+            <a:avLst>
+              <a:gd name="adj" fmla="val 16667"/>
+            </a:avLst>
+          </a:prstGeom>
+          <a:ln w="50800" cap="rnd" cmpd="thickThin" algn="ctr">
+            <a:noFill/>
+            <a:prstDash val="solid"/>
+          </a:ln>
+          <a:effectLst/>
+        </p:spPr>
+        <p:style>
+          <a:lnRef idx="3">
+            <a:schemeClr val="lt1"/>
+          </a:lnRef>
+          <a:fillRef idx="1">
+            <a:schemeClr val="accent1"/>
+          </a:fillRef>
+          <a:effectRef idx="1">
+            <a:schemeClr val="accent1"/>
+          </a:effectRef>
+          <a:fontRef idx="minor">
+            <a:schemeClr val="lt1"/>
+          </a:fontRef>
+        </p:style>
+        <p:txBody>
+          <a:bodyPr anchor="ctr"/>
+          <a:lstStyle/>
+          <a:p>
+            <a:pPr algn="ctr" eaLnBrk="1" latinLnBrk="0" hangingPunct="1"/>
+            <a:endParaRPr kumimoji="0" lang="en-US"/>
+          </a:p>
+        </p:txBody>
+      </p:sp>
+      <p:sp useBgFill="1">
+        <p:nvSpPr>
+          <p:cNvPr id="31" name="Rectangle à coins arrondis 30"/>
+          <p:cNvSpPr/>
+          <p:nvPr/>
+        </p:nvSpPr>
+        <p:spPr bwMode="white">
+          <a:xfrm>
+            <a:off x="7376507" y="4060983"/>
+            <a:ext cx="1600200" cy="36576"/>
+          </a:xfrm>
+          <a:prstGeom prst="roundRect">
+            <a:avLst>
+              <a:gd name="adj" fmla="val 16667"/>
+            </a:avLst>
+          </a:prstGeom>
+          <a:ln w="50800" cap="rnd" cmpd="thickThin" algn="ctr">
+            <a:noFill/>
+            <a:prstDash val="solid"/>
+          </a:ln>
+          <a:effectLst/>
+        </p:spPr>
+        <p:style>
+          <a:lnRef idx="3">
+            <a:schemeClr val="lt1"/>
+          </a:lnRef>
+          <a:fillRef idx="1">
+            <a:schemeClr val="accent1"/>
+          </a:fillRef>
+          <a:effectRef idx="1">
+            <a:schemeClr val="accent1"/>
+          </a:effectRef>
+          <a:fontRef idx="minor">
+            <a:schemeClr val="lt1"/>
+          </a:fontRef>
+        </p:style>
+        <p:txBody>
+          <a:bodyPr anchor="ctr"/>
+          <a:lstStyle/>
+          <a:p>
+            <a:pPr algn="ctr" eaLnBrk="1" latinLnBrk="0" hangingPunct="1"/>
+            <a:endParaRPr kumimoji="0" lang="en-US"/>
+          </a:p>
+        </p:txBody>
+      </p:sp>
+      <p:sp>
+        <p:nvSpPr>
+          <p:cNvPr id="7" name="Rectangle 6"/>
+          <p:cNvSpPr/>
+          <p:nvPr/>
+        </p:nvSpPr>
+        <p:spPr>
+          <a:xfrm>
+            <a:off x="1" y="3649662"/>
+            <a:ext cx="9144000" cy="244170"/>
+          </a:xfrm>
+          <a:prstGeom prst="rect">
+            <a:avLst/>
+          </a:prstGeom>
+          <a:solidFill>
+            <a:schemeClr val="accent2">
+              <a:alpha val="50000"/>
+            </a:schemeClr>
+          </a:solidFill>
+          <a:ln w="50800" cap="rnd" cmpd="thickThin" algn="ctr">
+            <a:noFill/>
+            <a:prstDash val="solid"/>
+          </a:ln>
+          <a:effectLst/>
+        </p:spPr>
+        <p:style>
+          <a:lnRef idx="3">
+            <a:schemeClr val="lt1"/>
+          </a:lnRef>
+          <a:fillRef idx="1">
+            <a:schemeClr val="accent1"/>
+          </a:fillRef>
+          <a:effectRef idx="1">
+            <a:schemeClr val="accent1"/>
+          </a:effectRef>
+          <a:fontRef idx="minor">
+            <a:schemeClr val="lt1"/>
+          </a:fontRef>
+        </p:style>
+        <p:txBody>
+          <a:bodyPr anchor="ctr"/>
+          <a:lstStyle/>
+          <a:p>
+            <a:pPr algn="ctr" eaLnBrk="1" latinLnBrk="0" hangingPunct="1"/>
+            <a:endParaRPr kumimoji="0" lang="en-US"/>
+          </a:p>
+        </p:txBody>
+      </p:sp>
+      <p:sp>
+        <p:nvSpPr>
+          <p:cNvPr id="10" name="Rectangle 9"/>
+          <p:cNvSpPr/>
+          <p:nvPr/>
+        </p:nvSpPr>
+        <p:spPr>
+          <a:xfrm>
+            <a:off x="0" y="3675527"/>
+            <a:ext cx="9144001" cy="140677"/>
+          </a:xfrm>
+          <a:prstGeom prst="rect">
+            <a:avLst/>
+          </a:prstGeom>
+          <a:solidFill>
+            <a:schemeClr val="accent2">
+              <a:alpha val="100000"/>
+            </a:schemeClr>
+          </a:solidFill>
+          <a:ln w="50800" cap="rnd" cmpd="thickThin" algn="ctr">
+            <a:noFill/>
+            <a:prstDash val="solid"/>
+          </a:ln>
+          <a:effectLst/>
+        </p:spPr>
+        <p:style>
+          <a:lnRef idx="3">
+            <a:schemeClr val="lt1"/>
+          </a:lnRef>
+          <a:fillRef idx="1">
+            <a:schemeClr val="accent1"/>
+          </a:fillRef>
+          <a:effectRef idx="1">
+            <a:schemeClr val="accent1"/>
+          </a:effectRef>
+          <a:fontRef idx="minor">
+            <a:schemeClr val="lt1"/>
+          </a:fontRef>
+        </p:style>
+        <p:txBody>
+          <a:bodyPr anchor="ctr"/>
+          <a:lstStyle/>
+          <a:p>
+            <a:pPr algn="ctr" eaLnBrk="1" latinLnBrk="0" hangingPunct="1"/>
+            <a:endParaRPr kumimoji="0" lang="en-US"/>
+          </a:p>
+        </p:txBody>
+      </p:sp>
+      <p:sp>
+        <p:nvSpPr>
+          <p:cNvPr id="11" name="Rectangle 10"/>
+          <p:cNvSpPr/>
+          <p:nvPr/>
+        </p:nvSpPr>
+        <p:spPr>
+          <a:xfrm flipV="1">
+            <a:off x="6414051" y="3643090"/>
+            <a:ext cx="2729950" cy="248432"/>
+          </a:xfrm>
+          <a:prstGeom prst="rect">
+            <a:avLst/>
+          </a:prstGeom>
+          <a:solidFill>
+            <a:schemeClr val="accent2">
+              <a:alpha val="100000"/>
+            </a:schemeClr>
+          </a:solidFill>
+          <a:ln w="50800" cap="rnd" cmpd="thickThin" algn="ctr">
+            <a:noFill/>
+            <a:prstDash val="solid"/>
+          </a:ln>
+          <a:effectLst/>
+        </p:spPr>
+        <p:style>
+          <a:lnRef idx="3">
+            <a:schemeClr val="lt1"/>
+          </a:lnRef>
+          <a:fillRef idx="1">
+            <a:schemeClr val="accent1"/>
+          </a:fillRef>
+          <a:effectRef idx="1">
+            <a:schemeClr val="accent1"/>
+          </a:effectRef>
+          <a:fontRef idx="minor">
+            <a:schemeClr val="lt1"/>
+          </a:fontRef>
+        </p:style>
+        <p:txBody>
+          <a:bodyPr anchor="ctr"/>
+          <a:lstStyle/>
+          <a:p>
+            <a:pPr algn="ctr" eaLnBrk="1" latinLnBrk="0" hangingPunct="1"/>
+            <a:endParaRPr kumimoji="0" lang="en-US"/>
+          </a:p>
+        </p:txBody>
+      </p:sp>
+      <p:sp>
+        <p:nvSpPr>
+          <p:cNvPr id="19" name="Rectangle 18"/>
+          <p:cNvSpPr/>
+          <p:nvPr/>
+        </p:nvSpPr>
+        <p:spPr>
+          <a:xfrm>
+            <a:off x="0" y="0"/>
+            <a:ext cx="9144000" cy="3701700"/>
+          </a:xfrm>
+          <a:prstGeom prst="rect">
+            <a:avLst/>
+          </a:prstGeom>
+          <a:solidFill>
+            <a:schemeClr val="tx2">
+              <a:alpha val="100000"/>
+            </a:schemeClr>
+          </a:solidFill>
+          <a:ln w="50800" cap="rnd" cmpd="thickThin" algn="ctr">
+            <a:noFill/>
+            <a:prstDash val="solid"/>
+          </a:ln>
+          <a:effectLst/>
+        </p:spPr>
+        <p:style>
+          <a:lnRef idx="3">
+            <a:schemeClr val="lt1"/>
+          </a:lnRef>
+          <a:fillRef idx="1">
+            <a:schemeClr val="accent1"/>
+          </a:fillRef>
+          <a:effectRef idx="1">
+            <a:schemeClr val="accent1"/>
+          </a:effectRef>
+          <a:fontRef idx="minor">
+            <a:schemeClr val="lt1"/>
+          </a:fontRef>
+        </p:style>
+        <p:txBody>
+          <a:bodyPr anchor="ctr"/>
+          <a:lstStyle/>
+          <a:p>
+            <a:pPr algn="ctr" eaLnBrk="1" latinLnBrk="0" hangingPunct="1"/>
+            <a:endParaRPr kumimoji="0" lang="en-US"/>
+          </a:p>
+        </p:txBody>
+      </p:sp>
+      <p:sp>
+        <p:nvSpPr>
+          <p:cNvPr id="8" name="Titre 7"/>
           <p:cNvSpPr>
             <a:spLocks noGrp="1"/>
           </p:cNvSpPr>
@@ -136,25 +667,33 @@
         </p:nvSpPr>
         <p:spPr>
           <a:xfrm>
-            <a:off x="685800" y="2130425"/>
-            <a:ext cx="7772400" cy="1470025"/>
-          </a:xfrm>
-        </p:spPr>
-        <p:txBody>
-          <a:bodyPr/>
-          <a:lstStyle/>
-          <a:p>
-            <a:r>
-              <a:rPr lang="fr-FR" smtClean="0"/>
+            <a:off x="457200" y="2401887"/>
+            <a:ext cx="8458200" cy="1470025"/>
+          </a:xfrm>
+        </p:spPr>
+        <p:txBody>
+          <a:bodyPr anchor="b"/>
+          <a:lstStyle>
+            <a:lvl1pPr>
+              <a:defRPr sz="4400">
+                <a:solidFill>
+                  <a:schemeClr val="bg1"/>
+                </a:solidFill>
+              </a:defRPr>
+            </a:lvl1pPr>
+          </a:lstStyle>
+          <a:p>
+            <a:r>
+              <a:rPr kumimoji="0" lang="fr-FR" smtClean="0"/>
               <a:t>Cliquez pour modifier le style du titre</a:t>
             </a:r>
-            <a:endParaRPr lang="en-US"/>
-          </a:p>
-        </p:txBody>
-      </p:sp>
-      <p:sp>
-        <p:nvSpPr>
-          <p:cNvPr id="3" name="Sous-titre 2"/>
+            <a:endParaRPr kumimoji="0" lang="en-US"/>
+          </a:p>
+        </p:txBody>
+      </p:sp>
+      <p:sp>
+        <p:nvSpPr>
+          <p:cNvPr id="9" name="Sous-titre 8"/>
           <p:cNvSpPr>
             <a:spLocks noGrp="1"/>
           </p:cNvSpPr>
@@ -164,172 +703,139 @@
         </p:nvSpPr>
         <p:spPr>
           <a:xfrm>
-            <a:off x="1371600" y="3886200"/>
-            <a:ext cx="6400800" cy="1752600"/>
+            <a:off x="457200" y="3899938"/>
+            <a:ext cx="4953000" cy="1752600"/>
           </a:xfrm>
         </p:spPr>
         <p:txBody>
           <a:bodyPr/>
           <a:lstStyle>
-            <a:lvl1pPr marL="0" indent="0" algn="ctr">
+            <a:lvl1pPr marL="64008" indent="0" algn="l">
               <a:buNone/>
-              <a:defRPr>
+              <a:defRPr sz="2400">
                 <a:solidFill>
-                  <a:schemeClr val="tx1">
-                    <a:tint val="75000"/>
-                  </a:schemeClr>
+                  <a:schemeClr val="tx2"/>
                 </a:solidFill>
               </a:defRPr>
             </a:lvl1pPr>
             <a:lvl2pPr marL="457200" indent="0" algn="ctr">
               <a:buNone/>
-              <a:defRPr>
-                <a:solidFill>
-                  <a:schemeClr val="tx1">
-                    <a:tint val="75000"/>
-                  </a:schemeClr>
-                </a:solidFill>
-              </a:defRPr>
             </a:lvl2pPr>
             <a:lvl3pPr marL="914400" indent="0" algn="ctr">
               <a:buNone/>
-              <a:defRPr>
-                <a:solidFill>
-                  <a:schemeClr val="tx1">
-                    <a:tint val="75000"/>
-                  </a:schemeClr>
-                </a:solidFill>
-              </a:defRPr>
             </a:lvl3pPr>
             <a:lvl4pPr marL="1371600" indent="0" algn="ctr">
               <a:buNone/>
-              <a:defRPr>
-                <a:solidFill>
-                  <a:schemeClr val="tx1">
-                    <a:tint val="75000"/>
-                  </a:schemeClr>
-                </a:solidFill>
-              </a:defRPr>
             </a:lvl4pPr>
             <a:lvl5pPr marL="1828800" indent="0" algn="ctr">
               <a:buNone/>
-              <a:defRPr>
-                <a:solidFill>
-                  <a:schemeClr val="tx1">
-                    <a:tint val="75000"/>
-                  </a:schemeClr>
-                </a:solidFill>
-              </a:defRPr>
             </a:lvl5pPr>
             <a:lvl6pPr marL="2286000" indent="0" algn="ctr">
               <a:buNone/>
-              <a:defRPr>
-                <a:solidFill>
-                  <a:schemeClr val="tx1">
-                    <a:tint val="75000"/>
-                  </a:schemeClr>
-                </a:solidFill>
-              </a:defRPr>
             </a:lvl6pPr>
             <a:lvl7pPr marL="2743200" indent="0" algn="ctr">
               <a:buNone/>
-              <a:defRPr>
-                <a:solidFill>
-                  <a:schemeClr val="tx1">
-                    <a:tint val="75000"/>
-                  </a:schemeClr>
-                </a:solidFill>
-              </a:defRPr>
             </a:lvl7pPr>
             <a:lvl8pPr marL="3200400" indent="0" algn="ctr">
               <a:buNone/>
-              <a:defRPr>
-                <a:solidFill>
-                  <a:schemeClr val="tx1">
-                    <a:tint val="75000"/>
-                  </a:schemeClr>
-                </a:solidFill>
-              </a:defRPr>
             </a:lvl8pPr>
             <a:lvl9pPr marL="3657600" indent="0" algn="ctr">
               <a:buNone/>
-              <a:defRPr>
+            </a:lvl9pPr>
+          </a:lstStyle>
+          <a:p>
+            <a:r>
+              <a:rPr kumimoji="0" lang="fr-FR" smtClean="0"/>
+              <a:t>Cliquez pour modifier le style des sous-titres du masque</a:t>
+            </a:r>
+            <a:endParaRPr kumimoji="0" lang="en-US"/>
+          </a:p>
+        </p:txBody>
+      </p:sp>
+      <p:sp>
+        <p:nvSpPr>
+          <p:cNvPr id="28" name="Espace réservé de la date 27"/>
+          <p:cNvSpPr>
+            <a:spLocks noGrp="1"/>
+          </p:cNvSpPr>
+          <p:nvPr>
+            <p:ph type="dt" sz="half" idx="10"/>
+          </p:nvPr>
+        </p:nvSpPr>
+        <p:spPr>
+          <a:xfrm>
+            <a:off x="6705600" y="4206240"/>
+            <a:ext cx="960120" cy="457200"/>
+          </a:xfrm>
+        </p:spPr>
+        <p:txBody>
+          <a:bodyPr/>
+          <a:lstStyle/>
+          <a:p>
+            <a:fld id="{49B45151-D5A0-495B-9803-896721AE84D9}" type="datetimeFigureOut">
+              <a:rPr lang="en-US" smtClean="0"/>
+              <a:pPr/>
+              <a:t>7/23/2020</a:t>
+            </a:fld>
+            <a:endParaRPr lang="en-US"/>
+          </a:p>
+        </p:txBody>
+      </p:sp>
+      <p:sp>
+        <p:nvSpPr>
+          <p:cNvPr id="17" name="Espace réservé du pied de page 16"/>
+          <p:cNvSpPr>
+            <a:spLocks noGrp="1"/>
+          </p:cNvSpPr>
+          <p:nvPr>
+            <p:ph type="ftr" sz="quarter" idx="11"/>
+          </p:nvPr>
+        </p:nvSpPr>
+        <p:spPr>
+          <a:xfrm>
+            <a:off x="5410200" y="4205288"/>
+            <a:ext cx="1295400" cy="457200"/>
+          </a:xfrm>
+        </p:spPr>
+        <p:txBody>
+          <a:bodyPr/>
+          <a:lstStyle/>
+          <a:p>
+            <a:endParaRPr lang="en-US"/>
+          </a:p>
+        </p:txBody>
+      </p:sp>
+      <p:sp>
+        <p:nvSpPr>
+          <p:cNvPr id="29" name="Espace réservé du numéro de diapositive 28"/>
+          <p:cNvSpPr>
+            <a:spLocks noGrp="1"/>
+          </p:cNvSpPr>
+          <p:nvPr>
+            <p:ph type="sldNum" sz="quarter" idx="12"/>
+          </p:nvPr>
+        </p:nvSpPr>
+        <p:spPr>
+          <a:xfrm>
+            <a:off x="8320088" y="1136"/>
+            <a:ext cx="747712" cy="365760"/>
+          </a:xfrm>
+        </p:spPr>
+        <p:txBody>
+          <a:bodyPr/>
+          <a:lstStyle>
+            <a:lvl1pPr algn="r">
+              <a:defRPr sz="1800">
                 <a:solidFill>
-                  <a:schemeClr val="tx1">
-                    <a:tint val="75000"/>
-                  </a:schemeClr>
+                  <a:schemeClr val="bg1"/>
                 </a:solidFill>
               </a:defRPr>
-            </a:lvl9pPr>
+            </a:lvl1pPr>
           </a:lstStyle>
-          <a:p>
-            <a:r>
-              <a:rPr lang="fr-FR" smtClean="0"/>
-              <a:t>Cliquez pour modifier le style des sous-titres du masque</a:t>
-            </a:r>
-            <a:endParaRPr lang="en-US"/>
-          </a:p>
-        </p:txBody>
-      </p:sp>
-      <p:sp>
-        <p:nvSpPr>
-          <p:cNvPr id="4" name="Espace réservé de la date 3"/>
-          <p:cNvSpPr>
-            <a:spLocks noGrp="1"/>
-          </p:cNvSpPr>
-          <p:nvPr>
-            <p:ph type="dt" sz="half" idx="10"/>
-          </p:nvPr>
-        </p:nvSpPr>
-        <p:spPr/>
-        <p:txBody>
-          <a:bodyPr/>
-          <a:lstStyle/>
-          <a:p>
-            <a:fld id="{49B45151-D5A0-495B-9803-896721AE84D9}" type="datetimeFigureOut">
-              <a:rPr lang="en-US" smtClean="0"/>
-              <a:t>7/21/2020</a:t>
-            </a:fld>
-            <a:endParaRPr lang="en-US"/>
-          </a:p>
-        </p:txBody>
-      </p:sp>
-      <p:sp>
-        <p:nvSpPr>
-          <p:cNvPr id="5" name="Espace réservé du pied de page 4"/>
-          <p:cNvSpPr>
-            <a:spLocks noGrp="1"/>
-          </p:cNvSpPr>
-          <p:nvPr>
-            <p:ph type="ftr" sz="quarter" idx="11"/>
-          </p:nvPr>
-        </p:nvSpPr>
-        <p:spPr/>
-        <p:txBody>
-          <a:bodyPr/>
-          <a:lstStyle/>
-          <a:p>
-            <a:endParaRPr lang="en-US"/>
-          </a:p>
-        </p:txBody>
-      </p:sp>
-      <p:sp>
-        <p:nvSpPr>
-          <p:cNvPr id="6" name="Espace réservé du numéro de diapositive 5"/>
-          <p:cNvSpPr>
-            <a:spLocks noGrp="1"/>
-          </p:cNvSpPr>
-          <p:nvPr>
-            <p:ph type="sldNum" sz="quarter" idx="12"/>
-          </p:nvPr>
-        </p:nvSpPr>
-        <p:spPr/>
-        <p:txBody>
-          <a:bodyPr/>
-          <a:lstStyle/>
           <a:p>
             <a:fld id="{90F6734A-9EE2-4632-9348-A5002D2EF2AA}" type="slidenum">
               <a:rPr lang="en-US" smtClean="0"/>
+              <a:pPr/>
               <a:t>‹N°›</a:t>
             </a:fld>
             <a:endParaRPr lang="en-US"/>
@@ -377,10 +883,10 @@
           <a:lstStyle/>
           <a:p>
             <a:r>
-              <a:rPr lang="fr-FR" smtClean="0"/>
+              <a:rPr kumimoji="0" lang="fr-FR" smtClean="0"/>
               <a:t>Cliquez pour modifier le style du titre</a:t>
             </a:r>
-            <a:endParaRPr lang="en-US"/>
+            <a:endParaRPr kumimoji="0" lang="en-US"/>
           </a:p>
         </p:txBody>
       </p:sp>
@@ -399,40 +905,40 @@
           <a:bodyPr vert="eaVert"/>
           <a:lstStyle/>
           <a:p>
-            <a:pPr lvl="0"/>
+            <a:pPr lvl="0" eaLnBrk="1" latinLnBrk="0" hangingPunct="1"/>
             <a:r>
               <a:rPr lang="fr-FR" smtClean="0"/>
               <a:t>Cliquez pour modifier les styles du texte du masque</a:t>
             </a:r>
           </a:p>
           <a:p>
-            <a:pPr lvl="1"/>
+            <a:pPr lvl="1" eaLnBrk="1" latinLnBrk="0" hangingPunct="1"/>
             <a:r>
               <a:rPr lang="fr-FR" smtClean="0"/>
               <a:t>Deuxième niveau</a:t>
             </a:r>
           </a:p>
           <a:p>
-            <a:pPr lvl="2"/>
+            <a:pPr lvl="2" eaLnBrk="1" latinLnBrk="0" hangingPunct="1"/>
             <a:r>
               <a:rPr lang="fr-FR" smtClean="0"/>
               <a:t>Troisième niveau</a:t>
             </a:r>
           </a:p>
           <a:p>
-            <a:pPr lvl="3"/>
+            <a:pPr lvl="3" eaLnBrk="1" latinLnBrk="0" hangingPunct="1"/>
             <a:r>
               <a:rPr lang="fr-FR" smtClean="0"/>
               <a:t>Quatrième niveau</a:t>
             </a:r>
           </a:p>
           <a:p>
-            <a:pPr lvl="4"/>
+            <a:pPr lvl="4" eaLnBrk="1" latinLnBrk="0" hangingPunct="1"/>
             <a:r>
               <a:rPr lang="fr-FR" smtClean="0"/>
               <a:t>Cinquième niveau</a:t>
             </a:r>
-            <a:endParaRPr lang="en-US"/>
+            <a:endParaRPr kumimoji="0" lang="en-US"/>
           </a:p>
         </p:txBody>
       </p:sp>
@@ -453,7 +959,8 @@
           <a:p>
             <a:fld id="{49B45151-D5A0-495B-9803-896721AE84D9}" type="datetimeFigureOut">
               <a:rPr lang="en-US" smtClean="0"/>
-              <a:t>7/21/2020</a:t>
+              <a:pPr/>
+              <a:t>7/23/2020</a:t>
             </a:fld>
             <a:endParaRPr lang="en-US"/>
           </a:p>
@@ -495,6 +1002,7 @@
           <a:p>
             <a:fld id="{90F6734A-9EE2-4632-9348-A5002D2EF2AA}" type="slidenum">
               <a:rPr lang="en-US" smtClean="0"/>
+              <a:pPr/>
               <a:t>‹N°›</a:t>
             </a:fld>
             <a:endParaRPr lang="en-US"/>
@@ -538,8 +1046,8 @@
         </p:nvSpPr>
         <p:spPr>
           <a:xfrm>
-            <a:off x="6629400" y="274638"/>
-            <a:ext cx="2057400" cy="5851525"/>
+            <a:off x="6781800" y="1143000"/>
+            <a:ext cx="1905000" cy="5486400"/>
           </a:xfrm>
         </p:spPr>
         <p:txBody>
@@ -547,10 +1055,10 @@
           <a:lstStyle/>
           <a:p>
             <a:r>
-              <a:rPr lang="fr-FR" smtClean="0"/>
+              <a:rPr kumimoji="0" lang="fr-FR" smtClean="0"/>
               <a:t>Cliquez pour modifier le style du titre</a:t>
             </a:r>
-            <a:endParaRPr lang="en-US"/>
+            <a:endParaRPr kumimoji="0" lang="en-US"/>
           </a:p>
         </p:txBody>
       </p:sp>
@@ -566,48 +1074,48 @@
         </p:nvSpPr>
         <p:spPr>
           <a:xfrm>
-            <a:off x="457200" y="274638"/>
-            <a:ext cx="6019800" cy="5851525"/>
+            <a:off x="457200" y="1143000"/>
+            <a:ext cx="6248400" cy="5486400"/>
           </a:xfrm>
         </p:spPr>
         <p:txBody>
           <a:bodyPr vert="eaVert"/>
           <a:lstStyle/>
           <a:p>
-            <a:pPr lvl="0"/>
+            <a:pPr lvl="0" eaLnBrk="1" latinLnBrk="0" hangingPunct="1"/>
             <a:r>
               <a:rPr lang="fr-FR" smtClean="0"/>
               <a:t>Cliquez pour modifier les styles du texte du masque</a:t>
             </a:r>
           </a:p>
           <a:p>
-            <a:pPr lvl="1"/>
+            <a:pPr lvl="1" eaLnBrk="1" latinLnBrk="0" hangingPunct="1"/>
             <a:r>
               <a:rPr lang="fr-FR" smtClean="0"/>
               <a:t>Deuxième niveau</a:t>
             </a:r>
           </a:p>
           <a:p>
-            <a:pPr lvl="2"/>
+            <a:pPr lvl="2" eaLnBrk="1" latinLnBrk="0" hangingPunct="1"/>
             <a:r>
               <a:rPr lang="fr-FR" smtClean="0"/>
               <a:t>Troisième niveau</a:t>
             </a:r>
           </a:p>
           <a:p>
-            <a:pPr lvl="3"/>
+            <a:pPr lvl="3" eaLnBrk="1" latinLnBrk="0" hangingPunct="1"/>
             <a:r>
               <a:rPr lang="fr-FR" smtClean="0"/>
               <a:t>Quatrième niveau</a:t>
             </a:r>
           </a:p>
           <a:p>
-            <a:pPr lvl="4"/>
+            <a:pPr lvl="4" eaLnBrk="1" latinLnBrk="0" hangingPunct="1"/>
             <a:r>
               <a:rPr lang="fr-FR" smtClean="0"/>
               <a:t>Cinquième niveau</a:t>
             </a:r>
-            <a:endParaRPr lang="en-US"/>
+            <a:endParaRPr kumimoji="0" lang="en-US"/>
           </a:p>
         </p:txBody>
       </p:sp>
@@ -628,7 +1136,8 @@
           <a:p>
             <a:fld id="{49B45151-D5A0-495B-9803-896721AE84D9}" type="datetimeFigureOut">
               <a:rPr lang="en-US" smtClean="0"/>
-              <a:t>7/21/2020</a:t>
+              <a:pPr/>
+              <a:t>7/23/2020</a:t>
             </a:fld>
             <a:endParaRPr lang="en-US"/>
           </a:p>
@@ -670,6 +1179,7 @@
           <a:p>
             <a:fld id="{90F6734A-9EE2-4632-9348-A5002D2EF2AA}" type="slidenum">
               <a:rPr lang="en-US" smtClean="0"/>
+              <a:pPr/>
               <a:t>‹N°›</a:t>
             </a:fld>
             <a:endParaRPr lang="en-US"/>
@@ -717,10 +1227,10 @@
           <a:lstStyle/>
           <a:p>
             <a:r>
-              <a:rPr lang="fr-FR" smtClean="0"/>
+              <a:rPr kumimoji="0" lang="fr-FR" smtClean="0"/>
               <a:t>Cliquez pour modifier le style du titre</a:t>
             </a:r>
-            <a:endParaRPr lang="en-US"/>
+            <a:endParaRPr kumimoji="0" lang="en-US"/>
           </a:p>
         </p:txBody>
       </p:sp>
@@ -739,40 +1249,40 @@
           <a:bodyPr/>
           <a:lstStyle/>
           <a:p>
-            <a:pPr lvl="0"/>
+            <a:pPr lvl="0" eaLnBrk="1" latinLnBrk="0" hangingPunct="1"/>
             <a:r>
               <a:rPr lang="fr-FR" smtClean="0"/>
               <a:t>Cliquez pour modifier les styles du texte du masque</a:t>
             </a:r>
           </a:p>
           <a:p>
-            <a:pPr lvl="1"/>
+            <a:pPr lvl="1" eaLnBrk="1" latinLnBrk="0" hangingPunct="1"/>
             <a:r>
               <a:rPr lang="fr-FR" smtClean="0"/>
               <a:t>Deuxième niveau</a:t>
             </a:r>
           </a:p>
           <a:p>
-            <a:pPr lvl="2"/>
+            <a:pPr lvl="2" eaLnBrk="1" latinLnBrk="0" hangingPunct="1"/>
             <a:r>
               <a:rPr lang="fr-FR" smtClean="0"/>
               <a:t>Troisième niveau</a:t>
             </a:r>
           </a:p>
           <a:p>
-            <a:pPr lvl="3"/>
+            <a:pPr lvl="3" eaLnBrk="1" latinLnBrk="0" hangingPunct="1"/>
             <a:r>
               <a:rPr lang="fr-FR" smtClean="0"/>
               <a:t>Quatrième niveau</a:t>
             </a:r>
           </a:p>
           <a:p>
-            <a:pPr lvl="4"/>
+            <a:pPr lvl="4" eaLnBrk="1" latinLnBrk="0" hangingPunct="1"/>
             <a:r>
               <a:rPr lang="fr-FR" smtClean="0"/>
               <a:t>Cinquième niveau</a:t>
             </a:r>
-            <a:endParaRPr lang="en-US"/>
+            <a:endParaRPr kumimoji="0" lang="en-US"/>
           </a:p>
         </p:txBody>
       </p:sp>
@@ -793,7 +1303,8 @@
           <a:p>
             <a:fld id="{49B45151-D5A0-495B-9803-896721AE84D9}" type="datetimeFigureOut">
               <a:rPr lang="en-US" smtClean="0"/>
-              <a:t>7/21/2020</a:t>
+              <a:pPr/>
+              <a:t>7/23/2020</a:t>
             </a:fld>
             <a:endParaRPr lang="en-US"/>
           </a:p>
@@ -835,6 +1346,7 @@
           <a:p>
             <a:fld id="{90F6734A-9EE2-4632-9348-A5002D2EF2AA}" type="slidenum">
               <a:rPr lang="en-US" smtClean="0"/>
+              <a:pPr/>
               <a:t>‹N°›</a:t>
             </a:fld>
             <a:endParaRPr lang="en-US"/>
@@ -878,56 +1390,76 @@
         </p:nvSpPr>
         <p:spPr>
           <a:xfrm>
-            <a:off x="722313" y="4406900"/>
+            <a:off x="722313" y="1981200"/>
             <a:ext cx="7772400" cy="1362075"/>
+          </a:xfrm>
+        </p:spPr>
+        <p:txBody>
+          <a:bodyPr anchor="b">
+            <a:noAutofit/>
+          </a:bodyPr>
+          <a:lstStyle>
+            <a:lvl1pPr algn="l">
+              <a:buNone/>
+              <a:defRPr sz="4300" b="1" cap="none" baseline="0">
+                <a:ln w="12700">
+                  <a:solidFill>
+                    <a:schemeClr val="accent2">
+                      <a:shade val="90000"/>
+                      <a:satMod val="150000"/>
+                    </a:schemeClr>
+                  </a:solidFill>
+                </a:ln>
+                <a:solidFill>
+                  <a:srgbClr val="FFFFFF"/>
+                </a:solidFill>
+                <a:effectLst>
+                  <a:outerShdw blurRad="38100" dist="38100" dir="5400000" algn="tl" rotWithShape="0">
+                    <a:srgbClr val="000000">
+                      <a:alpha val="25000"/>
+                    </a:srgbClr>
+                  </a:outerShdw>
+                </a:effectLst>
+              </a:defRPr>
+            </a:lvl1pPr>
+          </a:lstStyle>
+          <a:p>
+            <a:r>
+              <a:rPr kumimoji="0" lang="fr-FR" smtClean="0"/>
+              <a:t>Cliquez pour modifier le style du titre</a:t>
+            </a:r>
+            <a:endParaRPr kumimoji="0" lang="en-US"/>
+          </a:p>
+        </p:txBody>
+      </p:sp>
+      <p:sp>
+        <p:nvSpPr>
+          <p:cNvPr id="3" name="Espace réservé du texte 2"/>
+          <p:cNvSpPr>
+            <a:spLocks noGrp="1"/>
+          </p:cNvSpPr>
+          <p:nvPr>
+            <p:ph type="body" idx="1"/>
+          </p:nvPr>
+        </p:nvSpPr>
+        <p:spPr>
+          <a:xfrm>
+            <a:off x="722313" y="3367088"/>
+            <a:ext cx="7772400" cy="1509712"/>
           </a:xfrm>
         </p:spPr>
         <p:txBody>
           <a:bodyPr anchor="t"/>
           <a:lstStyle>
-            <a:lvl1pPr algn="l">
-              <a:defRPr sz="4000" b="1" cap="all"/>
-            </a:lvl1pPr>
-          </a:lstStyle>
-          <a:p>
-            <a:r>
-              <a:rPr lang="fr-FR" smtClean="0"/>
-              <a:t>Cliquez pour modifier le style du titre</a:t>
-            </a:r>
-            <a:endParaRPr lang="en-US"/>
-          </a:p>
-        </p:txBody>
-      </p:sp>
-      <p:sp>
-        <p:nvSpPr>
-          <p:cNvPr id="3" name="Espace réservé du texte 2"/>
-          <p:cNvSpPr>
-            <a:spLocks noGrp="1"/>
-          </p:cNvSpPr>
-          <p:nvPr>
-            <p:ph type="body" idx="1"/>
-          </p:nvPr>
-        </p:nvSpPr>
-        <p:spPr>
-          <a:xfrm>
-            <a:off x="722313" y="2906713"/>
-            <a:ext cx="7772400" cy="1500187"/>
-          </a:xfrm>
-        </p:spPr>
-        <p:txBody>
-          <a:bodyPr anchor="b"/>
-          <a:lstStyle>
-            <a:lvl1pPr marL="0" indent="0">
+            <a:lvl1pPr marL="45720" indent="0">
               <a:buNone/>
-              <a:defRPr sz="2000">
+              <a:defRPr sz="2100" b="0">
                 <a:solidFill>
-                  <a:schemeClr val="tx1">
-                    <a:tint val="75000"/>
-                  </a:schemeClr>
+                  <a:schemeClr val="tx2"/>
                 </a:solidFill>
               </a:defRPr>
             </a:lvl1pPr>
-            <a:lvl2pPr marL="457200" indent="0">
+            <a:lvl2pPr>
               <a:buNone/>
               <a:defRPr sz="1800">
                 <a:solidFill>
@@ -937,7 +1469,7 @@
                 </a:solidFill>
               </a:defRPr>
             </a:lvl2pPr>
-            <a:lvl3pPr marL="914400" indent="0">
+            <a:lvl3pPr>
               <a:buNone/>
               <a:defRPr sz="1600">
                 <a:solidFill>
@@ -947,7 +1479,7 @@
                 </a:solidFill>
               </a:defRPr>
             </a:lvl3pPr>
-            <a:lvl4pPr marL="1371600" indent="0">
+            <a:lvl4pPr>
               <a:buNone/>
               <a:defRPr sz="1400">
                 <a:solidFill>
@@ -957,7 +1489,7 @@
                 </a:solidFill>
               </a:defRPr>
             </a:lvl4pPr>
-            <a:lvl5pPr marL="1828800" indent="0">
+            <a:lvl5pPr>
               <a:buNone/>
               <a:defRPr sz="1400">
                 <a:solidFill>
@@ -967,51 +1499,11 @@
                 </a:solidFill>
               </a:defRPr>
             </a:lvl5pPr>
-            <a:lvl6pPr marL="2286000" indent="0">
-              <a:buNone/>
-              <a:defRPr sz="1400">
-                <a:solidFill>
-                  <a:schemeClr val="tx1">
-                    <a:tint val="75000"/>
-                  </a:schemeClr>
-                </a:solidFill>
-              </a:defRPr>
-            </a:lvl6pPr>
-            <a:lvl7pPr marL="2743200" indent="0">
-              <a:buNone/>
-              <a:defRPr sz="1400">
-                <a:solidFill>
-                  <a:schemeClr val="tx1">
-                    <a:tint val="75000"/>
-                  </a:schemeClr>
-                </a:solidFill>
-              </a:defRPr>
-            </a:lvl7pPr>
-            <a:lvl8pPr marL="3200400" indent="0">
-              <a:buNone/>
-              <a:defRPr sz="1400">
-                <a:solidFill>
-                  <a:schemeClr val="tx1">
-                    <a:tint val="75000"/>
-                  </a:schemeClr>
-                </a:solidFill>
-              </a:defRPr>
-            </a:lvl8pPr>
-            <a:lvl9pPr marL="3657600" indent="0">
-              <a:buNone/>
-              <a:defRPr sz="1400">
-                <a:solidFill>
-                  <a:schemeClr val="tx1">
-                    <a:tint val="75000"/>
-                  </a:schemeClr>
-                </a:solidFill>
-              </a:defRPr>
-            </a:lvl9pPr>
           </a:lstStyle>
           <a:p>
-            <a:pPr lvl="0"/>
-            <a:r>
-              <a:rPr lang="fr-FR" smtClean="0"/>
+            <a:pPr lvl="0" eaLnBrk="1" latinLnBrk="0" hangingPunct="1"/>
+            <a:r>
+              <a:rPr kumimoji="0" lang="fr-FR" smtClean="0"/>
               <a:t>Cliquez pour modifier les styles du texte du masque</a:t>
             </a:r>
           </a:p>
@@ -1034,7 +1526,8 @@
           <a:p>
             <a:fld id="{49B45151-D5A0-495B-9803-896721AE84D9}" type="datetimeFigureOut">
               <a:rPr lang="en-US" smtClean="0"/>
-              <a:t>7/21/2020</a:t>
+              <a:pPr/>
+              <a:t>7/23/2020</a:t>
             </a:fld>
             <a:endParaRPr lang="en-US"/>
           </a:p>
@@ -1076,6 +1569,7 @@
           <a:p>
             <a:fld id="{90F6734A-9EE2-4632-9348-A5002D2EF2AA}" type="slidenum">
               <a:rPr lang="en-US" smtClean="0"/>
+              <a:pPr/>
               <a:t>‹N°›</a:t>
             </a:fld>
             <a:endParaRPr lang="en-US"/>
@@ -1123,10 +1617,10 @@
           <a:lstStyle/>
           <a:p>
             <a:r>
-              <a:rPr lang="fr-FR" smtClean="0"/>
+              <a:rPr kumimoji="0" lang="fr-FR" smtClean="0"/>
               <a:t>Cliquez pour modifier le style du titre</a:t>
             </a:r>
-            <a:endParaRPr lang="en-US"/>
+            <a:endParaRPr kumimoji="0" lang="en-US"/>
           </a:p>
         </p:txBody>
       </p:sp>
@@ -1142,7 +1636,7 @@
         </p:nvSpPr>
         <p:spPr>
           <a:xfrm>
-            <a:off x="457200" y="1600200"/>
+            <a:off x="457200" y="2249424"/>
             <a:ext cx="4038600" cy="4525963"/>
           </a:xfrm>
         </p:spPr>
@@ -1150,13 +1644,13 @@
           <a:bodyPr/>
           <a:lstStyle>
             <a:lvl1pPr>
-              <a:defRPr sz="2800"/>
+              <a:defRPr sz="2000"/>
             </a:lvl1pPr>
             <a:lvl2pPr>
-              <a:defRPr sz="2400"/>
+              <a:defRPr sz="1900"/>
             </a:lvl2pPr>
             <a:lvl3pPr>
-              <a:defRPr sz="2000"/>
+              <a:defRPr sz="1800"/>
             </a:lvl3pPr>
             <a:lvl4pPr>
               <a:defRPr sz="1800"/>
@@ -1164,54 +1658,42 @@
             <a:lvl5pPr>
               <a:defRPr sz="1800"/>
             </a:lvl5pPr>
-            <a:lvl6pPr>
-              <a:defRPr sz="1800"/>
-            </a:lvl6pPr>
-            <a:lvl7pPr>
-              <a:defRPr sz="1800"/>
-            </a:lvl7pPr>
-            <a:lvl8pPr>
-              <a:defRPr sz="1800"/>
-            </a:lvl8pPr>
-            <a:lvl9pPr>
-              <a:defRPr sz="1800"/>
-            </a:lvl9pPr>
           </a:lstStyle>
           <a:p>
-            <a:pPr lvl="0"/>
+            <a:pPr lvl="0" eaLnBrk="1" latinLnBrk="0" hangingPunct="1"/>
             <a:r>
               <a:rPr lang="fr-FR" smtClean="0"/>
               <a:t>Cliquez pour modifier les styles du texte du masque</a:t>
             </a:r>
           </a:p>
           <a:p>
-            <a:pPr lvl="1"/>
+            <a:pPr lvl="1" eaLnBrk="1" latinLnBrk="0" hangingPunct="1"/>
             <a:r>
               <a:rPr lang="fr-FR" smtClean="0"/>
               <a:t>Deuxième niveau</a:t>
             </a:r>
           </a:p>
           <a:p>
-            <a:pPr lvl="2"/>
+            <a:pPr lvl="2" eaLnBrk="1" latinLnBrk="0" hangingPunct="1"/>
             <a:r>
               <a:rPr lang="fr-FR" smtClean="0"/>
               <a:t>Troisième niveau</a:t>
             </a:r>
           </a:p>
           <a:p>
-            <a:pPr lvl="3"/>
+            <a:pPr lvl="3" eaLnBrk="1" latinLnBrk="0" hangingPunct="1"/>
             <a:r>
               <a:rPr lang="fr-FR" smtClean="0"/>
               <a:t>Quatrième niveau</a:t>
             </a:r>
           </a:p>
           <a:p>
-            <a:pPr lvl="4"/>
+            <a:pPr lvl="4" eaLnBrk="1" latinLnBrk="0" hangingPunct="1"/>
             <a:r>
               <a:rPr lang="fr-FR" smtClean="0"/>
               <a:t>Cinquième niveau</a:t>
             </a:r>
-            <a:endParaRPr lang="en-US"/>
+            <a:endParaRPr kumimoji="0" lang="en-US"/>
           </a:p>
         </p:txBody>
       </p:sp>
@@ -1227,7 +1709,7 @@
         </p:nvSpPr>
         <p:spPr>
           <a:xfrm>
-            <a:off x="4648200" y="1600200"/>
+            <a:off x="4648200" y="2249424"/>
             <a:ext cx="4038600" cy="4525963"/>
           </a:xfrm>
         </p:spPr>
@@ -1235,13 +1717,13 @@
           <a:bodyPr/>
           <a:lstStyle>
             <a:lvl1pPr>
-              <a:defRPr sz="2800"/>
+              <a:defRPr sz="2000"/>
             </a:lvl1pPr>
             <a:lvl2pPr>
-              <a:defRPr sz="2400"/>
+              <a:defRPr sz="1900"/>
             </a:lvl2pPr>
             <a:lvl3pPr>
-              <a:defRPr sz="2000"/>
+              <a:defRPr sz="1800"/>
             </a:lvl3pPr>
             <a:lvl4pPr>
               <a:defRPr sz="1800"/>
@@ -1249,54 +1731,42 @@
             <a:lvl5pPr>
               <a:defRPr sz="1800"/>
             </a:lvl5pPr>
-            <a:lvl6pPr>
-              <a:defRPr sz="1800"/>
-            </a:lvl6pPr>
-            <a:lvl7pPr>
-              <a:defRPr sz="1800"/>
-            </a:lvl7pPr>
-            <a:lvl8pPr>
-              <a:defRPr sz="1800"/>
-            </a:lvl8pPr>
-            <a:lvl9pPr>
-              <a:defRPr sz="1800"/>
-            </a:lvl9pPr>
           </a:lstStyle>
           <a:p>
-            <a:pPr lvl="0"/>
+            <a:pPr lvl="0" eaLnBrk="1" latinLnBrk="0" hangingPunct="1"/>
             <a:r>
               <a:rPr lang="fr-FR" smtClean="0"/>
               <a:t>Cliquez pour modifier les styles du texte du masque</a:t>
             </a:r>
           </a:p>
           <a:p>
-            <a:pPr lvl="1"/>
+            <a:pPr lvl="1" eaLnBrk="1" latinLnBrk="0" hangingPunct="1"/>
             <a:r>
               <a:rPr lang="fr-FR" smtClean="0"/>
               <a:t>Deuxième niveau</a:t>
             </a:r>
           </a:p>
           <a:p>
-            <a:pPr lvl="2"/>
+            <a:pPr lvl="2" eaLnBrk="1" latinLnBrk="0" hangingPunct="1"/>
             <a:r>
               <a:rPr lang="fr-FR" smtClean="0"/>
               <a:t>Troisième niveau</a:t>
             </a:r>
           </a:p>
           <a:p>
-            <a:pPr lvl="3"/>
+            <a:pPr lvl="3" eaLnBrk="1" latinLnBrk="0" hangingPunct="1"/>
             <a:r>
               <a:rPr lang="fr-FR" smtClean="0"/>
               <a:t>Quatrième niveau</a:t>
             </a:r>
           </a:p>
           <a:p>
-            <a:pPr lvl="4"/>
+            <a:pPr lvl="4" eaLnBrk="1" latinLnBrk="0" hangingPunct="1"/>
             <a:r>
               <a:rPr lang="fr-FR" smtClean="0"/>
               <a:t>Cinquième niveau</a:t>
             </a:r>
-            <a:endParaRPr lang="en-US"/>
+            <a:endParaRPr kumimoji="0" lang="en-US"/>
           </a:p>
         </p:txBody>
       </p:sp>
@@ -1317,7 +1787,8 @@
           <a:p>
             <a:fld id="{49B45151-D5A0-495B-9803-896721AE84D9}" type="datetimeFigureOut">
               <a:rPr lang="en-US" smtClean="0"/>
-              <a:t>7/21/2020</a:t>
+              <a:pPr/>
+              <a:t>7/23/2020</a:t>
             </a:fld>
             <a:endParaRPr lang="en-US"/>
           </a:p>
@@ -1359,6 +1830,7 @@
           <a:p>
             <a:fld id="{90F6734A-9EE2-4632-9348-A5002D2EF2AA}" type="slidenum">
               <a:rPr lang="en-US" smtClean="0"/>
+              <a:pPr/>
               <a:t>‹N°›</a:t>
             </a:fld>
             <a:endParaRPr lang="en-US"/>
@@ -1400,109 +1872,185 @@
             <p:ph type="title"/>
           </p:nvPr>
         </p:nvSpPr>
-        <p:spPr/>
+        <p:spPr>
+          <a:xfrm>
+            <a:off x="381000" y="1143000"/>
+            <a:ext cx="8382000" cy="1069848"/>
+          </a:xfrm>
+        </p:spPr>
+        <p:txBody>
+          <a:bodyPr anchor="ctr"/>
+          <a:lstStyle>
+            <a:lvl1pPr>
+              <a:defRPr sz="4000" b="0" i="0" cap="none" baseline="0"/>
+            </a:lvl1pPr>
+          </a:lstStyle>
+          <a:p>
+            <a:r>
+              <a:rPr kumimoji="0" lang="fr-FR" smtClean="0"/>
+              <a:t>Cliquez pour modifier le style du titre</a:t>
+            </a:r>
+            <a:endParaRPr kumimoji="0" lang="en-US"/>
+          </a:p>
+        </p:txBody>
+      </p:sp>
+      <p:sp>
+        <p:nvSpPr>
+          <p:cNvPr id="3" name="Espace réservé du texte 2"/>
+          <p:cNvSpPr>
+            <a:spLocks noGrp="1"/>
+          </p:cNvSpPr>
+          <p:nvPr>
+            <p:ph type="body" idx="1"/>
+          </p:nvPr>
+        </p:nvSpPr>
+        <p:spPr>
+          <a:xfrm>
+            <a:off x="381000" y="2244970"/>
+            <a:ext cx="4041648" cy="457200"/>
+          </a:xfrm>
+          <a:solidFill>
+            <a:schemeClr val="accent2">
+              <a:satMod val="150000"/>
+              <a:alpha val="25000"/>
+            </a:schemeClr>
+          </a:solidFill>
+          <a:ln w="12700">
+            <a:solidFill>
+              <a:schemeClr val="accent2"/>
+            </a:solidFill>
+          </a:ln>
+        </p:spPr>
+        <p:txBody>
+          <a:bodyPr anchor="ctr">
+            <a:noAutofit/>
+          </a:bodyPr>
+          <a:lstStyle>
+            <a:lvl1pPr marL="45720" indent="0">
+              <a:buNone/>
+              <a:defRPr sz="1900" b="1">
+                <a:solidFill>
+                  <a:schemeClr val="tx1">
+                    <a:tint val="95000"/>
+                  </a:schemeClr>
+                </a:solidFill>
+              </a:defRPr>
+            </a:lvl1pPr>
+            <a:lvl2pPr>
+              <a:buNone/>
+              <a:defRPr sz="2000" b="1"/>
+            </a:lvl2pPr>
+            <a:lvl3pPr>
+              <a:buNone/>
+              <a:defRPr sz="1800" b="1"/>
+            </a:lvl3pPr>
+            <a:lvl4pPr>
+              <a:buNone/>
+              <a:defRPr sz="1600" b="1"/>
+            </a:lvl4pPr>
+            <a:lvl5pPr>
+              <a:buNone/>
+              <a:defRPr sz="1600" b="1"/>
+            </a:lvl5pPr>
+          </a:lstStyle>
+          <a:p>
+            <a:pPr lvl="0" eaLnBrk="1" latinLnBrk="0" hangingPunct="1"/>
+            <a:r>
+              <a:rPr kumimoji="0" lang="fr-FR" smtClean="0"/>
+              <a:t>Cliquez pour modifier les styles du texte du masque</a:t>
+            </a:r>
+          </a:p>
+        </p:txBody>
+      </p:sp>
+      <p:sp>
+        <p:nvSpPr>
+          <p:cNvPr id="4" name="Espace réservé du texte 3"/>
+          <p:cNvSpPr>
+            <a:spLocks noGrp="1"/>
+          </p:cNvSpPr>
+          <p:nvPr>
+            <p:ph type="body" sz="half" idx="3"/>
+          </p:nvPr>
+        </p:nvSpPr>
+        <p:spPr>
+          <a:xfrm>
+            <a:off x="4721225" y="2244970"/>
+            <a:ext cx="4041775" cy="457200"/>
+          </a:xfrm>
+          <a:solidFill>
+            <a:schemeClr val="accent2">
+              <a:satMod val="150000"/>
+              <a:alpha val="25000"/>
+            </a:schemeClr>
+          </a:solidFill>
+          <a:ln w="12700">
+            <a:solidFill>
+              <a:schemeClr val="accent2"/>
+            </a:solidFill>
+          </a:ln>
+        </p:spPr>
+        <p:txBody>
+          <a:bodyPr anchor="ctr">
+            <a:noAutofit/>
+          </a:bodyPr>
+          <a:lstStyle>
+            <a:lvl1pPr marL="45720" indent="0">
+              <a:buNone/>
+              <a:defRPr sz="1900" b="1">
+                <a:solidFill>
+                  <a:schemeClr val="tx1">
+                    <a:tint val="95000"/>
+                  </a:schemeClr>
+                </a:solidFill>
+              </a:defRPr>
+            </a:lvl1pPr>
+            <a:lvl2pPr>
+              <a:buNone/>
+              <a:defRPr sz="2000" b="1"/>
+            </a:lvl2pPr>
+            <a:lvl3pPr>
+              <a:buNone/>
+              <a:defRPr sz="1800" b="1"/>
+            </a:lvl3pPr>
+            <a:lvl4pPr>
+              <a:buNone/>
+              <a:defRPr sz="1600" b="1"/>
+            </a:lvl4pPr>
+            <a:lvl5pPr>
+              <a:buNone/>
+              <a:defRPr sz="1600" b="1"/>
+            </a:lvl5pPr>
+          </a:lstStyle>
+          <a:p>
+            <a:pPr lvl="0" eaLnBrk="1" latinLnBrk="0" hangingPunct="1"/>
+            <a:r>
+              <a:rPr kumimoji="0" lang="fr-FR" smtClean="0"/>
+              <a:t>Cliquez pour modifier les styles du texte du masque</a:t>
+            </a:r>
+          </a:p>
+        </p:txBody>
+      </p:sp>
+      <p:sp>
+        <p:nvSpPr>
+          <p:cNvPr id="5" name="Espace réservé du contenu 4"/>
+          <p:cNvSpPr>
+            <a:spLocks noGrp="1"/>
+          </p:cNvSpPr>
+          <p:nvPr>
+            <p:ph sz="quarter" idx="2"/>
+          </p:nvPr>
+        </p:nvSpPr>
+        <p:spPr>
+          <a:xfrm>
+            <a:off x="381000" y="2708519"/>
+            <a:ext cx="4041648" cy="3886200"/>
+          </a:xfrm>
+        </p:spPr>
         <p:txBody>
           <a:bodyPr/>
           <a:lstStyle>
             <a:lvl1pPr>
-              <a:defRPr/>
-            </a:lvl1pPr>
-          </a:lstStyle>
-          <a:p>
-            <a:r>
-              <a:rPr lang="fr-FR" smtClean="0"/>
-              <a:t>Cliquez pour modifier le style du titre</a:t>
-            </a:r>
-            <a:endParaRPr lang="en-US"/>
-          </a:p>
-        </p:txBody>
-      </p:sp>
-      <p:sp>
-        <p:nvSpPr>
-          <p:cNvPr id="3" name="Espace réservé du texte 2"/>
-          <p:cNvSpPr>
-            <a:spLocks noGrp="1"/>
-          </p:cNvSpPr>
-          <p:nvPr>
-            <p:ph type="body" idx="1"/>
-          </p:nvPr>
-        </p:nvSpPr>
-        <p:spPr>
-          <a:xfrm>
-            <a:off x="457200" y="1535113"/>
-            <a:ext cx="4040188" cy="639762"/>
-          </a:xfrm>
-        </p:spPr>
-        <p:txBody>
-          <a:bodyPr anchor="b"/>
-          <a:lstStyle>
-            <a:lvl1pPr marL="0" indent="0">
-              <a:buNone/>
-              <a:defRPr sz="2400" b="1"/>
-            </a:lvl1pPr>
-            <a:lvl2pPr marL="457200" indent="0">
-              <a:buNone/>
-              <a:defRPr sz="2000" b="1"/>
-            </a:lvl2pPr>
-            <a:lvl3pPr marL="914400" indent="0">
-              <a:buNone/>
-              <a:defRPr sz="1800" b="1"/>
-            </a:lvl3pPr>
-            <a:lvl4pPr marL="1371600" indent="0">
-              <a:buNone/>
-              <a:defRPr sz="1600" b="1"/>
-            </a:lvl4pPr>
-            <a:lvl5pPr marL="1828800" indent="0">
-              <a:buNone/>
-              <a:defRPr sz="1600" b="1"/>
-            </a:lvl5pPr>
-            <a:lvl6pPr marL="2286000" indent="0">
-              <a:buNone/>
-              <a:defRPr sz="1600" b="1"/>
-            </a:lvl6pPr>
-            <a:lvl7pPr marL="2743200" indent="0">
-              <a:buNone/>
-              <a:defRPr sz="1600" b="1"/>
-            </a:lvl7pPr>
-            <a:lvl8pPr marL="3200400" indent="0">
-              <a:buNone/>
-              <a:defRPr sz="1600" b="1"/>
-            </a:lvl8pPr>
-            <a:lvl9pPr marL="3657600" indent="0">
-              <a:buNone/>
-              <a:defRPr sz="1600" b="1"/>
-            </a:lvl9pPr>
-          </a:lstStyle>
-          <a:p>
-            <a:pPr lvl="0"/>
-            <a:r>
-              <a:rPr lang="fr-FR" smtClean="0"/>
-              <a:t>Cliquez pour modifier les styles du texte du masque</a:t>
-            </a:r>
-          </a:p>
-        </p:txBody>
-      </p:sp>
-      <p:sp>
-        <p:nvSpPr>
-          <p:cNvPr id="4" name="Espace réservé du contenu 3"/>
-          <p:cNvSpPr>
-            <a:spLocks noGrp="1"/>
-          </p:cNvSpPr>
-          <p:nvPr>
-            <p:ph sz="half" idx="2"/>
-          </p:nvPr>
-        </p:nvSpPr>
-        <p:spPr>
-          <a:xfrm>
-            <a:off x="457200" y="2174875"/>
-            <a:ext cx="4040188" cy="3951288"/>
-          </a:xfrm>
-        </p:spPr>
-        <p:txBody>
-          <a:bodyPr/>
-          <a:lstStyle>
-            <a:lvl1pPr>
-              <a:defRPr sz="2400"/>
+              <a:defRPr sz="2000"/>
             </a:lvl1pPr>
             <a:lvl2pPr>
               <a:defRPr sz="2000"/>
@@ -1516,119 +2064,42 @@
             <a:lvl5pPr>
               <a:defRPr sz="1600"/>
             </a:lvl5pPr>
-            <a:lvl6pPr>
-              <a:defRPr sz="1600"/>
-            </a:lvl6pPr>
-            <a:lvl7pPr>
-              <a:defRPr sz="1600"/>
-            </a:lvl7pPr>
-            <a:lvl8pPr>
-              <a:defRPr sz="1600"/>
-            </a:lvl8pPr>
-            <a:lvl9pPr>
-              <a:defRPr sz="1600"/>
-            </a:lvl9pPr>
           </a:lstStyle>
           <a:p>
-            <a:pPr lvl="0"/>
+            <a:pPr lvl="0" eaLnBrk="1" latinLnBrk="0" hangingPunct="1"/>
             <a:r>
               <a:rPr lang="fr-FR" smtClean="0"/>
               <a:t>Cliquez pour modifier les styles du texte du masque</a:t>
             </a:r>
           </a:p>
           <a:p>
-            <a:pPr lvl="1"/>
+            <a:pPr lvl="1" eaLnBrk="1" latinLnBrk="0" hangingPunct="1"/>
             <a:r>
               <a:rPr lang="fr-FR" smtClean="0"/>
               <a:t>Deuxième niveau</a:t>
             </a:r>
           </a:p>
           <a:p>
-            <a:pPr lvl="2"/>
+            <a:pPr lvl="2" eaLnBrk="1" latinLnBrk="0" hangingPunct="1"/>
             <a:r>
               <a:rPr lang="fr-FR" smtClean="0"/>
               <a:t>Troisième niveau</a:t>
             </a:r>
           </a:p>
           <a:p>
-            <a:pPr lvl="3"/>
+            <a:pPr lvl="3" eaLnBrk="1" latinLnBrk="0" hangingPunct="1"/>
             <a:r>
               <a:rPr lang="fr-FR" smtClean="0"/>
               <a:t>Quatrième niveau</a:t>
             </a:r>
           </a:p>
           <a:p>
-            <a:pPr lvl="4"/>
+            <a:pPr lvl="4" eaLnBrk="1" latinLnBrk="0" hangingPunct="1"/>
             <a:r>
               <a:rPr lang="fr-FR" smtClean="0"/>
               <a:t>Cinquième niveau</a:t>
             </a:r>
-            <a:endParaRPr lang="en-US"/>
-          </a:p>
-        </p:txBody>
-      </p:sp>
-      <p:sp>
-        <p:nvSpPr>
-          <p:cNvPr id="5" name="Espace réservé du texte 4"/>
-          <p:cNvSpPr>
-            <a:spLocks noGrp="1"/>
-          </p:cNvSpPr>
-          <p:nvPr>
-            <p:ph type="body" sz="quarter" idx="3"/>
-          </p:nvPr>
-        </p:nvSpPr>
-        <p:spPr>
-          <a:xfrm>
-            <a:off x="4645025" y="1535113"/>
-            <a:ext cx="4041775" cy="639762"/>
-          </a:xfrm>
-        </p:spPr>
-        <p:txBody>
-          <a:bodyPr anchor="b"/>
-          <a:lstStyle>
-            <a:lvl1pPr marL="0" indent="0">
-              <a:buNone/>
-              <a:defRPr sz="2400" b="1"/>
-            </a:lvl1pPr>
-            <a:lvl2pPr marL="457200" indent="0">
-              <a:buNone/>
-              <a:defRPr sz="2000" b="1"/>
-            </a:lvl2pPr>
-            <a:lvl3pPr marL="914400" indent="0">
-              <a:buNone/>
-              <a:defRPr sz="1800" b="1"/>
-            </a:lvl3pPr>
-            <a:lvl4pPr marL="1371600" indent="0">
-              <a:buNone/>
-              <a:defRPr sz="1600" b="1"/>
-            </a:lvl4pPr>
-            <a:lvl5pPr marL="1828800" indent="0">
-              <a:buNone/>
-              <a:defRPr sz="1600" b="1"/>
-            </a:lvl5pPr>
-            <a:lvl6pPr marL="2286000" indent="0">
-              <a:buNone/>
-              <a:defRPr sz="1600" b="1"/>
-            </a:lvl6pPr>
-            <a:lvl7pPr marL="2743200" indent="0">
-              <a:buNone/>
-              <a:defRPr sz="1600" b="1"/>
-            </a:lvl7pPr>
-            <a:lvl8pPr marL="3200400" indent="0">
-              <a:buNone/>
-              <a:defRPr sz="1600" b="1"/>
-            </a:lvl8pPr>
-            <a:lvl9pPr marL="3657600" indent="0">
-              <a:buNone/>
-              <a:defRPr sz="1600" b="1"/>
-            </a:lvl9pPr>
-          </a:lstStyle>
-          <a:p>
-            <a:pPr lvl="0"/>
-            <a:r>
-              <a:rPr lang="fr-FR" smtClean="0"/>
-              <a:t>Cliquez pour modifier les styles du texte du masque</a:t>
-            </a:r>
+            <a:endParaRPr kumimoji="0" lang="en-US"/>
           </a:p>
         </p:txBody>
       </p:sp>
@@ -1644,15 +2115,15 @@
         </p:nvSpPr>
         <p:spPr>
           <a:xfrm>
-            <a:off x="4645025" y="2174875"/>
-            <a:ext cx="4041775" cy="3951288"/>
+            <a:off x="4718304" y="2708519"/>
+            <a:ext cx="4041775" cy="3886200"/>
           </a:xfrm>
         </p:spPr>
         <p:txBody>
           <a:bodyPr/>
           <a:lstStyle>
             <a:lvl1pPr>
-              <a:defRPr sz="2400"/>
+              <a:defRPr sz="2000"/>
             </a:lvl1pPr>
             <a:lvl2pPr>
               <a:defRPr sz="2000"/>
@@ -1666,60 +2137,48 @@
             <a:lvl5pPr>
               <a:defRPr sz="1600"/>
             </a:lvl5pPr>
-            <a:lvl6pPr>
-              <a:defRPr sz="1600"/>
-            </a:lvl6pPr>
-            <a:lvl7pPr>
-              <a:defRPr sz="1600"/>
-            </a:lvl7pPr>
-            <a:lvl8pPr>
-              <a:defRPr sz="1600"/>
-            </a:lvl8pPr>
-            <a:lvl9pPr>
-              <a:defRPr sz="1600"/>
-            </a:lvl9pPr>
           </a:lstStyle>
           <a:p>
-            <a:pPr lvl="0"/>
+            <a:pPr lvl="0" eaLnBrk="1" latinLnBrk="0" hangingPunct="1"/>
             <a:r>
               <a:rPr lang="fr-FR" smtClean="0"/>
               <a:t>Cliquez pour modifier les styles du texte du masque</a:t>
             </a:r>
           </a:p>
           <a:p>
-            <a:pPr lvl="1"/>
+            <a:pPr lvl="1" eaLnBrk="1" latinLnBrk="0" hangingPunct="1"/>
             <a:r>
               <a:rPr lang="fr-FR" smtClean="0"/>
               <a:t>Deuxième niveau</a:t>
             </a:r>
           </a:p>
           <a:p>
-            <a:pPr lvl="2"/>
+            <a:pPr lvl="2" eaLnBrk="1" latinLnBrk="0" hangingPunct="1"/>
             <a:r>
               <a:rPr lang="fr-FR" smtClean="0"/>
               <a:t>Troisième niveau</a:t>
             </a:r>
           </a:p>
           <a:p>
-            <a:pPr lvl="3"/>
+            <a:pPr lvl="3" eaLnBrk="1" latinLnBrk="0" hangingPunct="1"/>
             <a:r>
               <a:rPr lang="fr-FR" smtClean="0"/>
               <a:t>Quatrième niveau</a:t>
             </a:r>
           </a:p>
           <a:p>
-            <a:pPr lvl="4"/>
+            <a:pPr lvl="4" eaLnBrk="1" latinLnBrk="0" hangingPunct="1"/>
             <a:r>
               <a:rPr lang="fr-FR" smtClean="0"/>
               <a:t>Cinquième niveau</a:t>
             </a:r>
-            <a:endParaRPr lang="en-US"/>
-          </a:p>
-        </p:txBody>
-      </p:sp>
-      <p:sp>
-        <p:nvSpPr>
-          <p:cNvPr id="7" name="Espace réservé de la date 6"/>
+            <a:endParaRPr kumimoji="0" lang="en-US"/>
+          </a:p>
+        </p:txBody>
+      </p:sp>
+      <p:sp>
+        <p:nvSpPr>
+          <p:cNvPr id="26" name="Espace réservé de la date 25"/>
           <p:cNvSpPr>
             <a:spLocks noGrp="1"/>
           </p:cNvSpPr>
@@ -1729,12 +2188,13 @@
         </p:nvSpPr>
         <p:spPr/>
         <p:txBody>
-          <a:bodyPr/>
+          <a:bodyPr rtlCol="0"/>
           <a:lstStyle/>
           <a:p>
             <a:fld id="{49B45151-D5A0-495B-9803-896721AE84D9}" type="datetimeFigureOut">
               <a:rPr lang="en-US" smtClean="0"/>
-              <a:t>7/21/2020</a:t>
+              <a:pPr/>
+              <a:t>7/23/2020</a:t>
             </a:fld>
             <a:endParaRPr lang="en-US"/>
           </a:p>
@@ -1742,42 +2202,43 @@
       </p:sp>
       <p:sp>
         <p:nvSpPr>
-          <p:cNvPr id="8" name="Espace réservé du pied de page 7"/>
-          <p:cNvSpPr>
-            <a:spLocks noGrp="1"/>
-          </p:cNvSpPr>
-          <p:nvPr>
-            <p:ph type="ftr" sz="quarter" idx="11"/>
+          <p:cNvPr id="27" name="Espace réservé du numéro de diapositive 26"/>
+          <p:cNvSpPr>
+            <a:spLocks noGrp="1"/>
+          </p:cNvSpPr>
+          <p:nvPr>
+            <p:ph type="sldNum" sz="quarter" idx="11"/>
           </p:nvPr>
         </p:nvSpPr>
         <p:spPr/>
         <p:txBody>
-          <a:bodyPr/>
-          <a:lstStyle/>
-          <a:p>
-            <a:endParaRPr lang="en-US"/>
-          </a:p>
-        </p:txBody>
-      </p:sp>
-      <p:sp>
-        <p:nvSpPr>
-          <p:cNvPr id="9" name="Espace réservé du numéro de diapositive 8"/>
-          <p:cNvSpPr>
-            <a:spLocks noGrp="1"/>
-          </p:cNvSpPr>
-          <p:nvPr>
-            <p:ph type="sldNum" sz="quarter" idx="12"/>
-          </p:nvPr>
-        </p:nvSpPr>
-        <p:spPr/>
-        <p:txBody>
-          <a:bodyPr/>
+          <a:bodyPr rtlCol="0"/>
           <a:lstStyle/>
           <a:p>
             <a:fld id="{90F6734A-9EE2-4632-9348-A5002D2EF2AA}" type="slidenum">
               <a:rPr lang="en-US" smtClean="0"/>
+              <a:pPr/>
               <a:t>‹N°›</a:t>
             </a:fld>
+            <a:endParaRPr lang="en-US"/>
+          </a:p>
+        </p:txBody>
+      </p:sp>
+      <p:sp>
+        <p:nvSpPr>
+          <p:cNvPr id="28" name="Espace réservé du pied de page 27"/>
+          <p:cNvSpPr>
+            <a:spLocks noGrp="1"/>
+          </p:cNvSpPr>
+          <p:nvPr>
+            <p:ph type="ftr" sz="quarter" idx="12"/>
+          </p:nvPr>
+        </p:nvSpPr>
+        <p:spPr/>
+        <p:txBody>
+          <a:bodyPr rtlCol="0"/>
+          <a:lstStyle/>
+          <a:p>
             <a:endParaRPr lang="en-US"/>
           </a:p>
         </p:txBody>
@@ -1817,16 +2278,29 @@
             <p:ph type="title"/>
           </p:nvPr>
         </p:nvSpPr>
-        <p:spPr/>
-        <p:txBody>
-          <a:bodyPr/>
-          <a:lstStyle/>
-          <a:p>
-            <a:r>
-              <a:rPr lang="fr-FR" smtClean="0"/>
+        <p:spPr>
+          <a:xfrm>
+            <a:off x="457200" y="1143000"/>
+            <a:ext cx="8229600" cy="1069848"/>
+          </a:xfrm>
+        </p:spPr>
+        <p:txBody>
+          <a:bodyPr anchor="ctr"/>
+          <a:lstStyle>
+            <a:lvl1pPr>
+              <a:defRPr sz="4000">
+                <a:solidFill>
+                  <a:schemeClr val="tx2"/>
+                </a:solidFill>
+              </a:defRPr>
+            </a:lvl1pPr>
+          </a:lstStyle>
+          <a:p>
+            <a:r>
+              <a:rPr kumimoji="0" lang="fr-FR" smtClean="0"/>
               <a:t>Cliquez pour modifier le style du titre</a:t>
             </a:r>
-            <a:endParaRPr lang="en-US"/>
+            <a:endParaRPr kumimoji="0" lang="en-US"/>
           </a:p>
         </p:txBody>
       </p:sp>
@@ -1840,14 +2314,20 @@
             <p:ph type="dt" sz="half" idx="10"/>
           </p:nvPr>
         </p:nvSpPr>
-        <p:spPr/>
+        <p:spPr>
+          <a:xfrm>
+            <a:off x="6583680" y="612648"/>
+            <a:ext cx="957264" cy="457200"/>
+          </a:xfrm>
+        </p:spPr>
         <p:txBody>
           <a:bodyPr/>
           <a:lstStyle/>
           <a:p>
             <a:fld id="{49B45151-D5A0-495B-9803-896721AE84D9}" type="datetimeFigureOut">
               <a:rPr lang="en-US" smtClean="0"/>
-              <a:t>7/21/2020</a:t>
+              <a:pPr/>
+              <a:t>7/23/2020</a:t>
             </a:fld>
             <a:endParaRPr lang="en-US"/>
           </a:p>
@@ -1863,7 +2343,12 @@
             <p:ph type="ftr" sz="quarter" idx="11"/>
           </p:nvPr>
         </p:nvSpPr>
-        <p:spPr/>
+        <p:spPr>
+          <a:xfrm>
+            <a:off x="5257800" y="612648"/>
+            <a:ext cx="1325880" cy="457200"/>
+          </a:xfrm>
+        </p:spPr>
         <p:txBody>
           <a:bodyPr/>
           <a:lstStyle/>
@@ -1882,13 +2367,19 @@
             <p:ph type="sldNum" sz="quarter" idx="12"/>
           </p:nvPr>
         </p:nvSpPr>
-        <p:spPr/>
+        <p:spPr>
+          <a:xfrm>
+            <a:off x="8174736" y="2272"/>
+            <a:ext cx="762000" cy="365760"/>
+          </a:xfrm>
+        </p:spPr>
         <p:txBody>
           <a:bodyPr/>
           <a:lstStyle/>
           <a:p>
             <a:fld id="{90F6734A-9EE2-4632-9348-A5002D2EF2AA}" type="slidenum">
               <a:rPr lang="en-US" smtClean="0"/>
+              <a:pPr/>
               <a:t>‹N°›</a:t>
             </a:fld>
             <a:endParaRPr lang="en-US"/>
@@ -1937,7 +2428,8 @@
           <a:p>
             <a:fld id="{49B45151-D5A0-495B-9803-896721AE84D9}" type="datetimeFigureOut">
               <a:rPr lang="en-US" smtClean="0"/>
-              <a:t>7/21/2020</a:t>
+              <a:pPr/>
+              <a:t>7/23/2020</a:t>
             </a:fld>
             <a:endParaRPr lang="en-US"/>
           </a:p>
@@ -1979,6 +2471,7 @@
           <a:p>
             <a:fld id="{90F6734A-9EE2-4632-9348-A5002D2EF2AA}" type="slidenum">
               <a:rPr lang="en-US" smtClean="0"/>
+              <a:pPr/>
               <a:t>‹N°›</a:t>
             </a:fld>
             <a:endParaRPr lang="en-US"/>
@@ -2022,40 +2515,90 @@
         </p:nvSpPr>
         <p:spPr>
           <a:xfrm>
-            <a:off x="457200" y="273050"/>
-            <a:ext cx="3008313" cy="1162050"/>
+            <a:off x="5353496" y="1101970"/>
+            <a:ext cx="3383280" cy="877824"/>
           </a:xfrm>
         </p:spPr>
         <p:txBody>
           <a:bodyPr anchor="b"/>
           <a:lstStyle>
             <a:lvl1pPr algn="l">
-              <a:defRPr sz="2000" b="1"/>
+              <a:buNone/>
+              <a:defRPr sz="1800" b="1"/>
             </a:lvl1pPr>
           </a:lstStyle>
           <a:p>
             <a:r>
-              <a:rPr lang="fr-FR" smtClean="0"/>
+              <a:rPr kumimoji="0" lang="fr-FR" smtClean="0"/>
               <a:t>Cliquez pour modifier le style du titre</a:t>
             </a:r>
-            <a:endParaRPr lang="en-US"/>
-          </a:p>
-        </p:txBody>
-      </p:sp>
-      <p:sp>
-        <p:nvSpPr>
-          <p:cNvPr id="3" name="Espace réservé du contenu 2"/>
-          <p:cNvSpPr>
-            <a:spLocks noGrp="1"/>
-          </p:cNvSpPr>
-          <p:nvPr>
-            <p:ph idx="1"/>
-          </p:nvPr>
-        </p:nvSpPr>
-        <p:spPr>
-          <a:xfrm>
-            <a:off x="3575050" y="273050"/>
-            <a:ext cx="5111750" cy="5853113"/>
+            <a:endParaRPr kumimoji="0" lang="en-US"/>
+          </a:p>
+        </p:txBody>
+      </p:sp>
+      <p:sp>
+        <p:nvSpPr>
+          <p:cNvPr id="3" name="Espace réservé du texte 2"/>
+          <p:cNvSpPr>
+            <a:spLocks noGrp="1"/>
+          </p:cNvSpPr>
+          <p:nvPr>
+            <p:ph type="body" idx="2"/>
+          </p:nvPr>
+        </p:nvSpPr>
+        <p:spPr>
+          <a:xfrm>
+            <a:off x="5353496" y="2010727"/>
+            <a:ext cx="3383280" cy="4617720"/>
+          </a:xfrm>
+        </p:spPr>
+        <p:txBody>
+          <a:bodyPr/>
+          <a:lstStyle>
+            <a:lvl1pPr marL="9144" indent="0">
+              <a:buNone/>
+              <a:defRPr sz="1400"/>
+            </a:lvl1pPr>
+            <a:lvl2pPr>
+              <a:buNone/>
+              <a:defRPr sz="1200"/>
+            </a:lvl2pPr>
+            <a:lvl3pPr>
+              <a:buNone/>
+              <a:defRPr sz="1000"/>
+            </a:lvl3pPr>
+            <a:lvl4pPr>
+              <a:buNone/>
+              <a:defRPr sz="900"/>
+            </a:lvl4pPr>
+            <a:lvl5pPr>
+              <a:buNone/>
+              <a:defRPr sz="900"/>
+            </a:lvl5pPr>
+          </a:lstStyle>
+          <a:p>
+            <a:pPr lvl="0" eaLnBrk="1" latinLnBrk="0" hangingPunct="1"/>
+            <a:r>
+              <a:rPr kumimoji="0" lang="fr-FR" smtClean="0"/>
+              <a:t>Cliquez pour modifier les styles du texte du masque</a:t>
+            </a:r>
+          </a:p>
+        </p:txBody>
+      </p:sp>
+      <p:sp>
+        <p:nvSpPr>
+          <p:cNvPr id="4" name="Espace réservé du contenu 3"/>
+          <p:cNvSpPr>
+            <a:spLocks noGrp="1"/>
+          </p:cNvSpPr>
+          <p:nvPr>
+            <p:ph sz="half" idx="1"/>
+          </p:nvPr>
+        </p:nvSpPr>
+        <p:spPr>
+          <a:xfrm>
+            <a:off x="152400" y="776287"/>
+            <a:ext cx="5102352" cy="5852160"/>
           </a:xfrm>
         </p:spPr>
         <p:txBody>
@@ -2076,119 +2619,42 @@
             <a:lvl5pPr>
               <a:defRPr sz="2000"/>
             </a:lvl5pPr>
-            <a:lvl6pPr>
-              <a:defRPr sz="2000"/>
-            </a:lvl6pPr>
-            <a:lvl7pPr>
-              <a:defRPr sz="2000"/>
-            </a:lvl7pPr>
-            <a:lvl8pPr>
-              <a:defRPr sz="2000"/>
-            </a:lvl8pPr>
-            <a:lvl9pPr>
-              <a:defRPr sz="2000"/>
-            </a:lvl9pPr>
           </a:lstStyle>
           <a:p>
-            <a:pPr lvl="0"/>
+            <a:pPr lvl="0" eaLnBrk="1" latinLnBrk="0" hangingPunct="1"/>
             <a:r>
               <a:rPr lang="fr-FR" smtClean="0"/>
               <a:t>Cliquez pour modifier les styles du texte du masque</a:t>
             </a:r>
           </a:p>
           <a:p>
-            <a:pPr lvl="1"/>
+            <a:pPr lvl="1" eaLnBrk="1" latinLnBrk="0" hangingPunct="1"/>
             <a:r>
               <a:rPr lang="fr-FR" smtClean="0"/>
               <a:t>Deuxième niveau</a:t>
             </a:r>
           </a:p>
           <a:p>
-            <a:pPr lvl="2"/>
+            <a:pPr lvl="2" eaLnBrk="1" latinLnBrk="0" hangingPunct="1"/>
             <a:r>
               <a:rPr lang="fr-FR" smtClean="0"/>
               <a:t>Troisième niveau</a:t>
             </a:r>
           </a:p>
           <a:p>
-            <a:pPr lvl="3"/>
+            <a:pPr lvl="3" eaLnBrk="1" latinLnBrk="0" hangingPunct="1"/>
             <a:r>
               <a:rPr lang="fr-FR" smtClean="0"/>
               <a:t>Quatrième niveau</a:t>
             </a:r>
           </a:p>
           <a:p>
-            <a:pPr lvl="4"/>
+            <a:pPr lvl="4" eaLnBrk="1" latinLnBrk="0" hangingPunct="1"/>
             <a:r>
               <a:rPr lang="fr-FR" smtClean="0"/>
               <a:t>Cinquième niveau</a:t>
             </a:r>
-            <a:endParaRPr lang="en-US"/>
-          </a:p>
-        </p:txBody>
-      </p:sp>
-      <p:sp>
-        <p:nvSpPr>
-          <p:cNvPr id="4" name="Espace réservé du texte 3"/>
-          <p:cNvSpPr>
-            <a:spLocks noGrp="1"/>
-          </p:cNvSpPr>
-          <p:nvPr>
-            <p:ph type="body" sz="half" idx="2"/>
-          </p:nvPr>
-        </p:nvSpPr>
-        <p:spPr>
-          <a:xfrm>
-            <a:off x="457200" y="1435100"/>
-            <a:ext cx="3008313" cy="4691063"/>
-          </a:xfrm>
-        </p:spPr>
-        <p:txBody>
-          <a:bodyPr/>
-          <a:lstStyle>
-            <a:lvl1pPr marL="0" indent="0">
-              <a:buNone/>
-              <a:defRPr sz="1400"/>
-            </a:lvl1pPr>
-            <a:lvl2pPr marL="457200" indent="0">
-              <a:buNone/>
-              <a:defRPr sz="1200"/>
-            </a:lvl2pPr>
-            <a:lvl3pPr marL="914400" indent="0">
-              <a:buNone/>
-              <a:defRPr sz="1000"/>
-            </a:lvl3pPr>
-            <a:lvl4pPr marL="1371600" indent="0">
-              <a:buNone/>
-              <a:defRPr sz="900"/>
-            </a:lvl4pPr>
-            <a:lvl5pPr marL="1828800" indent="0">
-              <a:buNone/>
-              <a:defRPr sz="900"/>
-            </a:lvl5pPr>
-            <a:lvl6pPr marL="2286000" indent="0">
-              <a:buNone/>
-              <a:defRPr sz="900"/>
-            </a:lvl6pPr>
-            <a:lvl7pPr marL="2743200" indent="0">
-              <a:buNone/>
-              <a:defRPr sz="900"/>
-            </a:lvl7pPr>
-            <a:lvl8pPr marL="3200400" indent="0">
-              <a:buNone/>
-              <a:defRPr sz="900"/>
-            </a:lvl8pPr>
-            <a:lvl9pPr marL="3657600" indent="0">
-              <a:buNone/>
-              <a:defRPr sz="900"/>
-            </a:lvl9pPr>
-          </a:lstStyle>
-          <a:p>
-            <a:pPr lvl="0"/>
-            <a:r>
-              <a:rPr lang="fr-FR" smtClean="0"/>
-              <a:t>Cliquez pour modifier les styles du texte du masque</a:t>
-            </a:r>
+            <a:endParaRPr kumimoji="0" lang="en-US"/>
           </a:p>
         </p:txBody>
       </p:sp>
@@ -2209,7 +2675,8 @@
           <a:p>
             <a:fld id="{49B45151-D5A0-495B-9803-896721AE84D9}" type="datetimeFigureOut">
               <a:rPr lang="en-US" smtClean="0"/>
-              <a:t>7/21/2020</a:t>
+              <a:pPr/>
+              <a:t>7/23/2020</a:t>
             </a:fld>
             <a:endParaRPr lang="en-US"/>
           </a:p>
@@ -2251,6 +2718,7 @@
           <a:p>
             <a:fld id="{90F6734A-9EE2-4632-9348-A5002D2EF2AA}" type="slidenum">
               <a:rPr lang="en-US" smtClean="0"/>
+              <a:pPr/>
               <a:t>‹N°›</a:t>
             </a:fld>
             <a:endParaRPr lang="en-US"/>
@@ -2294,23 +2762,24 @@
         </p:nvSpPr>
         <p:spPr>
           <a:xfrm>
-            <a:off x="1792288" y="4800600"/>
-            <a:ext cx="5486400" cy="566738"/>
-          </a:xfrm>
-        </p:spPr>
-        <p:txBody>
-          <a:bodyPr anchor="b"/>
+            <a:off x="5440434" y="1109160"/>
+            <a:ext cx="586803" cy="4681637"/>
+          </a:xfrm>
+        </p:spPr>
+        <p:txBody>
+          <a:bodyPr vert="vert270" lIns="45720" tIns="0" rIns="45720" anchor="t"/>
           <a:lstStyle>
-            <a:lvl1pPr algn="l">
+            <a:lvl1pPr algn="ctr">
+              <a:buNone/>
               <a:defRPr sz="2000" b="1"/>
             </a:lvl1pPr>
           </a:lstStyle>
           <a:p>
             <a:r>
-              <a:rPr lang="fr-FR" smtClean="0"/>
+              <a:rPr kumimoji="0" lang="fr-FR" smtClean="0"/>
               <a:t>Cliquez pour modifier le style du titre</a:t>
             </a:r>
-            <a:endParaRPr lang="en-US"/>
+            <a:endParaRPr kumimoji="0" lang="en-US"/>
           </a:p>
         </p:txBody>
       </p:sp>
@@ -2326,9 +2795,37 @@
         </p:nvSpPr>
         <p:spPr>
           <a:xfrm>
-            <a:off x="1792288" y="612775"/>
-            <a:ext cx="5486400" cy="4114800"/>
-          </a:xfrm>
+            <a:off x="403671" y="1143000"/>
+            <a:ext cx="4572000" cy="4572000"/>
+          </a:xfrm>
+          <a:solidFill>
+            <a:srgbClr val="EAEAEA"/>
+          </a:solidFill>
+          <a:ln w="50800">
+            <a:solidFill>
+              <a:srgbClr val="FFFFFF"/>
+            </a:solidFill>
+            <a:miter lim="800000"/>
+          </a:ln>
+          <a:effectLst>
+            <a:outerShdw blurRad="57150" dist="31750" dir="4800000" algn="tl" rotWithShape="0">
+              <a:srgbClr val="000000">
+                <a:alpha val="25000"/>
+              </a:srgbClr>
+            </a:outerShdw>
+          </a:effectLst>
+          <a:scene3d>
+            <a:camera prst="orthographicFront"/>
+            <a:lightRig rig="twoPt" dir="t">
+              <a:rot lat="0" lon="0" rev="7200000"/>
+            </a:lightRig>
+          </a:scene3d>
+          <a:sp3d contourW="2540">
+            <a:bevelT w="25400" h="19050"/>
+            <a:contourClr>
+              <a:srgbClr val="AEAEAE"/>
+            </a:contourClr>
+          </a:sp3d>
         </p:spPr>
         <p:txBody>
           <a:bodyPr/>
@@ -2337,41 +2834,13 @@
               <a:buNone/>
               <a:defRPr sz="3200"/>
             </a:lvl1pPr>
-            <a:lvl2pPr marL="457200" indent="0">
-              <a:buNone/>
-              <a:defRPr sz="2800"/>
-            </a:lvl2pPr>
-            <a:lvl3pPr marL="914400" indent="0">
-              <a:buNone/>
-              <a:defRPr sz="2400"/>
-            </a:lvl3pPr>
-            <a:lvl4pPr marL="1371600" indent="0">
-              <a:buNone/>
-              <a:defRPr sz="2000"/>
-            </a:lvl4pPr>
-            <a:lvl5pPr marL="1828800" indent="0">
-              <a:buNone/>
-              <a:defRPr sz="2000"/>
-            </a:lvl5pPr>
-            <a:lvl6pPr marL="2286000" indent="0">
-              <a:buNone/>
-              <a:defRPr sz="2000"/>
-            </a:lvl6pPr>
-            <a:lvl7pPr marL="2743200" indent="0">
-              <a:buNone/>
-              <a:defRPr sz="2000"/>
-            </a:lvl7pPr>
-            <a:lvl8pPr marL="3200400" indent="0">
-              <a:buNone/>
-              <a:defRPr sz="2000"/>
-            </a:lvl8pPr>
-            <a:lvl9pPr marL="3657600" indent="0">
-              <a:buNone/>
-              <a:defRPr sz="2000"/>
-            </a:lvl9pPr>
           </a:lstStyle>
           <a:p>
-            <a:endParaRPr lang="en-US"/>
+            <a:r>
+              <a:rPr kumimoji="0" lang="fr-FR" smtClean="0"/>
+              <a:t>Cliquez sur l'icône pour ajouter une image</a:t>
+            </a:r>
+            <a:endParaRPr kumimoji="0" lang="en-US" dirty="0"/>
           </a:p>
         </p:txBody>
       </p:sp>
@@ -2387,54 +2856,49 @@
         </p:nvSpPr>
         <p:spPr>
           <a:xfrm>
-            <a:off x="1792288" y="5367338"/>
-            <a:ext cx="5486400" cy="804862"/>
-          </a:xfrm>
-        </p:spPr>
-        <p:txBody>
-          <a:bodyPr/>
+            <a:off x="6088443" y="3274308"/>
+            <a:ext cx="2590800" cy="2516489"/>
+          </a:xfrm>
+        </p:spPr>
+        <p:txBody>
+          <a:bodyPr lIns="0" tIns="0" rIns="45720" anchor="t"/>
           <a:lstStyle>
             <a:lvl1pPr marL="0" indent="0">
+              <a:lnSpc>
+                <a:spcPct val="100000"/>
+              </a:lnSpc>
+              <a:spcBef>
+                <a:spcPts val="0"/>
+              </a:spcBef>
+              <a:buFontTx/>
               <a:buNone/>
-              <a:defRPr sz="1400"/>
+              <a:defRPr sz="1300"/>
             </a:lvl1pPr>
-            <a:lvl2pPr marL="457200" indent="0">
+            <a:lvl2pPr>
+              <a:buFontTx/>
               <a:buNone/>
               <a:defRPr sz="1200"/>
             </a:lvl2pPr>
-            <a:lvl3pPr marL="914400" indent="0">
+            <a:lvl3pPr>
+              <a:buFontTx/>
               <a:buNone/>
               <a:defRPr sz="1000"/>
             </a:lvl3pPr>
-            <a:lvl4pPr marL="1371600" indent="0">
+            <a:lvl4pPr>
+              <a:buFontTx/>
               <a:buNone/>
               <a:defRPr sz="900"/>
             </a:lvl4pPr>
-            <a:lvl5pPr marL="1828800" indent="0">
+            <a:lvl5pPr>
+              <a:buFontTx/>
               <a:buNone/>
               <a:defRPr sz="900"/>
             </a:lvl5pPr>
-            <a:lvl6pPr marL="2286000" indent="0">
-              <a:buNone/>
-              <a:defRPr sz="900"/>
-            </a:lvl6pPr>
-            <a:lvl7pPr marL="2743200" indent="0">
-              <a:buNone/>
-              <a:defRPr sz="900"/>
-            </a:lvl7pPr>
-            <a:lvl8pPr marL="3200400" indent="0">
-              <a:buNone/>
-              <a:defRPr sz="900"/>
-            </a:lvl8pPr>
-            <a:lvl9pPr marL="3657600" indent="0">
-              <a:buNone/>
-              <a:defRPr sz="900"/>
-            </a:lvl9pPr>
           </a:lstStyle>
           <a:p>
-            <a:pPr lvl="0"/>
-            <a:r>
-              <a:rPr lang="fr-FR" smtClean="0"/>
+            <a:pPr lvl="0" eaLnBrk="1" latinLnBrk="0" hangingPunct="1"/>
+            <a:r>
+              <a:rPr kumimoji="0" lang="fr-FR" smtClean="0"/>
               <a:t>Cliquez pour modifier les styles du texte du masque</a:t>
             </a:r>
           </a:p>
@@ -2457,7 +2921,8 @@
           <a:p>
             <a:fld id="{49B45151-D5A0-495B-9803-896721AE84D9}" type="datetimeFigureOut">
               <a:rPr lang="en-US" smtClean="0"/>
-              <a:t>7/21/2020</a:t>
+              <a:pPr/>
+              <a:t>7/23/2020</a:t>
             </a:fld>
             <a:endParaRPr lang="en-US"/>
           </a:p>
@@ -2499,6 +2964,7 @@
           <a:p>
             <a:fld id="{90F6734A-9EE2-4632-9348-A5002D2EF2AA}" type="slidenum">
               <a:rPr lang="en-US" smtClean="0"/>
+              <a:pPr/>
               <a:t>‹N°›</a:t>
             </a:fld>
             <a:endParaRPr lang="en-US"/>
@@ -2537,127 +3003,743 @@
       </p:grpSpPr>
       <p:sp>
         <p:nvSpPr>
-          <p:cNvPr id="2" name="Espace réservé du titre 1"/>
-          <p:cNvSpPr>
-            <a:spLocks noGrp="1"/>
-          </p:cNvSpPr>
-          <p:nvPr>
-            <p:ph type="title"/>
-          </p:nvPr>
-        </p:nvSpPr>
-        <p:spPr>
-          <a:xfrm>
-            <a:off x="457200" y="274638"/>
-            <a:ext cx="8229600" cy="1143000"/>
+          <p:cNvPr id="28" name="Rectangle 27"/>
+          <p:cNvSpPr/>
+          <p:nvPr/>
+        </p:nvSpPr>
+        <p:spPr>
+          <a:xfrm>
+            <a:off x="1" y="366818"/>
+            <a:ext cx="9144000" cy="84407"/>
           </a:xfrm>
           <a:prstGeom prst="rect">
             <a:avLst/>
           </a:prstGeom>
-        </p:spPr>
-        <p:txBody>
-          <a:bodyPr vert="horz" lIns="91440" tIns="45720" rIns="91440" bIns="45720" rtlCol="0" anchor="ctr">
-            <a:normAutofit/>
-          </a:bodyPr>
-          <a:lstStyle/>
-          <a:p>
-            <a:r>
-              <a:rPr lang="fr-FR" smtClean="0"/>
-              <a:t>Cliquez pour modifier le style du titre</a:t>
-            </a:r>
-            <a:endParaRPr lang="en-US"/>
-          </a:p>
-        </p:txBody>
-      </p:sp>
-      <p:sp>
-        <p:nvSpPr>
-          <p:cNvPr id="3" name="Espace réservé du texte 2"/>
-          <p:cNvSpPr>
-            <a:spLocks noGrp="1"/>
-          </p:cNvSpPr>
-          <p:nvPr>
-            <p:ph type="body" idx="1"/>
-          </p:nvPr>
-        </p:nvSpPr>
-        <p:spPr>
-          <a:xfrm>
-            <a:off x="457200" y="1600200"/>
-            <a:ext cx="8229600" cy="4525963"/>
+          <a:solidFill>
+            <a:schemeClr val="accent2">
+              <a:alpha val="50000"/>
+            </a:schemeClr>
+          </a:solidFill>
+          <a:ln w="50800" cap="rnd" cmpd="thickThin" algn="ctr">
+            <a:noFill/>
+            <a:prstDash val="solid"/>
+          </a:ln>
+          <a:effectLst/>
+        </p:spPr>
+        <p:style>
+          <a:lnRef idx="3">
+            <a:schemeClr val="lt1"/>
+          </a:lnRef>
+          <a:fillRef idx="1">
+            <a:schemeClr val="accent1"/>
+          </a:fillRef>
+          <a:effectRef idx="1">
+            <a:schemeClr val="accent1"/>
+          </a:effectRef>
+          <a:fontRef idx="minor">
+            <a:schemeClr val="lt1"/>
+          </a:fontRef>
+        </p:style>
+        <p:txBody>
+          <a:bodyPr anchor="ctr"/>
+          <a:lstStyle/>
+          <a:p>
+            <a:pPr algn="ctr" eaLnBrk="1" latinLnBrk="0" hangingPunct="1"/>
+            <a:endParaRPr kumimoji="0" lang="en-US"/>
+          </a:p>
+        </p:txBody>
+      </p:sp>
+      <p:sp>
+        <p:nvSpPr>
+          <p:cNvPr id="29" name="Rectangle 28"/>
+          <p:cNvSpPr/>
+          <p:nvPr/>
+        </p:nvSpPr>
+        <p:spPr>
+          <a:xfrm>
+            <a:off x="0" y="-1"/>
+            <a:ext cx="9144000" cy="310663"/>
           </a:xfrm>
           <a:prstGeom prst="rect">
             <a:avLst/>
           </a:prstGeom>
-        </p:spPr>
-        <p:txBody>
-          <a:bodyPr vert="horz" lIns="91440" tIns="45720" rIns="91440" bIns="45720" rtlCol="0">
-            <a:normAutofit/>
-          </a:bodyPr>
-          <a:lstStyle/>
-          <a:p>
-            <a:pPr lvl="0"/>
-            <a:r>
-              <a:rPr lang="fr-FR" smtClean="0"/>
-              <a:t>Cliquez pour modifier les styles du texte du masque</a:t>
-            </a:r>
-          </a:p>
-          <a:p>
-            <a:pPr lvl="1"/>
-            <a:r>
-              <a:rPr lang="fr-FR" smtClean="0"/>
-              <a:t>Deuxième niveau</a:t>
-            </a:r>
-          </a:p>
-          <a:p>
-            <a:pPr lvl="2"/>
-            <a:r>
-              <a:rPr lang="fr-FR" smtClean="0"/>
-              <a:t>Troisième niveau</a:t>
-            </a:r>
-          </a:p>
-          <a:p>
-            <a:pPr lvl="3"/>
-            <a:r>
-              <a:rPr lang="fr-FR" smtClean="0"/>
-              <a:t>Quatrième niveau</a:t>
-            </a:r>
-          </a:p>
-          <a:p>
-            <a:pPr lvl="4"/>
-            <a:r>
-              <a:rPr lang="fr-FR" smtClean="0"/>
-              <a:t>Cinquième niveau</a:t>
-            </a:r>
-            <a:endParaRPr lang="en-US"/>
-          </a:p>
-        </p:txBody>
-      </p:sp>
-      <p:sp>
-        <p:nvSpPr>
-          <p:cNvPr id="4" name="Espace réservé de la date 3"/>
-          <p:cNvSpPr>
-            <a:spLocks noGrp="1"/>
-          </p:cNvSpPr>
-          <p:nvPr>
-            <p:ph type="dt" sz="half" idx="2"/>
-          </p:nvPr>
-        </p:nvSpPr>
-        <p:spPr>
-          <a:xfrm>
-            <a:off x="457200" y="6356350"/>
-            <a:ext cx="2133600" cy="365125"/>
+          <a:solidFill>
+            <a:schemeClr val="tx2">
+              <a:alpha val="100000"/>
+            </a:schemeClr>
+          </a:solidFill>
+          <a:ln w="50800" cap="rnd" cmpd="thickThin" algn="ctr">
+            <a:noFill/>
+            <a:prstDash val="solid"/>
+          </a:ln>
+          <a:effectLst/>
+        </p:spPr>
+        <p:style>
+          <a:lnRef idx="3">
+            <a:schemeClr val="lt1"/>
+          </a:lnRef>
+          <a:fillRef idx="1">
+            <a:schemeClr val="accent1"/>
+          </a:fillRef>
+          <a:effectRef idx="1">
+            <a:schemeClr val="accent1"/>
+          </a:effectRef>
+          <a:fontRef idx="minor">
+            <a:schemeClr val="lt1"/>
+          </a:fontRef>
+        </p:style>
+        <p:txBody>
+          <a:bodyPr anchor="ctr"/>
+          <a:lstStyle/>
+          <a:p>
+            <a:pPr algn="ctr" eaLnBrk="1" latinLnBrk="0" hangingPunct="1"/>
+            <a:endParaRPr kumimoji="0" lang="en-US"/>
+          </a:p>
+        </p:txBody>
+      </p:sp>
+      <p:sp>
+        <p:nvSpPr>
+          <p:cNvPr id="30" name="Rectangle 29"/>
+          <p:cNvSpPr/>
+          <p:nvPr/>
+        </p:nvSpPr>
+        <p:spPr>
+          <a:xfrm>
+            <a:off x="0" y="308276"/>
+            <a:ext cx="9144001" cy="91441"/>
           </a:xfrm>
           <a:prstGeom prst="rect">
             <a:avLst/>
           </a:prstGeom>
-        </p:spPr>
-        <p:txBody>
-          <a:bodyPr vert="horz" lIns="91440" tIns="45720" rIns="91440" bIns="45720" rtlCol="0" anchor="ctr"/>
+          <a:solidFill>
+            <a:schemeClr val="accent2">
+              <a:alpha val="100000"/>
+            </a:schemeClr>
+          </a:solidFill>
+          <a:ln w="50800" cap="rnd" cmpd="thickThin" algn="ctr">
+            <a:noFill/>
+            <a:prstDash val="solid"/>
+          </a:ln>
+          <a:effectLst/>
+        </p:spPr>
+        <p:style>
+          <a:lnRef idx="3">
+            <a:schemeClr val="lt1"/>
+          </a:lnRef>
+          <a:fillRef idx="1">
+            <a:schemeClr val="accent1"/>
+          </a:fillRef>
+          <a:effectRef idx="1">
+            <a:schemeClr val="accent1"/>
+          </a:effectRef>
+          <a:fontRef idx="minor">
+            <a:schemeClr val="lt1"/>
+          </a:fontRef>
+        </p:style>
+        <p:txBody>
+          <a:bodyPr anchor="ctr"/>
+          <a:lstStyle/>
+          <a:p>
+            <a:pPr algn="ctr" eaLnBrk="1" latinLnBrk="0" hangingPunct="1"/>
+            <a:endParaRPr kumimoji="0" lang="en-US"/>
+          </a:p>
+        </p:txBody>
+      </p:sp>
+      <p:sp>
+        <p:nvSpPr>
+          <p:cNvPr id="31" name="Rectangle 30"/>
+          <p:cNvSpPr/>
+          <p:nvPr/>
+        </p:nvSpPr>
+        <p:spPr>
+          <a:xfrm flipV="1">
+            <a:off x="5410182" y="360246"/>
+            <a:ext cx="3733819" cy="91087"/>
+          </a:xfrm>
+          <a:prstGeom prst="rect">
+            <a:avLst/>
+          </a:prstGeom>
+          <a:solidFill>
+            <a:schemeClr val="accent2">
+              <a:alpha val="100000"/>
+            </a:schemeClr>
+          </a:solidFill>
+          <a:ln w="50800" cap="rnd" cmpd="thickThin" algn="ctr">
+            <a:noFill/>
+            <a:prstDash val="solid"/>
+          </a:ln>
+          <a:effectLst/>
+        </p:spPr>
+        <p:style>
+          <a:lnRef idx="3">
+            <a:schemeClr val="lt1"/>
+          </a:lnRef>
+          <a:fillRef idx="1">
+            <a:schemeClr val="accent1"/>
+          </a:fillRef>
+          <a:effectRef idx="1">
+            <a:schemeClr val="accent1"/>
+          </a:effectRef>
+          <a:fontRef idx="minor">
+            <a:schemeClr val="lt1"/>
+          </a:fontRef>
+        </p:style>
+        <p:txBody>
+          <a:bodyPr anchor="ctr"/>
+          <a:lstStyle/>
+          <a:p>
+            <a:pPr algn="ctr" eaLnBrk="1" latinLnBrk="0" hangingPunct="1"/>
+            <a:endParaRPr kumimoji="0" lang="en-US"/>
+          </a:p>
+        </p:txBody>
+      </p:sp>
+      <p:sp>
+        <p:nvSpPr>
+          <p:cNvPr id="32" name="Rectangle 31"/>
+          <p:cNvSpPr/>
+          <p:nvPr/>
+        </p:nvSpPr>
+        <p:spPr>
+          <a:xfrm flipV="1">
+            <a:off x="5410200" y="440112"/>
+            <a:ext cx="3733801" cy="180035"/>
+          </a:xfrm>
+          <a:prstGeom prst="rect">
+            <a:avLst/>
+          </a:prstGeom>
+          <a:solidFill>
+            <a:schemeClr val="accent2">
+              <a:alpha val="50000"/>
+            </a:schemeClr>
+          </a:solidFill>
+          <a:ln w="50800" cap="rnd" cmpd="thickThin" algn="ctr">
+            <a:noFill/>
+            <a:prstDash val="solid"/>
+          </a:ln>
+          <a:effectLst/>
+        </p:spPr>
+        <p:style>
+          <a:lnRef idx="3">
+            <a:schemeClr val="lt1"/>
+          </a:lnRef>
+          <a:fillRef idx="1">
+            <a:schemeClr val="accent1"/>
+          </a:fillRef>
+          <a:effectRef idx="1">
+            <a:schemeClr val="accent1"/>
+          </a:effectRef>
+          <a:fontRef idx="minor">
+            <a:schemeClr val="lt1"/>
+          </a:fontRef>
+        </p:style>
+        <p:txBody>
+          <a:bodyPr anchor="ctr"/>
+          <a:lstStyle/>
+          <a:p>
+            <a:pPr algn="ctr" eaLnBrk="1" latinLnBrk="0" hangingPunct="1"/>
+            <a:endParaRPr kumimoji="0" lang="en-US"/>
+          </a:p>
+        </p:txBody>
+      </p:sp>
+      <p:sp useBgFill="1">
+        <p:nvSpPr>
+          <p:cNvPr id="33" name="Rectangle à coins arrondis 32"/>
+          <p:cNvSpPr/>
+          <p:nvPr/>
+        </p:nvSpPr>
+        <p:spPr bwMode="white">
+          <a:xfrm>
+            <a:off x="5407339" y="497504"/>
+            <a:ext cx="3063240" cy="27432"/>
+          </a:xfrm>
+          <a:prstGeom prst="roundRect">
+            <a:avLst>
+              <a:gd name="adj" fmla="val 16667"/>
+            </a:avLst>
+          </a:prstGeom>
+          <a:ln w="50800" cap="rnd" cmpd="thickThin" algn="ctr">
+            <a:noFill/>
+            <a:prstDash val="solid"/>
+          </a:ln>
+          <a:effectLst/>
+        </p:spPr>
+        <p:style>
+          <a:lnRef idx="3">
+            <a:schemeClr val="lt1"/>
+          </a:lnRef>
+          <a:fillRef idx="1">
+            <a:schemeClr val="accent1"/>
+          </a:fillRef>
+          <a:effectRef idx="1">
+            <a:schemeClr val="accent1"/>
+          </a:effectRef>
+          <a:fontRef idx="minor">
+            <a:schemeClr val="lt1"/>
+          </a:fontRef>
+        </p:style>
+        <p:txBody>
+          <a:bodyPr anchor="ctr"/>
+          <a:lstStyle/>
+          <a:p>
+            <a:pPr algn="ctr" eaLnBrk="1" latinLnBrk="0" hangingPunct="1"/>
+            <a:endParaRPr kumimoji="0" lang="en-US"/>
+          </a:p>
+        </p:txBody>
+      </p:sp>
+      <p:sp useBgFill="1">
+        <p:nvSpPr>
+          <p:cNvPr id="34" name="Rectangle à coins arrondis 33"/>
+          <p:cNvSpPr/>
+          <p:nvPr/>
+        </p:nvSpPr>
+        <p:spPr bwMode="white">
+          <a:xfrm>
+            <a:off x="7373646" y="588943"/>
+            <a:ext cx="1600200" cy="36576"/>
+          </a:xfrm>
+          <a:prstGeom prst="roundRect">
+            <a:avLst>
+              <a:gd name="adj" fmla="val 16667"/>
+            </a:avLst>
+          </a:prstGeom>
+          <a:ln w="50800" cap="rnd" cmpd="thickThin" algn="ctr">
+            <a:noFill/>
+            <a:prstDash val="solid"/>
+          </a:ln>
+          <a:effectLst/>
+        </p:spPr>
+        <p:style>
+          <a:lnRef idx="3">
+            <a:schemeClr val="lt1"/>
+          </a:lnRef>
+          <a:fillRef idx="1">
+            <a:schemeClr val="accent1"/>
+          </a:fillRef>
+          <a:effectRef idx="1">
+            <a:schemeClr val="accent1"/>
+          </a:effectRef>
+          <a:fontRef idx="minor">
+            <a:schemeClr val="lt1"/>
+          </a:fontRef>
+        </p:style>
+        <p:txBody>
+          <a:bodyPr anchor="ctr"/>
+          <a:lstStyle/>
+          <a:p>
+            <a:pPr algn="ctr" eaLnBrk="1" latinLnBrk="0" hangingPunct="1"/>
+            <a:endParaRPr kumimoji="0" lang="en-US"/>
+          </a:p>
+        </p:txBody>
+      </p:sp>
+      <p:sp>
+        <p:nvSpPr>
+          <p:cNvPr id="35" name="Rectangle 34"/>
+          <p:cNvSpPr/>
+          <p:nvPr/>
+        </p:nvSpPr>
+        <p:spPr bwMode="invGray">
+          <a:xfrm>
+            <a:off x="9084966" y="-2001"/>
+            <a:ext cx="57626" cy="621792"/>
+          </a:xfrm>
+          <a:prstGeom prst="rect">
+            <a:avLst/>
+          </a:prstGeom>
+          <a:solidFill>
+            <a:srgbClr val="FFFFFF">
+              <a:alpha val="65098"/>
+            </a:srgbClr>
+          </a:solidFill>
+          <a:ln w="50800" cap="rnd" cmpd="thickThin" algn="ctr">
+            <a:noFill/>
+            <a:prstDash val="solid"/>
+          </a:ln>
+          <a:effectLst/>
+        </p:spPr>
+        <p:style>
+          <a:lnRef idx="3">
+            <a:schemeClr val="lt1"/>
+          </a:lnRef>
+          <a:fillRef idx="1">
+            <a:schemeClr val="accent1"/>
+          </a:fillRef>
+          <a:effectRef idx="1">
+            <a:schemeClr val="accent1"/>
+          </a:effectRef>
+          <a:fontRef idx="minor">
+            <a:schemeClr val="lt1"/>
+          </a:fontRef>
+        </p:style>
+        <p:txBody>
+          <a:bodyPr anchor="ctr"/>
+          <a:lstStyle/>
+          <a:p>
+            <a:pPr algn="ctr" eaLnBrk="1" latinLnBrk="0" hangingPunct="1"/>
+            <a:endParaRPr kumimoji="0" lang="en-US" dirty="0"/>
+          </a:p>
+        </p:txBody>
+      </p:sp>
+      <p:sp>
+        <p:nvSpPr>
+          <p:cNvPr id="36" name="Rectangle 35"/>
+          <p:cNvSpPr/>
+          <p:nvPr/>
+        </p:nvSpPr>
+        <p:spPr bwMode="invGray">
+          <a:xfrm>
+            <a:off x="9044481" y="-2001"/>
+            <a:ext cx="27432" cy="621792"/>
+          </a:xfrm>
+          <a:prstGeom prst="rect">
+            <a:avLst/>
+          </a:prstGeom>
+          <a:solidFill>
+            <a:srgbClr val="FFFFFF">
+              <a:alpha val="65098"/>
+            </a:srgbClr>
+          </a:solidFill>
+          <a:ln w="50800" cap="rnd" cmpd="thickThin" algn="ctr">
+            <a:noFill/>
+            <a:prstDash val="solid"/>
+          </a:ln>
+          <a:effectLst/>
+        </p:spPr>
+        <p:style>
+          <a:lnRef idx="3">
+            <a:schemeClr val="lt1"/>
+          </a:lnRef>
+          <a:fillRef idx="1">
+            <a:schemeClr val="accent1"/>
+          </a:fillRef>
+          <a:effectRef idx="1">
+            <a:schemeClr val="accent1"/>
+          </a:effectRef>
+          <a:fontRef idx="minor">
+            <a:schemeClr val="lt1"/>
+          </a:fontRef>
+        </p:style>
+        <p:txBody>
+          <a:bodyPr anchor="ctr"/>
+          <a:lstStyle/>
+          <a:p>
+            <a:pPr algn="ctr" eaLnBrk="1" latinLnBrk="0" hangingPunct="1"/>
+            <a:endParaRPr kumimoji="0" lang="en-US" dirty="0"/>
+          </a:p>
+        </p:txBody>
+      </p:sp>
+      <p:sp>
+        <p:nvSpPr>
+          <p:cNvPr id="37" name="Rectangle 36"/>
+          <p:cNvSpPr/>
+          <p:nvPr/>
+        </p:nvSpPr>
+        <p:spPr bwMode="invGray">
+          <a:xfrm>
+            <a:off x="9025428" y="-2001"/>
+            <a:ext cx="9144" cy="621792"/>
+          </a:xfrm>
+          <a:prstGeom prst="rect">
+            <a:avLst/>
+          </a:prstGeom>
+          <a:solidFill>
+            <a:srgbClr val="FFFFFF">
+              <a:alpha val="60000"/>
+            </a:srgbClr>
+          </a:solidFill>
+          <a:ln w="50800" cap="rnd" cmpd="thickThin" algn="ctr">
+            <a:noFill/>
+            <a:prstDash val="solid"/>
+          </a:ln>
+          <a:effectLst/>
+        </p:spPr>
+        <p:style>
+          <a:lnRef idx="3">
+            <a:schemeClr val="lt1"/>
+          </a:lnRef>
+          <a:fillRef idx="1">
+            <a:schemeClr val="accent1"/>
+          </a:fillRef>
+          <a:effectRef idx="1">
+            <a:schemeClr val="accent1"/>
+          </a:effectRef>
+          <a:fontRef idx="minor">
+            <a:schemeClr val="lt1"/>
+          </a:fontRef>
+        </p:style>
+        <p:txBody>
+          <a:bodyPr anchor="ctr"/>
+          <a:lstStyle/>
+          <a:p>
+            <a:pPr algn="ctr" eaLnBrk="1" latinLnBrk="0" hangingPunct="1"/>
+            <a:endParaRPr kumimoji="0" lang="en-US"/>
+          </a:p>
+        </p:txBody>
+      </p:sp>
+      <p:sp>
+        <p:nvSpPr>
+          <p:cNvPr id="38" name="Rectangle 37"/>
+          <p:cNvSpPr/>
+          <p:nvPr/>
+        </p:nvSpPr>
+        <p:spPr bwMode="invGray">
+          <a:xfrm>
+            <a:off x="8975423" y="-2001"/>
+            <a:ext cx="27432" cy="621792"/>
+          </a:xfrm>
+          <a:prstGeom prst="rect">
+            <a:avLst/>
+          </a:prstGeom>
+          <a:solidFill>
+            <a:srgbClr val="FFFFFF">
+              <a:alpha val="40000"/>
+            </a:srgbClr>
+          </a:solidFill>
+          <a:ln w="50800" cap="rnd" cmpd="thickThin" algn="ctr">
+            <a:noFill/>
+            <a:prstDash val="solid"/>
+          </a:ln>
+          <a:effectLst/>
+        </p:spPr>
+        <p:style>
+          <a:lnRef idx="3">
+            <a:schemeClr val="lt1"/>
+          </a:lnRef>
+          <a:fillRef idx="1">
+            <a:schemeClr val="accent1"/>
+          </a:fillRef>
+          <a:effectRef idx="1">
+            <a:schemeClr val="accent1"/>
+          </a:effectRef>
+          <a:fontRef idx="minor">
+            <a:schemeClr val="lt1"/>
+          </a:fontRef>
+        </p:style>
+        <p:txBody>
+          <a:bodyPr anchor="ctr"/>
+          <a:lstStyle/>
+          <a:p>
+            <a:pPr algn="ctr" eaLnBrk="1" latinLnBrk="0" hangingPunct="1"/>
+            <a:endParaRPr kumimoji="0" lang="en-US"/>
+          </a:p>
+        </p:txBody>
+      </p:sp>
+      <p:sp>
+        <p:nvSpPr>
+          <p:cNvPr id="39" name="Rectangle 38"/>
+          <p:cNvSpPr/>
+          <p:nvPr/>
+        </p:nvSpPr>
+        <p:spPr bwMode="invGray">
+          <a:xfrm>
+            <a:off x="8915677" y="380"/>
+            <a:ext cx="54864" cy="585216"/>
+          </a:xfrm>
+          <a:prstGeom prst="rect">
+            <a:avLst/>
+          </a:prstGeom>
+          <a:solidFill>
+            <a:srgbClr val="FFFFFF">
+              <a:alpha val="20000"/>
+            </a:srgbClr>
+          </a:solidFill>
+          <a:ln w="50800" cap="rnd" cmpd="thickThin" algn="ctr">
+            <a:noFill/>
+            <a:prstDash val="solid"/>
+          </a:ln>
+          <a:effectLst/>
+        </p:spPr>
+        <p:style>
+          <a:lnRef idx="3">
+            <a:schemeClr val="lt1"/>
+          </a:lnRef>
+          <a:fillRef idx="1">
+            <a:schemeClr val="accent1"/>
+          </a:fillRef>
+          <a:effectRef idx="1">
+            <a:schemeClr val="accent1"/>
+          </a:effectRef>
+          <a:fontRef idx="minor">
+            <a:schemeClr val="lt1"/>
+          </a:fontRef>
+        </p:style>
+        <p:txBody>
+          <a:bodyPr anchor="ctr"/>
+          <a:lstStyle/>
+          <a:p>
+            <a:pPr algn="ctr" eaLnBrk="1" latinLnBrk="0" hangingPunct="1"/>
+            <a:endParaRPr kumimoji="0" lang="en-US"/>
+          </a:p>
+        </p:txBody>
+      </p:sp>
+      <p:sp>
+        <p:nvSpPr>
+          <p:cNvPr id="40" name="Rectangle 39"/>
+          <p:cNvSpPr/>
+          <p:nvPr/>
+        </p:nvSpPr>
+        <p:spPr bwMode="invGray">
+          <a:xfrm>
+            <a:off x="8873475" y="380"/>
+            <a:ext cx="9144" cy="585216"/>
+          </a:xfrm>
+          <a:prstGeom prst="rect">
+            <a:avLst/>
+          </a:prstGeom>
+          <a:solidFill>
+            <a:srgbClr val="FFFFFF">
+              <a:alpha val="30196"/>
+            </a:srgbClr>
+          </a:solidFill>
+          <a:ln w="50800" cap="rnd" cmpd="thickThin" algn="ctr">
+            <a:noFill/>
+            <a:prstDash val="solid"/>
+          </a:ln>
+          <a:effectLst/>
+        </p:spPr>
+        <p:style>
+          <a:lnRef idx="3">
+            <a:schemeClr val="lt1"/>
+          </a:lnRef>
+          <a:fillRef idx="1">
+            <a:schemeClr val="accent1"/>
+          </a:fillRef>
+          <a:effectRef idx="1">
+            <a:schemeClr val="accent1"/>
+          </a:effectRef>
+          <a:fontRef idx="minor">
+            <a:schemeClr val="lt1"/>
+          </a:fontRef>
+        </p:style>
+        <p:txBody>
+          <a:bodyPr anchor="ctr"/>
+          <a:lstStyle/>
+          <a:p>
+            <a:pPr algn="ctr" eaLnBrk="1" latinLnBrk="0" hangingPunct="1"/>
+            <a:endParaRPr kumimoji="0" lang="en-US" dirty="0"/>
+          </a:p>
+        </p:txBody>
+      </p:sp>
+      <p:sp>
+        <p:nvSpPr>
+          <p:cNvPr id="22" name="Espace réservé du titre 21"/>
+          <p:cNvSpPr>
+            <a:spLocks noGrp="1"/>
+          </p:cNvSpPr>
+          <p:nvPr>
+            <p:ph type="title"/>
+          </p:nvPr>
+        </p:nvSpPr>
+        <p:spPr>
+          <a:xfrm>
+            <a:off x="457200" y="1143000"/>
+            <a:ext cx="8229600" cy="1066800"/>
+          </a:xfrm>
+          <a:prstGeom prst="rect">
+            <a:avLst/>
+          </a:prstGeom>
+        </p:spPr>
+        <p:txBody>
+          <a:bodyPr vert="horz" anchor="ctr">
+            <a:normAutofit/>
+          </a:bodyPr>
+          <a:lstStyle/>
+          <a:p>
+            <a:r>
+              <a:rPr kumimoji="0" lang="fr-FR" smtClean="0"/>
+              <a:t>Cliquez pour modifier le style du titre</a:t>
+            </a:r>
+            <a:endParaRPr kumimoji="0" lang="en-US"/>
+          </a:p>
+        </p:txBody>
+      </p:sp>
+      <p:sp>
+        <p:nvSpPr>
+          <p:cNvPr id="13" name="Espace réservé du texte 12"/>
+          <p:cNvSpPr>
+            <a:spLocks noGrp="1"/>
+          </p:cNvSpPr>
+          <p:nvPr>
+            <p:ph type="body" idx="1"/>
+          </p:nvPr>
+        </p:nvSpPr>
+        <p:spPr>
+          <a:xfrm>
+            <a:off x="457200" y="2249424"/>
+            <a:ext cx="8229600" cy="4325112"/>
+          </a:xfrm>
+          <a:prstGeom prst="rect">
+            <a:avLst/>
+          </a:prstGeom>
+        </p:spPr>
+        <p:txBody>
+          <a:bodyPr vert="horz">
+            <a:normAutofit/>
+          </a:bodyPr>
+          <a:lstStyle/>
+          <a:p>
+            <a:pPr lvl="0" eaLnBrk="1" latinLnBrk="0" hangingPunct="1"/>
+            <a:r>
+              <a:rPr kumimoji="0" lang="fr-FR" smtClean="0"/>
+              <a:t>Cliquez pour modifier les styles du texte du masque</a:t>
+            </a:r>
+          </a:p>
+          <a:p>
+            <a:pPr lvl="1" eaLnBrk="1" latinLnBrk="0" hangingPunct="1"/>
+            <a:r>
+              <a:rPr kumimoji="0" lang="fr-FR" smtClean="0"/>
+              <a:t>Deuxième niveau</a:t>
+            </a:r>
+          </a:p>
+          <a:p>
+            <a:pPr lvl="2" eaLnBrk="1" latinLnBrk="0" hangingPunct="1"/>
+            <a:r>
+              <a:rPr kumimoji="0" lang="fr-FR" smtClean="0"/>
+              <a:t>Troisième niveau</a:t>
+            </a:r>
+          </a:p>
+          <a:p>
+            <a:pPr lvl="3" eaLnBrk="1" latinLnBrk="0" hangingPunct="1"/>
+            <a:r>
+              <a:rPr kumimoji="0" lang="fr-FR" smtClean="0"/>
+              <a:t>Quatrième niveau</a:t>
+            </a:r>
+          </a:p>
+          <a:p>
+            <a:pPr lvl="4" eaLnBrk="1" latinLnBrk="0" hangingPunct="1"/>
+            <a:r>
+              <a:rPr kumimoji="0" lang="fr-FR" smtClean="0"/>
+              <a:t>Cinquième niveau</a:t>
+            </a:r>
+            <a:endParaRPr kumimoji="0" lang="en-US"/>
+          </a:p>
+        </p:txBody>
+      </p:sp>
+      <p:sp>
+        <p:nvSpPr>
+          <p:cNvPr id="14" name="Espace réservé de la date 13"/>
+          <p:cNvSpPr>
+            <a:spLocks noGrp="1"/>
+          </p:cNvSpPr>
+          <p:nvPr>
+            <p:ph type="dt" sz="half" idx="2"/>
+          </p:nvPr>
+        </p:nvSpPr>
+        <p:spPr>
+          <a:xfrm>
+            <a:off x="6586536" y="612648"/>
+            <a:ext cx="957264" cy="457200"/>
+          </a:xfrm>
+          <a:prstGeom prst="rect">
+            <a:avLst/>
+          </a:prstGeom>
+        </p:spPr>
+        <p:txBody>
+          <a:bodyPr vert="horz"/>
           <a:lstStyle>
-            <a:lvl1pPr algn="l">
-              <a:defRPr sz="1200">
+            <a:lvl1pPr algn="l" eaLnBrk="1" latinLnBrk="0" hangingPunct="1">
+              <a:defRPr kumimoji="0" sz="800">
                 <a:solidFill>
-                  <a:schemeClr val="tx1">
-                    <a:tint val="75000"/>
-                  </a:schemeClr>
+                  <a:schemeClr val="accent2"/>
                 </a:solidFill>
               </a:defRPr>
             </a:lvl1pPr>
@@ -2665,7 +3747,8 @@
           <a:p>
             <a:fld id="{49B45151-D5A0-495B-9803-896721AE84D9}" type="datetimeFigureOut">
               <a:rPr lang="en-US" smtClean="0"/>
-              <a:t>7/21/2020</a:t>
+              <a:pPr/>
+              <a:t>7/23/2020</a:t>
             </a:fld>
             <a:endParaRPr lang="en-US"/>
           </a:p>
@@ -2673,7 +3756,7 @@
       </p:sp>
       <p:sp>
         <p:nvSpPr>
-          <p:cNvPr id="5" name="Espace réservé du pied de page 4"/>
+          <p:cNvPr id="3" name="Espace réservé du pied de page 2"/>
           <p:cNvSpPr>
             <a:spLocks noGrp="1"/>
           </p:cNvSpPr>
@@ -2683,22 +3766,20 @@
         </p:nvSpPr>
         <p:spPr>
           <a:xfrm>
-            <a:off x="3124200" y="6356350"/>
-            <a:ext cx="2895600" cy="365125"/>
+            <a:off x="5257800" y="612648"/>
+            <a:ext cx="1325880" cy="457200"/>
           </a:xfrm>
           <a:prstGeom prst="rect">
             <a:avLst/>
           </a:prstGeom>
         </p:spPr>
         <p:txBody>
-          <a:bodyPr vert="horz" lIns="91440" tIns="45720" rIns="91440" bIns="45720" rtlCol="0" anchor="ctr"/>
+          <a:bodyPr vert="horz"/>
           <a:lstStyle>
-            <a:lvl1pPr algn="ctr">
-              <a:defRPr sz="1200">
+            <a:lvl1pPr algn="r" eaLnBrk="1" latinLnBrk="0" hangingPunct="1">
+              <a:defRPr kumimoji="0" sz="800">
                 <a:solidFill>
-                  <a:schemeClr val="tx1">
-                    <a:tint val="75000"/>
-                  </a:schemeClr>
+                  <a:schemeClr val="accent2"/>
                 </a:solidFill>
               </a:defRPr>
             </a:lvl1pPr>
@@ -2710,7 +3791,7 @@
       </p:sp>
       <p:sp>
         <p:nvSpPr>
-          <p:cNvPr id="6" name="Espace réservé du numéro de diapositive 5"/>
+          <p:cNvPr id="23" name="Espace réservé du numéro de diapositive 22"/>
           <p:cNvSpPr>
             <a:spLocks noGrp="1"/>
           </p:cNvSpPr>
@@ -2720,22 +3801,20 @@
         </p:nvSpPr>
         <p:spPr>
           <a:xfrm>
-            <a:off x="6553200" y="6356350"/>
-            <a:ext cx="2133600" cy="365125"/>
+            <a:off x="8174736" y="2272"/>
+            <a:ext cx="762000" cy="365760"/>
           </a:xfrm>
           <a:prstGeom prst="rect">
             <a:avLst/>
           </a:prstGeom>
         </p:spPr>
         <p:txBody>
-          <a:bodyPr vert="horz" lIns="91440" tIns="45720" rIns="91440" bIns="45720" rtlCol="0" anchor="ctr"/>
+          <a:bodyPr vert="horz" anchor="b"/>
           <a:lstStyle>
-            <a:lvl1pPr algn="r">
-              <a:defRPr sz="1200">
+            <a:lvl1pPr algn="r" eaLnBrk="1" latinLnBrk="0" hangingPunct="1">
+              <a:defRPr kumimoji="0" sz="1800">
                 <a:solidFill>
-                  <a:schemeClr val="tx1">
-                    <a:tint val="75000"/>
-                  </a:schemeClr>
+                  <a:srgbClr val="FFFFFF"/>
                 </a:solidFill>
               </a:defRPr>
             </a:lvl1pPr>
@@ -2743,6 +3822,7 @@
           <a:p>
             <a:fld id="{90F6734A-9EE2-4632-9348-A5002D2EF2AA}" type="slidenum">
               <a:rPr lang="en-US" smtClean="0"/>
+              <a:pPr/>
               <a:t>‹N°›</a:t>
             </a:fld>
             <a:endParaRPr lang="en-US"/>
@@ -2753,28 +3833,28 @@
   </p:cSld>
   <p:clrMap bg1="lt1" tx1="dk1" bg2="lt2" tx2="dk2" accent1="accent1" accent2="accent2" accent3="accent3" accent4="accent4" accent5="accent5" accent6="accent6" hlink="hlink" folHlink="folHlink"/>
   <p:sldLayoutIdLst>
-    <p:sldLayoutId id="2147483649" r:id="rId1"/>
-    <p:sldLayoutId id="2147483650" r:id="rId2"/>
-    <p:sldLayoutId id="2147483651" r:id="rId3"/>
-    <p:sldLayoutId id="2147483652" r:id="rId4"/>
-    <p:sldLayoutId id="2147483653" r:id="rId5"/>
-    <p:sldLayoutId id="2147483654" r:id="rId6"/>
-    <p:sldLayoutId id="2147483655" r:id="rId7"/>
-    <p:sldLayoutId id="2147483656" r:id="rId8"/>
-    <p:sldLayoutId id="2147483657" r:id="rId9"/>
-    <p:sldLayoutId id="2147483658" r:id="rId10"/>
-    <p:sldLayoutId id="2147483659" r:id="rId11"/>
+    <p:sldLayoutId id="2147483673" r:id="rId1"/>
+    <p:sldLayoutId id="2147483674" r:id="rId2"/>
+    <p:sldLayoutId id="2147483675" r:id="rId3"/>
+    <p:sldLayoutId id="2147483676" r:id="rId4"/>
+    <p:sldLayoutId id="2147483677" r:id="rId5"/>
+    <p:sldLayoutId id="2147483678" r:id="rId6"/>
+    <p:sldLayoutId id="2147483679" r:id="rId7"/>
+    <p:sldLayoutId id="2147483680" r:id="rId8"/>
+    <p:sldLayoutId id="2147483681" r:id="rId9"/>
+    <p:sldLayoutId id="2147483682" r:id="rId10"/>
+    <p:sldLayoutId id="2147483683" r:id="rId11"/>
   </p:sldLayoutIdLst>
   <p:txStyles>
     <p:titleStyle>
-      <a:lvl1pPr algn="ctr" defTabSz="914400" rtl="0" eaLnBrk="1" latinLnBrk="0" hangingPunct="1">
+      <a:lvl1pPr algn="l" rtl="0" eaLnBrk="1" latinLnBrk="0" hangingPunct="1">
         <a:spcBef>
           <a:spcPct val="0"/>
         </a:spcBef>
         <a:buNone/>
-        <a:defRPr sz="4400" kern="1200">
+        <a:defRPr kumimoji="0" sz="4000" kern="1200">
           <a:solidFill>
-            <a:schemeClr val="tx1"/>
+            <a:schemeClr val="tx2"/>
           </a:solidFill>
           <a:latin typeface="+mj-lt"/>
           <a:ea typeface="+mj-ea"/>
@@ -2783,13 +3863,16 @@
       </a:lvl1pPr>
     </p:titleStyle>
     <p:bodyStyle>
-      <a:lvl1pPr marL="342900" indent="-342900" algn="l" defTabSz="914400" rtl="0" eaLnBrk="1" latinLnBrk="0" hangingPunct="1">
+      <a:lvl1pPr marL="365760" indent="-256032" algn="l" rtl="0" eaLnBrk="1" latinLnBrk="0" hangingPunct="1">
         <a:spcBef>
-          <a:spcPct val="20000"/>
+          <a:spcPts val="300"/>
         </a:spcBef>
-        <a:buFont typeface="Arial" pitchFamily="34" charset="0"/>
+        <a:buClr>
+          <a:schemeClr val="accent3"/>
+        </a:buClr>
+        <a:buFont typeface="Georgia"/>
         <a:buChar char="•"/>
-        <a:defRPr sz="3200" kern="1200">
+        <a:defRPr kumimoji="0" sz="2800" kern="1200">
           <a:solidFill>
             <a:schemeClr val="tx1"/>
           </a:solidFill>
@@ -2798,13 +3881,164 @@
           <a:cs typeface="+mn-cs"/>
         </a:defRPr>
       </a:lvl1pPr>
-      <a:lvl2pPr marL="742950" indent="-285750" algn="l" defTabSz="914400" rtl="0" eaLnBrk="1" latinLnBrk="0" hangingPunct="1">
+      <a:lvl2pPr marL="658368" indent="-246888" algn="l" rtl="0" eaLnBrk="1" latinLnBrk="0" hangingPunct="1">
         <a:spcBef>
-          <a:spcPct val="20000"/>
+          <a:spcPts val="300"/>
         </a:spcBef>
-        <a:buFont typeface="Arial" pitchFamily="34" charset="0"/>
-        <a:buChar char="–"/>
-        <a:defRPr sz="2800" kern="1200">
+        <a:buClr>
+          <a:schemeClr val="accent2"/>
+        </a:buClr>
+        <a:buFont typeface="Georgia"/>
+        <a:buChar char="▫"/>
+        <a:defRPr kumimoji="0" sz="2600" kern="1200">
+          <a:solidFill>
+            <a:schemeClr val="accent2"/>
+          </a:solidFill>
+          <a:latin typeface="+mn-lt"/>
+          <a:ea typeface="+mn-ea"/>
+          <a:cs typeface="+mn-cs"/>
+        </a:defRPr>
+      </a:lvl2pPr>
+      <a:lvl3pPr marL="923544" indent="-219456" algn="l" rtl="0" eaLnBrk="1" latinLnBrk="0" hangingPunct="1">
+        <a:spcBef>
+          <a:spcPts val="300"/>
+        </a:spcBef>
+        <a:buClr>
+          <a:schemeClr val="accent1"/>
+        </a:buClr>
+        <a:buFont typeface="Wingdings 2"/>
+        <a:buChar char=""/>
+        <a:defRPr kumimoji="0" sz="2400" kern="1200">
+          <a:solidFill>
+            <a:schemeClr val="accent1"/>
+          </a:solidFill>
+          <a:latin typeface="+mn-lt"/>
+          <a:ea typeface="+mn-ea"/>
+          <a:cs typeface="+mn-cs"/>
+        </a:defRPr>
+      </a:lvl3pPr>
+      <a:lvl4pPr marL="1179576" indent="-201168" algn="l" rtl="0" eaLnBrk="1" latinLnBrk="0" hangingPunct="1">
+        <a:spcBef>
+          <a:spcPts val="300"/>
+        </a:spcBef>
+        <a:buClr>
+          <a:schemeClr val="accent1"/>
+        </a:buClr>
+        <a:buFont typeface="Wingdings 2"/>
+        <a:buChar char=""/>
+        <a:defRPr kumimoji="0" sz="2200" kern="1200">
+          <a:solidFill>
+            <a:schemeClr val="accent1"/>
+          </a:solidFill>
+          <a:latin typeface="+mn-lt"/>
+          <a:ea typeface="+mn-ea"/>
+          <a:cs typeface="+mn-cs"/>
+        </a:defRPr>
+      </a:lvl4pPr>
+      <a:lvl5pPr marL="1389888" indent="-182880" algn="l" rtl="0" eaLnBrk="1" latinLnBrk="0" hangingPunct="1">
+        <a:spcBef>
+          <a:spcPts val="300"/>
+        </a:spcBef>
+        <a:buClr>
+          <a:schemeClr val="accent3"/>
+        </a:buClr>
+        <a:buFont typeface="Georgia"/>
+        <a:buChar char="▫"/>
+        <a:defRPr kumimoji="0" sz="2000" kern="1200">
+          <a:solidFill>
+            <a:schemeClr val="accent3"/>
+          </a:solidFill>
+          <a:latin typeface="+mn-lt"/>
+          <a:ea typeface="+mn-ea"/>
+          <a:cs typeface="+mn-cs"/>
+        </a:defRPr>
+      </a:lvl5pPr>
+      <a:lvl6pPr marL="1609344" indent="-182880" algn="l" rtl="0" eaLnBrk="1" latinLnBrk="0" hangingPunct="1">
+        <a:spcBef>
+          <a:spcPts val="300"/>
+        </a:spcBef>
+        <a:buClr>
+          <a:schemeClr val="accent3"/>
+        </a:buClr>
+        <a:buFont typeface="Georgia"/>
+        <a:buChar char="▫"/>
+        <a:defRPr kumimoji="0" sz="1800" kern="1200">
+          <a:solidFill>
+            <a:schemeClr val="accent3"/>
+          </a:solidFill>
+          <a:latin typeface="+mn-lt"/>
+          <a:ea typeface="+mn-ea"/>
+          <a:cs typeface="+mn-cs"/>
+        </a:defRPr>
+      </a:lvl6pPr>
+      <a:lvl7pPr marL="1828800" indent="-182880" algn="l" rtl="0" eaLnBrk="1" latinLnBrk="0" hangingPunct="1">
+        <a:spcBef>
+          <a:spcPts val="300"/>
+        </a:spcBef>
+        <a:buClr>
+          <a:schemeClr val="accent3"/>
+        </a:buClr>
+        <a:buFont typeface="Georgia"/>
+        <a:buChar char="▫"/>
+        <a:defRPr kumimoji="0" sz="1600" kern="1200">
+          <a:solidFill>
+            <a:schemeClr val="accent3"/>
+          </a:solidFill>
+          <a:latin typeface="+mn-lt"/>
+          <a:ea typeface="+mn-ea"/>
+          <a:cs typeface="+mn-cs"/>
+        </a:defRPr>
+      </a:lvl7pPr>
+      <a:lvl8pPr marL="2029968" indent="-182880" algn="l" rtl="0" eaLnBrk="1" latinLnBrk="0" hangingPunct="1">
+        <a:spcBef>
+          <a:spcPts val="300"/>
+        </a:spcBef>
+        <a:buClr>
+          <a:schemeClr val="accent3"/>
+        </a:buClr>
+        <a:buFont typeface="Georgia"/>
+        <a:buChar char="◦"/>
+        <a:defRPr kumimoji="0" sz="1500" kern="1200">
+          <a:solidFill>
+            <a:schemeClr val="accent3"/>
+          </a:solidFill>
+          <a:latin typeface="+mn-lt"/>
+          <a:ea typeface="+mn-ea"/>
+          <a:cs typeface="+mn-cs"/>
+        </a:defRPr>
+      </a:lvl8pPr>
+      <a:lvl9pPr marL="2240280" indent="-182880" algn="l" rtl="0" eaLnBrk="1" latinLnBrk="0" hangingPunct="1">
+        <a:spcBef>
+          <a:spcPts val="300"/>
+        </a:spcBef>
+        <a:buClr>
+          <a:schemeClr val="accent3"/>
+        </a:buClr>
+        <a:buFont typeface="Georgia"/>
+        <a:buChar char="◦"/>
+        <a:defRPr kumimoji="0" sz="1400" kern="1200" baseline="0">
+          <a:solidFill>
+            <a:schemeClr val="accent3"/>
+          </a:solidFill>
+          <a:latin typeface="+mn-lt"/>
+          <a:ea typeface="+mn-ea"/>
+          <a:cs typeface="+mn-cs"/>
+        </a:defRPr>
+      </a:lvl9pPr>
+    </p:bodyStyle>
+    <p:otherStyle>
+      <a:lvl1pPr marL="0" algn="l" rtl="0" eaLnBrk="1" latinLnBrk="0" hangingPunct="1">
+        <a:defRPr kumimoji="0" kern="1200">
+          <a:solidFill>
+            <a:schemeClr val="tx1"/>
+          </a:solidFill>
+          <a:latin typeface="+mn-lt"/>
+          <a:ea typeface="+mn-ea"/>
+          <a:cs typeface="+mn-cs"/>
+        </a:defRPr>
+      </a:lvl1pPr>
+      <a:lvl2pPr marL="457200" algn="l" rtl="0" eaLnBrk="1" latinLnBrk="0" hangingPunct="1">
+        <a:defRPr kumimoji="0" kern="1200">
           <a:solidFill>
             <a:schemeClr val="tx1"/>
           </a:solidFill>
@@ -2813,13 +4047,8 @@
           <a:cs typeface="+mn-cs"/>
         </a:defRPr>
       </a:lvl2pPr>
-      <a:lvl3pPr marL="1143000" indent="-228600" algn="l" defTabSz="914400" rtl="0" eaLnBrk="1" latinLnBrk="0" hangingPunct="1">
-        <a:spcBef>
-          <a:spcPct val="20000"/>
-        </a:spcBef>
-        <a:buFont typeface="Arial" pitchFamily="34" charset="0"/>
-        <a:buChar char="•"/>
-        <a:defRPr sz="2400" kern="1200">
+      <a:lvl3pPr marL="914400" algn="l" rtl="0" eaLnBrk="1" latinLnBrk="0" hangingPunct="1">
+        <a:defRPr kumimoji="0" kern="1200">
           <a:solidFill>
             <a:schemeClr val="tx1"/>
           </a:solidFill>
@@ -2828,13 +4057,8 @@
           <a:cs typeface="+mn-cs"/>
         </a:defRPr>
       </a:lvl3pPr>
-      <a:lvl4pPr marL="1600200" indent="-228600" algn="l" defTabSz="914400" rtl="0" eaLnBrk="1" latinLnBrk="0" hangingPunct="1">
-        <a:spcBef>
-          <a:spcPct val="20000"/>
-        </a:spcBef>
-        <a:buFont typeface="Arial" pitchFamily="34" charset="0"/>
-        <a:buChar char="–"/>
-        <a:defRPr sz="2000" kern="1200">
+      <a:lvl4pPr marL="1371600" algn="l" rtl="0" eaLnBrk="1" latinLnBrk="0" hangingPunct="1">
+        <a:defRPr kumimoji="0" kern="1200">
           <a:solidFill>
             <a:schemeClr val="tx1"/>
           </a:solidFill>
@@ -2843,13 +4067,8 @@
           <a:cs typeface="+mn-cs"/>
         </a:defRPr>
       </a:lvl4pPr>
-      <a:lvl5pPr marL="2057400" indent="-228600" algn="l" defTabSz="914400" rtl="0" eaLnBrk="1" latinLnBrk="0" hangingPunct="1">
-        <a:spcBef>
-          <a:spcPct val="20000"/>
-        </a:spcBef>
-        <a:buFont typeface="Arial" pitchFamily="34" charset="0"/>
-        <a:buChar char="»"/>
-        <a:defRPr sz="2000" kern="1200">
+      <a:lvl5pPr marL="1828800" algn="l" rtl="0" eaLnBrk="1" latinLnBrk="0" hangingPunct="1">
+        <a:defRPr kumimoji="0" kern="1200">
           <a:solidFill>
             <a:schemeClr val="tx1"/>
           </a:solidFill>
@@ -2858,13 +4077,8 @@
           <a:cs typeface="+mn-cs"/>
         </a:defRPr>
       </a:lvl5pPr>
-      <a:lvl6pPr marL="2514600" indent="-228600" algn="l" defTabSz="914400" rtl="0" eaLnBrk="1" latinLnBrk="0" hangingPunct="1">
-        <a:spcBef>
-          <a:spcPct val="20000"/>
-        </a:spcBef>
-        <a:buFont typeface="Arial" pitchFamily="34" charset="0"/>
-        <a:buChar char="•"/>
-        <a:defRPr sz="2000" kern="1200">
+      <a:lvl6pPr marL="2286000" algn="l" rtl="0" eaLnBrk="1" latinLnBrk="0" hangingPunct="1">
+        <a:defRPr kumimoji="0" kern="1200">
           <a:solidFill>
             <a:schemeClr val="tx1"/>
           </a:solidFill>
@@ -2873,13 +4087,8 @@
           <a:cs typeface="+mn-cs"/>
         </a:defRPr>
       </a:lvl6pPr>
-      <a:lvl7pPr marL="2971800" indent="-228600" algn="l" defTabSz="914400" rtl="0" eaLnBrk="1" latinLnBrk="0" hangingPunct="1">
-        <a:spcBef>
-          <a:spcPct val="20000"/>
-        </a:spcBef>
-        <a:buFont typeface="Arial" pitchFamily="34" charset="0"/>
-        <a:buChar char="•"/>
-        <a:defRPr sz="2000" kern="1200">
+      <a:lvl7pPr marL="2743200" algn="l" rtl="0" eaLnBrk="1" latinLnBrk="0" hangingPunct="1">
+        <a:defRPr kumimoji="0" kern="1200">
           <a:solidFill>
             <a:schemeClr val="tx1"/>
           </a:solidFill>
@@ -2888,13 +4097,8 @@
           <a:cs typeface="+mn-cs"/>
         </a:defRPr>
       </a:lvl7pPr>
-      <a:lvl8pPr marL="3429000" indent="-228600" algn="l" defTabSz="914400" rtl="0" eaLnBrk="1" latinLnBrk="0" hangingPunct="1">
-        <a:spcBef>
-          <a:spcPct val="20000"/>
-        </a:spcBef>
-        <a:buFont typeface="Arial" pitchFamily="34" charset="0"/>
-        <a:buChar char="•"/>
-        <a:defRPr sz="2000" kern="1200">
+      <a:lvl8pPr marL="3200400" algn="l" rtl="0" eaLnBrk="1" latinLnBrk="0" hangingPunct="1">
+        <a:defRPr kumimoji="0" kern="1200">
           <a:solidFill>
             <a:schemeClr val="tx1"/>
           </a:solidFill>
@@ -2903,108 +4107,8 @@
           <a:cs typeface="+mn-cs"/>
         </a:defRPr>
       </a:lvl8pPr>
-      <a:lvl9pPr marL="3886200" indent="-228600" algn="l" defTabSz="914400" rtl="0" eaLnBrk="1" latinLnBrk="0" hangingPunct="1">
-        <a:spcBef>
-          <a:spcPct val="20000"/>
-        </a:spcBef>
-        <a:buFont typeface="Arial" pitchFamily="34" charset="0"/>
-        <a:buChar char="•"/>
-        <a:defRPr sz="2000" kern="1200">
-          <a:solidFill>
-            <a:schemeClr val="tx1"/>
-          </a:solidFill>
-          <a:latin typeface="+mn-lt"/>
-          <a:ea typeface="+mn-ea"/>
-          <a:cs typeface="+mn-cs"/>
-        </a:defRPr>
-      </a:lvl9pPr>
-    </p:bodyStyle>
-    <p:otherStyle>
-      <a:defPPr>
-        <a:defRPr lang="en-US"/>
-      </a:defPPr>
-      <a:lvl1pPr marL="0" algn="l" defTabSz="914400" rtl="0" eaLnBrk="1" latinLnBrk="0" hangingPunct="1">
-        <a:defRPr sz="1800" kern="1200">
-          <a:solidFill>
-            <a:schemeClr val="tx1"/>
-          </a:solidFill>
-          <a:latin typeface="+mn-lt"/>
-          <a:ea typeface="+mn-ea"/>
-          <a:cs typeface="+mn-cs"/>
-        </a:defRPr>
-      </a:lvl1pPr>
-      <a:lvl2pPr marL="457200" algn="l" defTabSz="914400" rtl="0" eaLnBrk="1" latinLnBrk="0" hangingPunct="1">
-        <a:defRPr sz="1800" kern="1200">
-          <a:solidFill>
-            <a:schemeClr val="tx1"/>
-          </a:solidFill>
-          <a:latin typeface="+mn-lt"/>
-          <a:ea typeface="+mn-ea"/>
-          <a:cs typeface="+mn-cs"/>
-        </a:defRPr>
-      </a:lvl2pPr>
-      <a:lvl3pPr marL="914400" algn="l" defTabSz="914400" rtl="0" eaLnBrk="1" latinLnBrk="0" hangingPunct="1">
-        <a:defRPr sz="1800" kern="1200">
-          <a:solidFill>
-            <a:schemeClr val="tx1"/>
-          </a:solidFill>
-          <a:latin typeface="+mn-lt"/>
-          <a:ea typeface="+mn-ea"/>
-          <a:cs typeface="+mn-cs"/>
-        </a:defRPr>
-      </a:lvl3pPr>
-      <a:lvl4pPr marL="1371600" algn="l" defTabSz="914400" rtl="0" eaLnBrk="1" latinLnBrk="0" hangingPunct="1">
-        <a:defRPr sz="1800" kern="1200">
-          <a:solidFill>
-            <a:schemeClr val="tx1"/>
-          </a:solidFill>
-          <a:latin typeface="+mn-lt"/>
-          <a:ea typeface="+mn-ea"/>
-          <a:cs typeface="+mn-cs"/>
-        </a:defRPr>
-      </a:lvl4pPr>
-      <a:lvl5pPr marL="1828800" algn="l" defTabSz="914400" rtl="0" eaLnBrk="1" latinLnBrk="0" hangingPunct="1">
-        <a:defRPr sz="1800" kern="1200">
-          <a:solidFill>
-            <a:schemeClr val="tx1"/>
-          </a:solidFill>
-          <a:latin typeface="+mn-lt"/>
-          <a:ea typeface="+mn-ea"/>
-          <a:cs typeface="+mn-cs"/>
-        </a:defRPr>
-      </a:lvl5pPr>
-      <a:lvl6pPr marL="2286000" algn="l" defTabSz="914400" rtl="0" eaLnBrk="1" latinLnBrk="0" hangingPunct="1">
-        <a:defRPr sz="1800" kern="1200">
-          <a:solidFill>
-            <a:schemeClr val="tx1"/>
-          </a:solidFill>
-          <a:latin typeface="+mn-lt"/>
-          <a:ea typeface="+mn-ea"/>
-          <a:cs typeface="+mn-cs"/>
-        </a:defRPr>
-      </a:lvl6pPr>
-      <a:lvl7pPr marL="2743200" algn="l" defTabSz="914400" rtl="0" eaLnBrk="1" latinLnBrk="0" hangingPunct="1">
-        <a:defRPr sz="1800" kern="1200">
-          <a:solidFill>
-            <a:schemeClr val="tx1"/>
-          </a:solidFill>
-          <a:latin typeface="+mn-lt"/>
-          <a:ea typeface="+mn-ea"/>
-          <a:cs typeface="+mn-cs"/>
-        </a:defRPr>
-      </a:lvl7pPr>
-      <a:lvl8pPr marL="3200400" algn="l" defTabSz="914400" rtl="0" eaLnBrk="1" latinLnBrk="0" hangingPunct="1">
-        <a:defRPr sz="1800" kern="1200">
-          <a:solidFill>
-            <a:schemeClr val="tx1"/>
-          </a:solidFill>
-          <a:latin typeface="+mn-lt"/>
-          <a:ea typeface="+mn-ea"/>
-          <a:cs typeface="+mn-cs"/>
-        </a:defRPr>
-      </a:lvl8pPr>
-      <a:lvl9pPr marL="3657600" algn="l" defTabSz="914400" rtl="0" eaLnBrk="1" latinLnBrk="0" hangingPunct="1">
-        <a:defRPr sz="1800" kern="1200">
+      <a:lvl9pPr marL="3657600" algn="l" rtl="0" eaLnBrk="1" latinLnBrk="0" hangingPunct="1">
+        <a:defRPr kumimoji="0" kern="1200">
           <a:solidFill>
             <a:schemeClr val="tx1"/>
           </a:solidFill>
@@ -3037,6 +4141,83 @@
       </p:grpSpPr>
       <p:sp>
         <p:nvSpPr>
+          <p:cNvPr id="5" name="Rectangle 4"/>
+          <p:cNvSpPr/>
+          <p:nvPr/>
+        </p:nvSpPr>
+        <p:spPr>
+          <a:xfrm>
+            <a:off x="0" y="3962400"/>
+            <a:ext cx="9144000" cy="2895600"/>
+          </a:xfrm>
+          <a:prstGeom prst="rect">
+            <a:avLst/>
+          </a:prstGeom>
+          <a:solidFill>
+            <a:schemeClr val="tx1">
+              <a:lumMod val="75000"/>
+              <a:lumOff val="25000"/>
+            </a:schemeClr>
+          </a:solidFill>
+        </p:spPr>
+        <p:style>
+          <a:lnRef idx="2">
+            <a:schemeClr val="accent1">
+              <a:shade val="50000"/>
+            </a:schemeClr>
+          </a:lnRef>
+          <a:fillRef idx="1">
+            <a:schemeClr val="accent1"/>
+          </a:fillRef>
+          <a:effectRef idx="0">
+            <a:schemeClr val="accent1"/>
+          </a:effectRef>
+          <a:fontRef idx="minor">
+            <a:schemeClr val="lt1"/>
+          </a:fontRef>
+        </p:style>
+        <p:txBody>
+          <a:bodyPr rtlCol="0" anchor="ctr"/>
+          <a:lstStyle/>
+          <a:p>
+            <a:pPr algn="ctr"/>
+            <a:endParaRPr lang="en-US"/>
+          </a:p>
+        </p:txBody>
+      </p:sp>
+      <p:pic>
+        <p:nvPicPr>
+          <p:cNvPr id="4" name="Image 3" descr="suicide image.jpg"/>
+          <p:cNvPicPr>
+            <a:picLocks noChangeAspect="1"/>
+          </p:cNvPicPr>
+          <p:nvPr/>
+        </p:nvPicPr>
+        <p:blipFill>
+          <a:blip r:embed="rId2"/>
+          <a:srcRect r="20000"/>
+          <a:stretch>
+            <a:fillRect/>
+          </a:stretch>
+        </p:blipFill>
+        <p:spPr>
+          <a:xfrm>
+            <a:off x="685800" y="4038600"/>
+            <a:ext cx="4011561" cy="2590800"/>
+          </a:xfrm>
+          <a:prstGeom prst="rect">
+            <a:avLst/>
+          </a:prstGeom>
+          <a:ln>
+            <a:noFill/>
+          </a:ln>
+          <a:effectLst>
+            <a:softEdge rad="112500"/>
+          </a:effectLst>
+        </p:spPr>
+      </p:pic>
+      <p:sp>
+        <p:nvSpPr>
           <p:cNvPr id="2" name="Titre 1"/>
           <p:cNvSpPr>
             <a:spLocks noGrp="1"/>
@@ -3045,12 +4226,33 @@
             <p:ph type="ctrTitle"/>
           </p:nvPr>
         </p:nvSpPr>
-        <p:spPr/>
-        <p:txBody>
-          <a:bodyPr/>
-          <a:lstStyle/>
-          <a:p>
-            <a:endParaRPr lang="en-US"/>
+        <p:spPr>
+          <a:xfrm>
+            <a:off x="609600" y="914400"/>
+            <a:ext cx="9144000" cy="1470025"/>
+          </a:xfrm>
+        </p:spPr>
+        <p:txBody>
+          <a:bodyPr>
+            <a:normAutofit/>
+          </a:bodyPr>
+          <a:lstStyle/>
+          <a:p>
+            <a:r>
+              <a:rPr lang="en-US" sz="4000" dirty="0" smtClean="0">
+                <a:latin typeface="Californian FB" pitchFamily="18" charset="0"/>
+              </a:rPr>
+              <a:t>Depression and suicide </a:t>
+            </a:r>
+            <a:r>
+              <a:rPr lang="en-US" sz="4000" dirty="0" smtClean="0">
+                <a:latin typeface="Californian FB" pitchFamily="18" charset="0"/>
+              </a:rPr>
+              <a:t>psychology</a:t>
+            </a:r>
+            <a:endParaRPr lang="en-US" sz="4000" dirty="0">
+              <a:latin typeface="Californian FB" pitchFamily="18" charset="0"/>
+            </a:endParaRPr>
           </a:p>
         </p:txBody>
       </p:sp>
@@ -3064,12 +4266,64 @@
             <p:ph type="subTitle" idx="1"/>
           </p:nvPr>
         </p:nvSpPr>
-        <p:spPr/>
-        <p:txBody>
-          <a:bodyPr/>
-          <a:lstStyle/>
-          <a:p>
-            <a:endParaRPr lang="en-US"/>
+        <p:spPr>
+          <a:xfrm>
+            <a:off x="4953000" y="4648200"/>
+            <a:ext cx="3886200" cy="1828800"/>
+          </a:xfrm>
+        </p:spPr>
+        <p:txBody>
+          <a:bodyPr>
+            <a:normAutofit/>
+          </a:bodyPr>
+          <a:lstStyle/>
+          <a:p>
+            <a:r>
+              <a:rPr lang="en-US" sz="2800" b="1" dirty="0" smtClean="0">
+                <a:solidFill>
+                  <a:schemeClr val="bg1"/>
+                </a:solidFill>
+                <a:latin typeface="Californian FB" pitchFamily="18" charset="0"/>
+              </a:rPr>
+              <a:t>Capstone final project</a:t>
+            </a:r>
+          </a:p>
+          <a:p>
+            <a:r>
+              <a:rPr lang="en-US" sz="2800" dirty="0" err="1" smtClean="0">
+                <a:solidFill>
+                  <a:schemeClr val="bg1"/>
+                </a:solidFill>
+                <a:latin typeface="Californian FB" pitchFamily="18" charset="0"/>
+              </a:rPr>
+              <a:t>Maickery</a:t>
+            </a:r>
+            <a:r>
+              <a:rPr lang="en-US" sz="2800" dirty="0" smtClean="0">
+                <a:solidFill>
+                  <a:schemeClr val="bg1"/>
+                </a:solidFill>
+                <a:latin typeface="Californian FB" pitchFamily="18" charset="0"/>
+              </a:rPr>
+              <a:t> Bozor</a:t>
+            </a:r>
+          </a:p>
+          <a:p>
+            <a:r>
+              <a:rPr lang="en-US" sz="2800" dirty="0" smtClean="0">
+                <a:solidFill>
+                  <a:schemeClr val="bg1"/>
+                </a:solidFill>
+                <a:latin typeface="Californian FB" pitchFamily="18" charset="0"/>
+              </a:rPr>
+              <a:t>July 23, 2020 </a:t>
+            </a:r>
+            <a:endParaRPr lang="en-US" sz="2800" dirty="0">
+              <a:solidFill>
+                <a:schemeClr val="bg1"/>
+              </a:solidFill>
+              <a:latin typeface="Californian FB" pitchFamily="18" charset="0"/>
+            </a:endParaRPr>
           </a:p>
         </p:txBody>
       </p:sp>
@@ -3078,13 +4332,1473 @@
   <p:clrMapOvr>
     <a:masterClrMapping/>
   </p:clrMapOvr>
+  <p:timing>
+    <p:tnLst>
+      <p:par>
+        <p:cTn id="1" dur="indefinite" restart="never" nodeType="tmRoot"/>
+      </p:par>
+    </p:tnLst>
+  </p:timing>
+</p:sld>
+</file>
+
+<file path=ppt/slides/slide10.xml><?xml version="1.0" encoding="utf-8"?>
+<p:sld xmlns:a="http://schemas.openxmlformats.org/drawingml/2006/main" xmlns:r="http://schemas.openxmlformats.org/officeDocument/2006/relationships" xmlns:p="http://schemas.openxmlformats.org/presentationml/2006/main">
+  <p:cSld>
+    <p:spTree>
+      <p:nvGrpSpPr>
+        <p:cNvPr id="1" name=""/>
+        <p:cNvGrpSpPr/>
+        <p:nvPr/>
+      </p:nvGrpSpPr>
+      <p:grpSpPr>
+        <a:xfrm>
+          <a:off x="0" y="0"/>
+          <a:ext cx="0" cy="0"/>
+          <a:chOff x="0" y="0"/>
+          <a:chExt cx="0" cy="0"/>
+        </a:xfrm>
+      </p:grpSpPr>
+      <p:sp>
+        <p:nvSpPr>
+          <p:cNvPr id="2" name="Titre 1"/>
+          <p:cNvSpPr>
+            <a:spLocks noGrp="1"/>
+          </p:cNvSpPr>
+          <p:nvPr>
+            <p:ph type="title"/>
+          </p:nvPr>
+        </p:nvSpPr>
+        <p:spPr/>
+        <p:txBody>
+          <a:bodyPr/>
+          <a:lstStyle/>
+          <a:p>
+            <a:r>
+              <a:rPr lang="en-US" dirty="0" smtClean="0"/>
+              <a:t>Conclusion and future </a:t>
+            </a:r>
+            <a:r>
+              <a:rPr lang="en-US" dirty="0" smtClean="0"/>
+              <a:t>directions</a:t>
+            </a:r>
+            <a:endParaRPr lang="en-US" dirty="0"/>
+          </a:p>
+        </p:txBody>
+      </p:sp>
+      <p:sp>
+        <p:nvSpPr>
+          <p:cNvPr id="3" name="Espace réservé du contenu 2"/>
+          <p:cNvSpPr>
+            <a:spLocks noGrp="1"/>
+          </p:cNvSpPr>
+          <p:nvPr>
+            <p:ph idx="1"/>
+          </p:nvPr>
+        </p:nvSpPr>
+        <p:spPr/>
+        <p:txBody>
+          <a:bodyPr>
+            <a:normAutofit/>
+          </a:bodyPr>
+          <a:lstStyle/>
+          <a:p>
+            <a:pPr>
+              <a:buNone/>
+            </a:pPr>
+            <a:r>
+              <a:rPr lang="en-US" sz="2400" dirty="0" smtClean="0">
+                <a:latin typeface="Californian FB" pitchFamily="18" charset="0"/>
+              </a:rPr>
+              <a:t>According to a research </a:t>
+            </a:r>
+            <a:r>
+              <a:rPr lang="en-US" sz="2400" b="1" dirty="0" smtClean="0">
+                <a:latin typeface="Californian FB" pitchFamily="18" charset="0"/>
+              </a:rPr>
+              <a:t>California</a:t>
+            </a:r>
+            <a:r>
+              <a:rPr lang="en-US" sz="2400" dirty="0" smtClean="0">
+                <a:latin typeface="Californian FB" pitchFamily="18" charset="0"/>
+              </a:rPr>
+              <a:t> have the highest population over all the states of USA, and Los Angeles have the highest level of </a:t>
+            </a:r>
+            <a:r>
+              <a:rPr lang="en-US" sz="2400" dirty="0" smtClean="0">
+                <a:latin typeface="Californian FB" pitchFamily="18" charset="0"/>
+              </a:rPr>
+              <a:t>population </a:t>
+            </a:r>
+            <a:r>
+              <a:rPr lang="en-US" sz="2400" dirty="0" smtClean="0">
+                <a:latin typeface="Californian FB" pitchFamily="18" charset="0"/>
+              </a:rPr>
+              <a:t>in California. Los Angeles is the second largest city in the United States in terms of population after New York. Located in the southern state of California on the Pacific coast, the city is the seat of Los Angeles County</a:t>
+            </a:r>
+            <a:r>
+              <a:rPr lang="en-US" sz="2400" dirty="0" smtClean="0">
+                <a:latin typeface="Californian FB" pitchFamily="18" charset="0"/>
+              </a:rPr>
+              <a:t>.</a:t>
+            </a:r>
+          </a:p>
+          <a:p>
+            <a:pPr>
+              <a:buNone/>
+            </a:pPr>
+            <a:r>
+              <a:rPr lang="en-US" sz="2400" dirty="0" smtClean="0"/>
+              <a:t/>
+            </a:r>
+            <a:br>
+              <a:rPr lang="en-US" sz="2400" dirty="0" smtClean="0"/>
+            </a:br>
+            <a:r>
+              <a:rPr lang="en-US" sz="2400" dirty="0" smtClean="0">
+                <a:latin typeface="Californian FB" pitchFamily="18" charset="0"/>
+              </a:rPr>
+              <a:t>Los Angeles is the best destination for Dr </a:t>
+            </a:r>
+            <a:r>
+              <a:rPr lang="en-US" sz="2400" dirty="0" err="1" smtClean="0">
+                <a:latin typeface="Californian FB" pitchFamily="18" charset="0"/>
+              </a:rPr>
+              <a:t>Dupre</a:t>
+            </a:r>
+            <a:r>
+              <a:rPr lang="en-US" sz="2400" dirty="0" smtClean="0">
+                <a:latin typeface="Californian FB" pitchFamily="18" charset="0"/>
+              </a:rPr>
+              <a:t> to open his new </a:t>
+            </a:r>
+            <a:r>
+              <a:rPr lang="en-US" sz="2400" dirty="0" smtClean="0">
+                <a:latin typeface="Californian FB" pitchFamily="18" charset="0"/>
+              </a:rPr>
+              <a:t>clinic</a:t>
+            </a:r>
+            <a:endParaRPr lang="en-US" sz="2400" dirty="0">
+              <a:latin typeface="Californian FB" pitchFamily="18" charset="0"/>
+            </a:endParaRPr>
+          </a:p>
+        </p:txBody>
+      </p:sp>
+    </p:spTree>
+  </p:cSld>
+  <p:clrMapOvr>
+    <a:masterClrMapping/>
+  </p:clrMapOvr>
+  <p:timing>
+    <p:tnLst>
+      <p:par>
+        <p:cTn id="1" dur="indefinite" restart="never" nodeType="tmRoot"/>
+      </p:par>
+    </p:tnLst>
+  </p:timing>
+</p:sld>
+</file>
+
+<file path=ppt/slides/slide2.xml><?xml version="1.0" encoding="utf-8"?>
+<p:sld xmlns:a="http://schemas.openxmlformats.org/drawingml/2006/main" xmlns:r="http://schemas.openxmlformats.org/officeDocument/2006/relationships" xmlns:p="http://schemas.openxmlformats.org/presentationml/2006/main">
+  <p:cSld>
+    <p:spTree>
+      <p:nvGrpSpPr>
+        <p:cNvPr id="1" name=""/>
+        <p:cNvGrpSpPr/>
+        <p:nvPr/>
+      </p:nvGrpSpPr>
+      <p:grpSpPr>
+        <a:xfrm>
+          <a:off x="0" y="0"/>
+          <a:ext cx="0" cy="0"/>
+          <a:chOff x="0" y="0"/>
+          <a:chExt cx="0" cy="0"/>
+        </a:xfrm>
+      </p:grpSpPr>
+      <p:sp>
+        <p:nvSpPr>
+          <p:cNvPr id="2" name="Titre 1"/>
+          <p:cNvSpPr>
+            <a:spLocks noGrp="1"/>
+          </p:cNvSpPr>
+          <p:nvPr>
+            <p:ph type="title"/>
+          </p:nvPr>
+        </p:nvSpPr>
+        <p:spPr>
+          <a:xfrm>
+            <a:off x="457200" y="838200"/>
+            <a:ext cx="8229600" cy="1066800"/>
+          </a:xfrm>
+        </p:spPr>
+        <p:txBody>
+          <a:bodyPr>
+            <a:normAutofit/>
+          </a:bodyPr>
+          <a:lstStyle/>
+          <a:p>
+            <a:r>
+              <a:rPr lang="en-US" b="1" dirty="0" smtClean="0">
+                <a:latin typeface="Californian FB" pitchFamily="18" charset="0"/>
+              </a:rPr>
+              <a:t>Introduction</a:t>
+            </a:r>
+            <a:endParaRPr lang="en-US" dirty="0">
+              <a:latin typeface="Californian FB" pitchFamily="18" charset="0"/>
+            </a:endParaRPr>
+          </a:p>
+        </p:txBody>
+      </p:sp>
+      <p:sp>
+        <p:nvSpPr>
+          <p:cNvPr id="3" name="Espace réservé du contenu 2"/>
+          <p:cNvSpPr>
+            <a:spLocks noGrp="1"/>
+          </p:cNvSpPr>
+          <p:nvPr>
+            <p:ph idx="1"/>
+          </p:nvPr>
+        </p:nvSpPr>
+        <p:spPr>
+          <a:xfrm>
+            <a:off x="304800" y="2133600"/>
+            <a:ext cx="8534400" cy="4267200"/>
+          </a:xfrm>
+        </p:spPr>
+        <p:txBody>
+          <a:bodyPr>
+            <a:normAutofit/>
+          </a:bodyPr>
+          <a:lstStyle/>
+          <a:p>
+            <a:pPr algn="just">
+              <a:buNone/>
+            </a:pPr>
+            <a:r>
+              <a:rPr lang="en-US" sz="2400" dirty="0" smtClean="0">
+                <a:latin typeface="Californian FB" pitchFamily="18" charset="0"/>
+              </a:rPr>
+              <a:t>Suicide </a:t>
+            </a:r>
+            <a:r>
+              <a:rPr lang="en-US" sz="2400" dirty="0" smtClean="0">
+                <a:latin typeface="Californian FB" pitchFamily="18" charset="0"/>
+              </a:rPr>
+              <a:t>is the deliberate act of ending one's own </a:t>
+            </a:r>
+            <a:r>
+              <a:rPr lang="en-US" sz="2400" dirty="0" smtClean="0">
+                <a:latin typeface="Californian FB" pitchFamily="18" charset="0"/>
+              </a:rPr>
+              <a:t>life, it’s </a:t>
+            </a:r>
+            <a:r>
+              <a:rPr lang="en-US" sz="2400" dirty="0" smtClean="0">
+                <a:latin typeface="Californian FB" pitchFamily="18" charset="0"/>
+              </a:rPr>
+              <a:t>a phenomenon that affects all regions of the </a:t>
+            </a:r>
+            <a:r>
+              <a:rPr lang="en-US" sz="2400" dirty="0" smtClean="0">
+                <a:latin typeface="Californian FB" pitchFamily="18" charset="0"/>
+              </a:rPr>
+              <a:t>world. </a:t>
+            </a:r>
+            <a:r>
+              <a:rPr lang="en-US" sz="2400" dirty="0" smtClean="0">
+                <a:latin typeface="Californian FB" pitchFamily="18" charset="0"/>
+              </a:rPr>
+              <a:t>More than 800,000 people per year die by committing </a:t>
+            </a:r>
+            <a:r>
+              <a:rPr lang="en-US" sz="2400" dirty="0" smtClean="0">
+                <a:latin typeface="Californian FB" pitchFamily="18" charset="0"/>
+              </a:rPr>
+              <a:t>suicide. </a:t>
+            </a:r>
+            <a:r>
+              <a:rPr lang="en-US" sz="2400" dirty="0" smtClean="0">
+                <a:latin typeface="Californian FB" pitchFamily="18" charset="0"/>
+              </a:rPr>
+              <a:t>These deaths can occur at any age in life. In the optic of help to </a:t>
+            </a:r>
+            <a:r>
+              <a:rPr lang="en-US" sz="2400" dirty="0" smtClean="0">
+                <a:latin typeface="Californian FB" pitchFamily="18" charset="0"/>
+              </a:rPr>
+              <a:t>decrease </a:t>
+            </a:r>
+            <a:r>
+              <a:rPr lang="en-US" sz="2400" dirty="0" smtClean="0">
+                <a:latin typeface="Californian FB" pitchFamily="18" charset="0"/>
+              </a:rPr>
+              <a:t>this quantity of suicides, Dr Christine </a:t>
+            </a:r>
+            <a:r>
+              <a:rPr lang="en-US" sz="2400" dirty="0" err="1" smtClean="0">
+                <a:latin typeface="Californian FB" pitchFamily="18" charset="0"/>
+              </a:rPr>
+              <a:t>Dupre</a:t>
+            </a:r>
+            <a:r>
+              <a:rPr lang="en-US" sz="2400" dirty="0" smtClean="0">
+                <a:latin typeface="Californian FB" pitchFamily="18" charset="0"/>
+              </a:rPr>
+              <a:t> would </a:t>
+            </a:r>
+            <a:r>
+              <a:rPr lang="en-US" sz="2400" dirty="0" smtClean="0">
+                <a:latin typeface="Californian FB" pitchFamily="18" charset="0"/>
+              </a:rPr>
+              <a:t>like to open a new psychologist’s office. She has the idea of settling somewhere where statistically there is the highest level of suicides in the world</a:t>
+            </a:r>
+            <a:r>
+              <a:rPr lang="en-US" sz="2400" dirty="0" smtClean="0">
+                <a:latin typeface="Californian FB" pitchFamily="18" charset="0"/>
+              </a:rPr>
+              <a:t>.</a:t>
+            </a:r>
+          </a:p>
+          <a:p>
+            <a:pPr algn="just"/>
+            <a:r>
+              <a:rPr lang="en-US" sz="2400" dirty="0" smtClean="0">
+                <a:latin typeface="Californian FB" pitchFamily="18" charset="0"/>
+              </a:rPr>
+              <a:t>His </a:t>
+            </a:r>
+            <a:r>
+              <a:rPr lang="en-US" sz="2400" dirty="0" smtClean="0">
+                <a:latin typeface="Californian FB" pitchFamily="18" charset="0"/>
+              </a:rPr>
+              <a:t>counterparts will be </a:t>
+            </a:r>
+            <a:r>
+              <a:rPr lang="en-US" sz="2400" dirty="0" smtClean="0">
+                <a:latin typeface="Californian FB" pitchFamily="18" charset="0"/>
+              </a:rPr>
+              <a:t>interested </a:t>
+            </a:r>
+          </a:p>
+          <a:p>
+            <a:pPr algn="just"/>
+            <a:r>
+              <a:rPr lang="en-US" sz="2400" dirty="0" smtClean="0">
+                <a:latin typeface="Californian FB" pitchFamily="18" charset="0"/>
+              </a:rPr>
+              <a:t>OMS </a:t>
+            </a:r>
+            <a:r>
+              <a:rPr lang="en-US" sz="2400" dirty="0" smtClean="0">
+                <a:latin typeface="Californian FB" pitchFamily="18" charset="0"/>
+              </a:rPr>
+              <a:t>will be interested </a:t>
+            </a:r>
+            <a:endParaRPr lang="en-US" sz="2400" dirty="0" smtClean="0">
+              <a:latin typeface="Californian FB" pitchFamily="18" charset="0"/>
+            </a:endParaRPr>
+          </a:p>
+          <a:p>
+            <a:pPr algn="just"/>
+            <a:endParaRPr lang="en-US" dirty="0" smtClean="0">
+              <a:latin typeface="Californian FB" pitchFamily="18" charset="0"/>
+            </a:endParaRPr>
+          </a:p>
+          <a:p>
+            <a:pPr algn="just">
+              <a:buNone/>
+            </a:pPr>
+            <a:endParaRPr lang="en-US" dirty="0" smtClean="0"/>
+          </a:p>
+          <a:p>
+            <a:pPr algn="just">
+              <a:buNone/>
+            </a:pPr>
+            <a:endParaRPr lang="en-US" dirty="0"/>
+          </a:p>
+        </p:txBody>
+      </p:sp>
+    </p:spTree>
+  </p:cSld>
+  <p:clrMapOvr>
+    <a:masterClrMapping/>
+  </p:clrMapOvr>
+  <p:timing>
+    <p:tnLst>
+      <p:par>
+        <p:cTn id="1" dur="indefinite" restart="never" nodeType="tmRoot"/>
+      </p:par>
+    </p:tnLst>
+  </p:timing>
+</p:sld>
+</file>
+
+<file path=ppt/slides/slide3.xml><?xml version="1.0" encoding="utf-8"?>
+<p:sld xmlns:a="http://schemas.openxmlformats.org/drawingml/2006/main" xmlns:r="http://schemas.openxmlformats.org/officeDocument/2006/relationships" xmlns:p="http://schemas.openxmlformats.org/presentationml/2006/main">
+  <p:cSld>
+    <p:spTree>
+      <p:nvGrpSpPr>
+        <p:cNvPr id="1" name=""/>
+        <p:cNvGrpSpPr/>
+        <p:nvPr/>
+      </p:nvGrpSpPr>
+      <p:grpSpPr>
+        <a:xfrm>
+          <a:off x="0" y="0"/>
+          <a:ext cx="0" cy="0"/>
+          <a:chOff x="0" y="0"/>
+          <a:chExt cx="0" cy="0"/>
+        </a:xfrm>
+      </p:grpSpPr>
+      <p:sp>
+        <p:nvSpPr>
+          <p:cNvPr id="2" name="Titre 1"/>
+          <p:cNvSpPr>
+            <a:spLocks noGrp="1"/>
+          </p:cNvSpPr>
+          <p:nvPr>
+            <p:ph type="title"/>
+          </p:nvPr>
+        </p:nvSpPr>
+        <p:spPr/>
+        <p:txBody>
+          <a:bodyPr>
+            <a:normAutofit/>
+          </a:bodyPr>
+          <a:lstStyle/>
+          <a:p>
+            <a:r>
+              <a:rPr lang="en-US" b="1" dirty="0" smtClean="0">
+                <a:latin typeface="Californian FB" pitchFamily="18" charset="0"/>
+              </a:rPr>
+              <a:t>Data acquisition and </a:t>
+            </a:r>
+            <a:r>
+              <a:rPr lang="en-US" b="1" dirty="0" smtClean="0">
+                <a:latin typeface="Californian FB" pitchFamily="18" charset="0"/>
+              </a:rPr>
+              <a:t>cleaning</a:t>
+            </a:r>
+            <a:endParaRPr lang="en-US" b="1" dirty="0">
+              <a:latin typeface="Californian FB" pitchFamily="18" charset="0"/>
+            </a:endParaRPr>
+          </a:p>
+        </p:txBody>
+      </p:sp>
+      <p:sp>
+        <p:nvSpPr>
+          <p:cNvPr id="3" name="Espace réservé du contenu 2"/>
+          <p:cNvSpPr>
+            <a:spLocks noGrp="1"/>
+          </p:cNvSpPr>
+          <p:nvPr>
+            <p:ph idx="1"/>
+          </p:nvPr>
+        </p:nvSpPr>
+        <p:spPr/>
+        <p:txBody>
+          <a:bodyPr>
+            <a:normAutofit/>
+          </a:bodyPr>
+          <a:lstStyle/>
+          <a:p>
+            <a:r>
+              <a:rPr lang="en-US" sz="2400" dirty="0" smtClean="0">
+                <a:latin typeface="Californian FB" pitchFamily="18" charset="0"/>
+              </a:rPr>
+              <a:t>Worldwide suicide from </a:t>
+            </a:r>
+            <a:r>
+              <a:rPr lang="en-US" sz="2400" dirty="0" err="1" smtClean="0">
+                <a:latin typeface="Californian FB" pitchFamily="18" charset="0"/>
+              </a:rPr>
+              <a:t>Kaggle</a:t>
+            </a:r>
+            <a:r>
+              <a:rPr lang="en-US" sz="2400" dirty="0" smtClean="0">
+                <a:latin typeface="Californian FB" pitchFamily="18" charset="0"/>
+              </a:rPr>
+              <a:t> dataset </a:t>
+            </a:r>
+            <a:r>
+              <a:rPr lang="en-US" sz="2400" u="sng" dirty="0" smtClean="0">
+                <a:latin typeface="Californian FB" pitchFamily="18" charset="0"/>
+                <a:hlinkClick r:id="rId2"/>
+              </a:rPr>
+              <a:t>https://</a:t>
+            </a:r>
+            <a:r>
+              <a:rPr lang="en-US" sz="2400" u="sng" dirty="0" smtClean="0">
+                <a:latin typeface="Californian FB" pitchFamily="18" charset="0"/>
+                <a:hlinkClick r:id="rId2"/>
+              </a:rPr>
+              <a:t>www.kaggle.com/russellyates88/suicide-rates-overview-1985-to-2016</a:t>
+            </a:r>
+            <a:endParaRPr lang="en-US" sz="2400" u="sng" dirty="0" smtClean="0">
+              <a:latin typeface="Californian FB" pitchFamily="18" charset="0"/>
+            </a:endParaRPr>
+          </a:p>
+          <a:p>
+            <a:r>
+              <a:rPr lang="en-US" sz="2400" dirty="0" smtClean="0">
+                <a:latin typeface="Californian FB" pitchFamily="18" charset="0"/>
+              </a:rPr>
+              <a:t>Population of </a:t>
+            </a:r>
+            <a:r>
+              <a:rPr lang="en-US" sz="2400" dirty="0" err="1" smtClean="0">
+                <a:latin typeface="Californian FB" pitchFamily="18" charset="0"/>
+              </a:rPr>
+              <a:t>USA:</a:t>
+            </a:r>
+            <a:r>
+              <a:rPr lang="en-US" sz="2400" u="sng" dirty="0" err="1" smtClean="0">
+                <a:latin typeface="Californian FB" pitchFamily="18" charset="0"/>
+                <a:hlinkClick r:id="rId3"/>
+              </a:rPr>
+              <a:t>https</a:t>
+            </a:r>
+            <a:r>
+              <a:rPr lang="en-US" sz="2400" u="sng" dirty="0" smtClean="0">
+                <a:latin typeface="Californian FB" pitchFamily="18" charset="0"/>
+                <a:hlinkClick r:id="rId3"/>
+              </a:rPr>
+              <a:t>://</a:t>
+            </a:r>
+            <a:r>
+              <a:rPr lang="en-US" sz="2400" u="sng" dirty="0" err="1" smtClean="0">
+                <a:latin typeface="Californian FB" pitchFamily="18" charset="0"/>
+                <a:hlinkClick r:id="rId3"/>
+              </a:rPr>
+              <a:t>fr.wikipedia.org</a:t>
+            </a:r>
+            <a:r>
+              <a:rPr lang="en-US" sz="2400" u="sng" dirty="0" smtClean="0">
+                <a:latin typeface="Californian FB" pitchFamily="18" charset="0"/>
+                <a:hlinkClick r:id="rId3"/>
+              </a:rPr>
+              <a:t>/wiki/%C3%89tats_des_%C3%89tats-Unis_par_population</a:t>
+            </a:r>
+            <a:endParaRPr lang="en-US" sz="2400" dirty="0" smtClean="0">
+              <a:latin typeface="Californian FB" pitchFamily="18" charset="0"/>
+            </a:endParaRPr>
+          </a:p>
+          <a:p>
+            <a:r>
+              <a:rPr lang="en-US" sz="2400" dirty="0" smtClean="0">
+                <a:latin typeface="Californian FB" pitchFamily="18" charset="0"/>
+              </a:rPr>
+              <a:t>City of California: </a:t>
+            </a:r>
+            <a:r>
+              <a:rPr lang="en-US" sz="2400" u="sng" dirty="0" smtClean="0">
+                <a:latin typeface="Californian FB" pitchFamily="18" charset="0"/>
+                <a:hlinkClick r:id="rId4"/>
+              </a:rPr>
+              <a:t>https://</a:t>
+            </a:r>
+            <a:r>
+              <a:rPr lang="en-US" sz="2400" u="sng" dirty="0" smtClean="0">
+                <a:latin typeface="Californian FB" pitchFamily="18" charset="0"/>
+                <a:hlinkClick r:id="rId4"/>
+              </a:rPr>
+              <a:t>fr.wikipedia.org/wiki/Liste_des_villes_de_Californie_par_population</a:t>
+            </a:r>
+            <a:endParaRPr lang="en-US" sz="2400" dirty="0" smtClean="0">
+              <a:latin typeface="Californian FB" pitchFamily="18" charset="0"/>
+            </a:endParaRPr>
+          </a:p>
+        </p:txBody>
+      </p:sp>
+    </p:spTree>
+  </p:cSld>
+  <p:clrMapOvr>
+    <a:masterClrMapping/>
+  </p:clrMapOvr>
+  <p:timing>
+    <p:tnLst>
+      <p:par>
+        <p:cTn id="1" dur="indefinite" restart="never" nodeType="tmRoot"/>
+      </p:par>
+    </p:tnLst>
+  </p:timing>
+</p:sld>
+</file>
+
+<file path=ppt/slides/slide4.xml><?xml version="1.0" encoding="utf-8"?>
+<p:sld xmlns:a="http://schemas.openxmlformats.org/drawingml/2006/main" xmlns:r="http://schemas.openxmlformats.org/officeDocument/2006/relationships" xmlns:p="http://schemas.openxmlformats.org/presentationml/2006/main">
+  <p:cSld>
+    <p:spTree>
+      <p:nvGrpSpPr>
+        <p:cNvPr id="1" name=""/>
+        <p:cNvGrpSpPr/>
+        <p:nvPr/>
+      </p:nvGrpSpPr>
+      <p:grpSpPr>
+        <a:xfrm>
+          <a:off x="0" y="0"/>
+          <a:ext cx="0" cy="0"/>
+          <a:chOff x="0" y="0"/>
+          <a:chExt cx="0" cy="0"/>
+        </a:xfrm>
+      </p:grpSpPr>
+      <p:pic>
+        <p:nvPicPr>
+          <p:cNvPr id="4" name="Espace réservé du contenu 3" descr="country plot.png"/>
+          <p:cNvPicPr>
+            <a:picLocks noGrp="1" noChangeAspect="1"/>
+          </p:cNvPicPr>
+          <p:nvPr>
+            <p:ph idx="1"/>
+          </p:nvPr>
+        </p:nvPicPr>
+        <p:blipFill>
+          <a:blip r:embed="rId2"/>
+          <a:stretch>
+            <a:fillRect/>
+          </a:stretch>
+        </p:blipFill>
+        <p:spPr>
+          <a:xfrm>
+            <a:off x="3962400" y="2590800"/>
+            <a:ext cx="4859867" cy="3124200"/>
+          </a:xfrm>
+          <a:prstGeom prst="rect">
+            <a:avLst/>
+          </a:prstGeom>
+          <a:ln>
+            <a:noFill/>
+          </a:ln>
+          <a:effectLst>
+            <a:softEdge rad="112500"/>
+          </a:effectLst>
+        </p:spPr>
+      </p:pic>
+      <p:sp>
+        <p:nvSpPr>
+          <p:cNvPr id="2" name="Titre 1"/>
+          <p:cNvSpPr>
+            <a:spLocks noGrp="1"/>
+          </p:cNvSpPr>
+          <p:nvPr>
+            <p:ph type="title"/>
+          </p:nvPr>
+        </p:nvSpPr>
+        <p:spPr/>
+        <p:txBody>
+          <a:bodyPr>
+            <a:normAutofit fontScale="90000"/>
+          </a:bodyPr>
+          <a:lstStyle/>
+          <a:p>
+            <a:r>
+              <a:rPr lang="en-US" b="1" dirty="0" smtClean="0">
+                <a:latin typeface="Californian FB" pitchFamily="18" charset="0"/>
+              </a:rPr>
+              <a:t>Russia </a:t>
+            </a:r>
+            <a:r>
+              <a:rPr lang="en-US" b="1" dirty="0" smtClean="0">
+                <a:latin typeface="Californian FB" pitchFamily="18" charset="0"/>
+              </a:rPr>
+              <a:t>VS USA for highest suicide rate</a:t>
+            </a:r>
+            <a:endParaRPr lang="en-US" b="1" dirty="0">
+              <a:latin typeface="Californian FB" pitchFamily="18" charset="0"/>
+            </a:endParaRPr>
+          </a:p>
+        </p:txBody>
+      </p:sp>
+      <p:pic>
+        <p:nvPicPr>
+          <p:cNvPr id="5" name="Image 4" descr="top_country.png"/>
+          <p:cNvPicPr>
+            <a:picLocks noChangeAspect="1"/>
+          </p:cNvPicPr>
+          <p:nvPr/>
+        </p:nvPicPr>
+        <p:blipFill>
+          <a:blip r:embed="rId3"/>
+          <a:stretch>
+            <a:fillRect/>
+          </a:stretch>
+        </p:blipFill>
+        <p:spPr>
+          <a:xfrm>
+            <a:off x="304800" y="2286000"/>
+            <a:ext cx="4741334" cy="3048000"/>
+          </a:xfrm>
+          <a:prstGeom prst="rect">
+            <a:avLst/>
+          </a:prstGeom>
+        </p:spPr>
+      </p:pic>
+    </p:spTree>
+  </p:cSld>
+  <p:clrMapOvr>
+    <a:masterClrMapping/>
+  </p:clrMapOvr>
+  <p:timing>
+    <p:tnLst>
+      <p:par>
+        <p:cTn id="1" dur="indefinite" restart="never" nodeType="tmRoot"/>
+      </p:par>
+    </p:tnLst>
+  </p:timing>
+</p:sld>
+</file>
+
+<file path=ppt/slides/slide5.xml><?xml version="1.0" encoding="utf-8"?>
+<p:sld xmlns:a="http://schemas.openxmlformats.org/drawingml/2006/main" xmlns:r="http://schemas.openxmlformats.org/officeDocument/2006/relationships" xmlns:p="http://schemas.openxmlformats.org/presentationml/2006/main">
+  <p:cSld>
+    <p:spTree>
+      <p:nvGrpSpPr>
+        <p:cNvPr id="1" name=""/>
+        <p:cNvGrpSpPr/>
+        <p:nvPr/>
+      </p:nvGrpSpPr>
+      <p:grpSpPr>
+        <a:xfrm>
+          <a:off x="0" y="0"/>
+          <a:ext cx="0" cy="0"/>
+          <a:chOff x="0" y="0"/>
+          <a:chExt cx="0" cy="0"/>
+        </a:xfrm>
+      </p:grpSpPr>
+      <p:sp>
+        <p:nvSpPr>
+          <p:cNvPr id="2" name="Titre 1"/>
+          <p:cNvSpPr>
+            <a:spLocks noGrp="1"/>
+          </p:cNvSpPr>
+          <p:nvPr>
+            <p:ph type="title"/>
+          </p:nvPr>
+        </p:nvSpPr>
+        <p:spPr/>
+        <p:txBody>
+          <a:bodyPr>
+            <a:normAutofit/>
+          </a:bodyPr>
+          <a:lstStyle/>
+          <a:p>
+            <a:r>
+              <a:rPr lang="en-US" b="1" dirty="0" smtClean="0">
+                <a:latin typeface="Californian FB" pitchFamily="18" charset="0"/>
+              </a:rPr>
+              <a:t>Male </a:t>
+            </a:r>
+            <a:r>
+              <a:rPr lang="en-US" b="1" dirty="0" smtClean="0">
+                <a:latin typeface="Californian FB" pitchFamily="18" charset="0"/>
+              </a:rPr>
+              <a:t>has the highest suicide rate</a:t>
+            </a:r>
+            <a:endParaRPr lang="en-US" b="1" dirty="0">
+              <a:latin typeface="Californian FB" pitchFamily="18" charset="0"/>
+            </a:endParaRPr>
+          </a:p>
+        </p:txBody>
+      </p:sp>
+      <p:pic>
+        <p:nvPicPr>
+          <p:cNvPr id="4" name="Espace réservé du contenu 3" descr="sex_plot.png"/>
+          <p:cNvPicPr>
+            <a:picLocks noGrp="1" noChangeAspect="1"/>
+          </p:cNvPicPr>
+          <p:nvPr>
+            <p:ph idx="1"/>
+          </p:nvPr>
+        </p:nvPicPr>
+        <p:blipFill>
+          <a:blip r:embed="rId2"/>
+          <a:stretch>
+            <a:fillRect/>
+          </a:stretch>
+        </p:blipFill>
+        <p:spPr>
+          <a:xfrm>
+            <a:off x="0" y="2286000"/>
+            <a:ext cx="6324600" cy="4065814"/>
+          </a:xfrm>
+        </p:spPr>
+      </p:pic>
+      <p:sp>
+        <p:nvSpPr>
+          <p:cNvPr id="5" name="Titre 1"/>
+          <p:cNvSpPr txBox="1">
+            <a:spLocks/>
+          </p:cNvSpPr>
+          <p:nvPr/>
+        </p:nvSpPr>
+        <p:spPr>
+          <a:xfrm>
+            <a:off x="4648200" y="3657600"/>
+            <a:ext cx="3962400" cy="2514600"/>
+          </a:xfrm>
+          <a:prstGeom prst="rect">
+            <a:avLst/>
+          </a:prstGeom>
+        </p:spPr>
+        <p:txBody>
+          <a:bodyPr vert="horz" anchor="ctr">
+            <a:noAutofit/>
+          </a:bodyPr>
+          <a:lstStyle/>
+          <a:p>
+            <a:pPr lvl="0">
+              <a:spcBef>
+                <a:spcPct val="0"/>
+              </a:spcBef>
+            </a:pPr>
+            <a:r>
+              <a:rPr lang="en-US" sz="2800" dirty="0" smtClean="0">
+                <a:latin typeface="Californian FB" pitchFamily="18" charset="0"/>
+              </a:rPr>
+              <a:t>Whether </a:t>
+            </a:r>
+            <a:r>
+              <a:rPr lang="en-US" sz="2800" dirty="0" smtClean="0">
+                <a:latin typeface="Californian FB" pitchFamily="18" charset="0"/>
+              </a:rPr>
+              <a:t>in general or specifically in the United States, males have the highest level of suicide</a:t>
+            </a:r>
+            <a:endParaRPr kumimoji="0" lang="en-US" sz="2800" b="1" i="0" u="none" strike="noStrike" kern="1200" cap="none" spc="0" normalizeH="0" baseline="0" noProof="0" dirty="0">
+              <a:ln>
+                <a:noFill/>
+              </a:ln>
+              <a:solidFill>
+                <a:schemeClr val="tx2"/>
+              </a:solidFill>
+              <a:effectLst/>
+              <a:uLnTx/>
+              <a:uFillTx/>
+              <a:latin typeface="Californian FB" pitchFamily="18" charset="0"/>
+              <a:ea typeface="+mj-ea"/>
+              <a:cs typeface="+mj-cs"/>
+            </a:endParaRPr>
+          </a:p>
+        </p:txBody>
+      </p:sp>
+    </p:spTree>
+  </p:cSld>
+  <p:clrMapOvr>
+    <a:masterClrMapping/>
+  </p:clrMapOvr>
+  <p:timing>
+    <p:tnLst>
+      <p:par>
+        <p:cTn id="1" dur="indefinite" restart="never" nodeType="tmRoot"/>
+      </p:par>
+    </p:tnLst>
+  </p:timing>
+</p:sld>
+</file>
+
+<file path=ppt/slides/slide6.xml><?xml version="1.0" encoding="utf-8"?>
+<p:sld xmlns:a="http://schemas.openxmlformats.org/drawingml/2006/main" xmlns:r="http://schemas.openxmlformats.org/officeDocument/2006/relationships" xmlns:p="http://schemas.openxmlformats.org/presentationml/2006/main">
+  <p:cSld>
+    <p:spTree>
+      <p:nvGrpSpPr>
+        <p:cNvPr id="1" name=""/>
+        <p:cNvGrpSpPr/>
+        <p:nvPr/>
+      </p:nvGrpSpPr>
+      <p:grpSpPr>
+        <a:xfrm>
+          <a:off x="0" y="0"/>
+          <a:ext cx="0" cy="0"/>
+          <a:chOff x="0" y="0"/>
+          <a:chExt cx="0" cy="0"/>
+        </a:xfrm>
+      </p:grpSpPr>
+      <p:sp>
+        <p:nvSpPr>
+          <p:cNvPr id="2" name="Titre 1"/>
+          <p:cNvSpPr>
+            <a:spLocks noGrp="1"/>
+          </p:cNvSpPr>
+          <p:nvPr>
+            <p:ph type="title"/>
+          </p:nvPr>
+        </p:nvSpPr>
+        <p:spPr>
+          <a:xfrm>
+            <a:off x="457200" y="1143000"/>
+            <a:ext cx="8229600" cy="1219200"/>
+          </a:xfrm>
+        </p:spPr>
+        <p:txBody>
+          <a:bodyPr>
+            <a:normAutofit fontScale="90000"/>
+          </a:bodyPr>
+          <a:lstStyle/>
+          <a:p>
+            <a:r>
+              <a:rPr lang="en-US" b="1" dirty="0" smtClean="0">
+                <a:latin typeface="Californian FB" pitchFamily="18" charset="0"/>
+              </a:rPr>
+              <a:t>Baby Boomers(Born 1946-1964), the biggest</a:t>
+            </a:r>
+            <a:endParaRPr lang="en-US" b="1" dirty="0">
+              <a:latin typeface="Californian FB" pitchFamily="18" charset="0"/>
+            </a:endParaRPr>
+          </a:p>
+        </p:txBody>
+      </p:sp>
+      <p:pic>
+        <p:nvPicPr>
+          <p:cNvPr id="4" name="Espace réservé du contenu 3" descr="generation_plot.png"/>
+          <p:cNvPicPr>
+            <a:picLocks noGrp="1" noChangeAspect="1"/>
+          </p:cNvPicPr>
+          <p:nvPr>
+            <p:ph idx="1"/>
+          </p:nvPr>
+        </p:nvPicPr>
+        <p:blipFill>
+          <a:blip r:embed="rId2"/>
+          <a:stretch>
+            <a:fillRect/>
+          </a:stretch>
+        </p:blipFill>
+        <p:spPr>
+          <a:xfrm>
+            <a:off x="0" y="2362200"/>
+            <a:ext cx="6248400" cy="4016829"/>
+          </a:xfrm>
+        </p:spPr>
+      </p:pic>
+      <p:sp>
+        <p:nvSpPr>
+          <p:cNvPr id="5" name="Titre 1"/>
+          <p:cNvSpPr txBox="1">
+            <a:spLocks/>
+          </p:cNvSpPr>
+          <p:nvPr/>
+        </p:nvSpPr>
+        <p:spPr>
+          <a:xfrm>
+            <a:off x="4572000" y="3733800"/>
+            <a:ext cx="3962400" cy="2514600"/>
+          </a:xfrm>
+          <a:prstGeom prst="rect">
+            <a:avLst/>
+          </a:prstGeom>
+        </p:spPr>
+        <p:txBody>
+          <a:bodyPr vert="horz" anchor="ctr">
+            <a:normAutofit/>
+          </a:bodyPr>
+          <a:lstStyle/>
+          <a:p>
+            <a:pPr lvl="0">
+              <a:spcBef>
+                <a:spcPct val="0"/>
+              </a:spcBef>
+            </a:pPr>
+            <a:r>
+              <a:rPr kumimoji="0" lang="en-US" sz="2800" i="0" u="none" strike="noStrike" kern="1200" cap="none" spc="0" normalizeH="0" baseline="0" noProof="0" dirty="0" smtClean="0">
+                <a:ln>
+                  <a:noFill/>
+                </a:ln>
+                <a:effectLst/>
+                <a:uLnTx/>
+                <a:uFillTx/>
+                <a:latin typeface="Californian FB" pitchFamily="18" charset="0"/>
+                <a:ea typeface="+mj-ea"/>
+                <a:cs typeface="+mj-cs"/>
+              </a:rPr>
+              <a:t>Baby</a:t>
+            </a:r>
+            <a:r>
+              <a:rPr kumimoji="0" lang="en-US" sz="2800" i="0" u="none" strike="noStrike" kern="1200" cap="none" spc="0" normalizeH="0" noProof="0" dirty="0" smtClean="0">
+                <a:ln>
+                  <a:noFill/>
+                </a:ln>
+                <a:effectLst/>
+                <a:uLnTx/>
+                <a:uFillTx/>
+                <a:latin typeface="Californian FB" pitchFamily="18" charset="0"/>
+                <a:ea typeface="+mj-ea"/>
+                <a:cs typeface="+mj-cs"/>
+              </a:rPr>
+              <a:t> boomers are the biggest </a:t>
+            </a:r>
+            <a:r>
+              <a:rPr lang="en-US" sz="2800" dirty="0" smtClean="0">
+                <a:latin typeface="Californian FB" pitchFamily="18" charset="0"/>
+              </a:rPr>
+              <a:t>when it comes to suicide</a:t>
+            </a:r>
+            <a:endParaRPr kumimoji="0" lang="en-US" sz="2800" i="0" u="none" strike="noStrike" kern="1200" cap="none" spc="0" normalizeH="0" baseline="0" noProof="0" dirty="0">
+              <a:ln>
+                <a:noFill/>
+              </a:ln>
+              <a:effectLst/>
+              <a:uLnTx/>
+              <a:uFillTx/>
+              <a:latin typeface="Californian FB" pitchFamily="18" charset="0"/>
+              <a:ea typeface="+mj-ea"/>
+              <a:cs typeface="+mj-cs"/>
+            </a:endParaRPr>
+          </a:p>
+        </p:txBody>
+      </p:sp>
+    </p:spTree>
+  </p:cSld>
+  <p:clrMapOvr>
+    <a:masterClrMapping/>
+  </p:clrMapOvr>
+  <p:timing>
+    <p:tnLst>
+      <p:par>
+        <p:cTn id="1" dur="indefinite" restart="never" nodeType="tmRoot"/>
+      </p:par>
+    </p:tnLst>
+  </p:timing>
+</p:sld>
+</file>
+
+<file path=ppt/slides/slide7.xml><?xml version="1.0" encoding="utf-8"?>
+<p:sld xmlns:a="http://schemas.openxmlformats.org/drawingml/2006/main" xmlns:r="http://schemas.openxmlformats.org/officeDocument/2006/relationships" xmlns:p="http://schemas.openxmlformats.org/presentationml/2006/main">
+  <p:cSld>
+    <p:spTree>
+      <p:nvGrpSpPr>
+        <p:cNvPr id="1" name=""/>
+        <p:cNvGrpSpPr/>
+        <p:nvPr/>
+      </p:nvGrpSpPr>
+      <p:grpSpPr>
+        <a:xfrm>
+          <a:off x="0" y="0"/>
+          <a:ext cx="0" cy="0"/>
+          <a:chOff x="0" y="0"/>
+          <a:chExt cx="0" cy="0"/>
+        </a:xfrm>
+      </p:grpSpPr>
+      <p:sp>
+        <p:nvSpPr>
+          <p:cNvPr id="2" name="Titre 1"/>
+          <p:cNvSpPr>
+            <a:spLocks noGrp="1"/>
+          </p:cNvSpPr>
+          <p:nvPr>
+            <p:ph type="title"/>
+          </p:nvPr>
+        </p:nvSpPr>
+        <p:spPr/>
+        <p:txBody>
+          <a:bodyPr>
+            <a:normAutofit/>
+          </a:bodyPr>
+          <a:lstStyle/>
+          <a:p>
+            <a:r>
+              <a:rPr lang="en-US" sz="3600" b="1" dirty="0" smtClean="0">
+                <a:latin typeface="Californian FB" pitchFamily="18" charset="0"/>
+              </a:rPr>
+              <a:t>Most </a:t>
+            </a:r>
+            <a:r>
+              <a:rPr lang="en-US" sz="3600" b="1" dirty="0" smtClean="0">
+                <a:latin typeface="Californian FB" pitchFamily="18" charset="0"/>
+              </a:rPr>
+              <a:t>suicidal age group</a:t>
+            </a:r>
+            <a:endParaRPr lang="en-US" sz="3600" b="1" dirty="0">
+              <a:latin typeface="Californian FB" pitchFamily="18" charset="0"/>
+            </a:endParaRPr>
+          </a:p>
+        </p:txBody>
+      </p:sp>
+      <p:pic>
+        <p:nvPicPr>
+          <p:cNvPr id="4" name="Espace réservé du contenu 3" descr="age_plot.png"/>
+          <p:cNvPicPr>
+            <a:picLocks noGrp="1" noChangeAspect="1"/>
+          </p:cNvPicPr>
+          <p:nvPr>
+            <p:ph idx="1"/>
+          </p:nvPr>
+        </p:nvPicPr>
+        <p:blipFill>
+          <a:blip r:embed="rId2"/>
+          <a:stretch>
+            <a:fillRect/>
+          </a:stretch>
+        </p:blipFill>
+        <p:spPr>
+          <a:xfrm>
+            <a:off x="2667000" y="2133599"/>
+            <a:ext cx="6477000" cy="4163786"/>
+          </a:xfrm>
+        </p:spPr>
+      </p:pic>
+      <p:sp>
+        <p:nvSpPr>
+          <p:cNvPr id="5" name="Titre 1"/>
+          <p:cNvSpPr txBox="1">
+            <a:spLocks/>
+          </p:cNvSpPr>
+          <p:nvPr/>
+        </p:nvSpPr>
+        <p:spPr>
+          <a:xfrm>
+            <a:off x="304800" y="2209800"/>
+            <a:ext cx="3962400" cy="2514600"/>
+          </a:xfrm>
+          <a:prstGeom prst="rect">
+            <a:avLst/>
+          </a:prstGeom>
+        </p:spPr>
+        <p:txBody>
+          <a:bodyPr vert="horz" anchor="ctr">
+            <a:normAutofit/>
+          </a:bodyPr>
+          <a:lstStyle/>
+          <a:p>
+            <a:pPr lvl="0">
+              <a:spcBef>
+                <a:spcPct val="0"/>
+              </a:spcBef>
+            </a:pPr>
+            <a:r>
+              <a:rPr lang="en-US" sz="2800" dirty="0" smtClean="0">
+                <a:latin typeface="Californian FB" pitchFamily="18" charset="0"/>
+              </a:rPr>
+              <a:t>People between the ages of 35-54 are most likely to commit suicide</a:t>
+            </a:r>
+            <a:endParaRPr kumimoji="0" lang="en-US" sz="2800" i="0" u="none" strike="noStrike" kern="1200" cap="none" spc="0" normalizeH="0" baseline="0" noProof="0" dirty="0">
+              <a:ln>
+                <a:noFill/>
+              </a:ln>
+              <a:effectLst/>
+              <a:uLnTx/>
+              <a:uFillTx/>
+              <a:latin typeface="Californian FB" pitchFamily="18" charset="0"/>
+              <a:ea typeface="+mj-ea"/>
+              <a:cs typeface="+mj-cs"/>
+            </a:endParaRPr>
+          </a:p>
+        </p:txBody>
+      </p:sp>
+    </p:spTree>
+  </p:cSld>
+  <p:clrMapOvr>
+    <a:masterClrMapping/>
+  </p:clrMapOvr>
+  <p:timing>
+    <p:tnLst>
+      <p:par>
+        <p:cTn id="1" dur="indefinite" restart="never" nodeType="tmRoot"/>
+      </p:par>
+    </p:tnLst>
+  </p:timing>
+</p:sld>
+</file>
+
+<file path=ppt/slides/slide8.xml><?xml version="1.0" encoding="utf-8"?>
+<p:sld xmlns:a="http://schemas.openxmlformats.org/drawingml/2006/main" xmlns:r="http://schemas.openxmlformats.org/officeDocument/2006/relationships" xmlns:p="http://schemas.openxmlformats.org/presentationml/2006/main">
+  <p:cSld>
+    <p:spTree>
+      <p:nvGrpSpPr>
+        <p:cNvPr id="1" name=""/>
+        <p:cNvGrpSpPr/>
+        <p:nvPr/>
+      </p:nvGrpSpPr>
+      <p:grpSpPr>
+        <a:xfrm>
+          <a:off x="0" y="0"/>
+          <a:ext cx="0" cy="0"/>
+          <a:chOff x="0" y="0"/>
+          <a:chExt cx="0" cy="0"/>
+        </a:xfrm>
+      </p:grpSpPr>
+      <p:sp>
+        <p:nvSpPr>
+          <p:cNvPr id="2" name="Titre 1"/>
+          <p:cNvSpPr>
+            <a:spLocks noGrp="1"/>
+          </p:cNvSpPr>
+          <p:nvPr>
+            <p:ph type="title"/>
+          </p:nvPr>
+        </p:nvSpPr>
+        <p:spPr/>
+        <p:txBody>
+          <a:bodyPr>
+            <a:normAutofit/>
+          </a:bodyPr>
+          <a:lstStyle/>
+          <a:p>
+            <a:r>
+              <a:rPr lang="en-US" sz="3600" b="1" dirty="0" smtClean="0">
+                <a:latin typeface="Californian FB" pitchFamily="18" charset="0"/>
+              </a:rPr>
+              <a:t>United states of America</a:t>
+            </a:r>
+            <a:endParaRPr lang="en-US" sz="3600" b="1" dirty="0">
+              <a:latin typeface="Californian FB" pitchFamily="18" charset="0"/>
+            </a:endParaRPr>
+          </a:p>
+        </p:txBody>
+      </p:sp>
+      <p:sp>
+        <p:nvSpPr>
+          <p:cNvPr id="3" name="Espace réservé du contenu 2"/>
+          <p:cNvSpPr>
+            <a:spLocks noGrp="1"/>
+          </p:cNvSpPr>
+          <p:nvPr>
+            <p:ph idx="1"/>
+          </p:nvPr>
+        </p:nvSpPr>
+        <p:spPr>
+          <a:xfrm>
+            <a:off x="304800" y="2743200"/>
+            <a:ext cx="3200400" cy="3160776"/>
+          </a:xfrm>
+        </p:spPr>
+        <p:txBody>
+          <a:bodyPr>
+            <a:normAutofit/>
+          </a:bodyPr>
+          <a:lstStyle/>
+          <a:p>
+            <a:pPr>
+              <a:buNone/>
+            </a:pPr>
+            <a:r>
+              <a:rPr lang="en-US" sz="2400" dirty="0" smtClean="0">
+                <a:latin typeface="Californian FB" pitchFamily="18" charset="0"/>
+              </a:rPr>
+              <a:t>Over the years the USA has overtaken Russia in terms of suicide rate. They are now the great power of suicide</a:t>
+            </a:r>
+            <a:endParaRPr lang="en-US" sz="2400" dirty="0">
+              <a:latin typeface="Californian FB" pitchFamily="18" charset="0"/>
+            </a:endParaRPr>
+          </a:p>
+        </p:txBody>
+      </p:sp>
+      <p:pic>
+        <p:nvPicPr>
+          <p:cNvPr id="4" name="Image 3" descr="USA.png"/>
+          <p:cNvPicPr>
+            <a:picLocks noChangeAspect="1"/>
+          </p:cNvPicPr>
+          <p:nvPr/>
+        </p:nvPicPr>
+        <p:blipFill>
+          <a:blip r:embed="rId2"/>
+          <a:stretch>
+            <a:fillRect/>
+          </a:stretch>
+        </p:blipFill>
+        <p:spPr>
+          <a:xfrm>
+            <a:off x="3505200" y="2286000"/>
+            <a:ext cx="5340328" cy="3836205"/>
+          </a:xfrm>
+          <a:prstGeom prst="rect">
+            <a:avLst/>
+          </a:prstGeom>
+        </p:spPr>
+      </p:pic>
+    </p:spTree>
+  </p:cSld>
+  <p:clrMapOvr>
+    <a:masterClrMapping/>
+  </p:clrMapOvr>
+  <p:timing>
+    <p:tnLst>
+      <p:par>
+        <p:cTn id="1" dur="indefinite" restart="never" nodeType="tmRoot"/>
+      </p:par>
+    </p:tnLst>
+  </p:timing>
+</p:sld>
+</file>
+
+<file path=ppt/slides/slide9.xml><?xml version="1.0" encoding="utf-8"?>
+<p:sld xmlns:a="http://schemas.openxmlformats.org/drawingml/2006/main" xmlns:r="http://schemas.openxmlformats.org/officeDocument/2006/relationships" xmlns:p="http://schemas.openxmlformats.org/presentationml/2006/main">
+  <p:cSld>
+    <p:spTree>
+      <p:nvGrpSpPr>
+        <p:cNvPr id="1" name=""/>
+        <p:cNvGrpSpPr/>
+        <p:nvPr/>
+      </p:nvGrpSpPr>
+      <p:grpSpPr>
+        <a:xfrm>
+          <a:off x="0" y="0"/>
+          <a:ext cx="0" cy="0"/>
+          <a:chOff x="0" y="0"/>
+          <a:chExt cx="0" cy="0"/>
+        </a:xfrm>
+      </p:grpSpPr>
+      <p:sp>
+        <p:nvSpPr>
+          <p:cNvPr id="2" name="Titre 1"/>
+          <p:cNvSpPr>
+            <a:spLocks noGrp="1"/>
+          </p:cNvSpPr>
+          <p:nvPr>
+            <p:ph type="title"/>
+          </p:nvPr>
+        </p:nvSpPr>
+        <p:spPr/>
+        <p:txBody>
+          <a:bodyPr/>
+          <a:lstStyle/>
+          <a:p>
+            <a:r>
+              <a:rPr lang="en-US" dirty="0" smtClean="0"/>
+              <a:t>Discussion</a:t>
+            </a:r>
+            <a:endParaRPr lang="en-US" dirty="0"/>
+          </a:p>
+        </p:txBody>
+      </p:sp>
+      <p:sp>
+        <p:nvSpPr>
+          <p:cNvPr id="3" name="Espace réservé du contenu 2"/>
+          <p:cNvSpPr>
+            <a:spLocks noGrp="1"/>
+          </p:cNvSpPr>
+          <p:nvPr>
+            <p:ph idx="1"/>
+          </p:nvPr>
+        </p:nvSpPr>
+        <p:spPr/>
+        <p:txBody>
+          <a:bodyPr>
+            <a:normAutofit lnSpcReduction="10000"/>
+          </a:bodyPr>
+          <a:lstStyle/>
+          <a:p>
+            <a:pPr>
+              <a:buNone/>
+            </a:pPr>
+            <a:r>
+              <a:rPr lang="en-US" dirty="0" smtClean="0">
+                <a:latin typeface="Californian FB" pitchFamily="18" charset="0"/>
+              </a:rPr>
+              <a:t>The exploratory of the suicide data from 1985 to 2015 let's us to conclude that: </a:t>
+            </a:r>
+            <a:r>
+              <a:rPr lang="en-US" i="1" dirty="0" smtClean="0">
+                <a:latin typeface="Californian FB" pitchFamily="18" charset="0"/>
+              </a:rPr>
+              <a:t>The highest suicide rate is recorded in the United States, specifically among men aged 35 to 54</a:t>
+            </a:r>
+            <a:r>
+              <a:rPr lang="en-US" i="1" dirty="0" smtClean="0">
+                <a:latin typeface="Californian FB" pitchFamily="18" charset="0"/>
+              </a:rPr>
+              <a:t>.</a:t>
+            </a:r>
+          </a:p>
+          <a:p>
+            <a:pPr>
+              <a:buNone/>
+            </a:pPr>
+            <a:r>
+              <a:rPr lang="en-US" dirty="0" smtClean="0">
+                <a:latin typeface="Californian FB" pitchFamily="18" charset="0"/>
+              </a:rPr>
+              <a:t>Based on the exploratory of the worldwide suicide </a:t>
+            </a:r>
+            <a:r>
+              <a:rPr lang="en-US" dirty="0" err="1" smtClean="0">
+                <a:latin typeface="Californian FB" pitchFamily="18" charset="0"/>
+              </a:rPr>
+              <a:t>data,factors</a:t>
+            </a:r>
+            <a:r>
+              <a:rPr lang="en-US" dirty="0" smtClean="0">
+                <a:latin typeface="Californian FB" pitchFamily="18" charset="0"/>
+              </a:rPr>
+              <a:t> that will influence our </a:t>
+            </a:r>
+            <a:r>
+              <a:rPr lang="en-US" dirty="0" err="1" smtClean="0">
+                <a:latin typeface="Californian FB" pitchFamily="18" charset="0"/>
+              </a:rPr>
+              <a:t>decission</a:t>
+            </a:r>
+            <a:r>
+              <a:rPr lang="en-US" dirty="0" smtClean="0">
+                <a:latin typeface="Californian FB" pitchFamily="18" charset="0"/>
+              </a:rPr>
+              <a:t> are:</a:t>
+            </a:r>
+          </a:p>
+          <a:p>
+            <a:r>
+              <a:rPr lang="en-US" dirty="0" smtClean="0">
+                <a:latin typeface="Californian FB" pitchFamily="18" charset="0"/>
+              </a:rPr>
+              <a:t>country with the highest suicides rate</a:t>
+            </a:r>
+            <a:br>
+              <a:rPr lang="en-US" dirty="0" smtClean="0">
+                <a:latin typeface="Californian FB" pitchFamily="18" charset="0"/>
+              </a:rPr>
+            </a:br>
+            <a:r>
+              <a:rPr lang="en-US" dirty="0" smtClean="0">
+                <a:latin typeface="Californian FB" pitchFamily="18" charset="0"/>
+              </a:rPr>
+              <a:t>. with highest male aged between 35-54</a:t>
+            </a:r>
+          </a:p>
+          <a:p>
+            <a:r>
+              <a:rPr lang="en-US" dirty="0" smtClean="0">
+                <a:latin typeface="Californian FB" pitchFamily="18" charset="0"/>
+              </a:rPr>
+              <a:t>as few clinics near as possible</a:t>
+            </a:r>
+          </a:p>
+          <a:p>
+            <a:r>
+              <a:rPr lang="en-US" dirty="0" smtClean="0">
+                <a:latin typeface="Californian FB" pitchFamily="18" charset="0"/>
+              </a:rPr>
+              <a:t>away from traffic noise</a:t>
+            </a:r>
+          </a:p>
+          <a:p>
+            <a:pPr>
+              <a:buNone/>
+            </a:pPr>
+            <a:endParaRPr lang="en-US" dirty="0">
+              <a:latin typeface="Californian FB" pitchFamily="18" charset="0"/>
+            </a:endParaRPr>
+          </a:p>
+        </p:txBody>
+      </p:sp>
+    </p:spTree>
+  </p:cSld>
+  <p:clrMapOvr>
+    <a:masterClrMapping/>
+  </p:clrMapOvr>
+  <p:timing>
+    <p:tnLst>
+      <p:par>
+        <p:cTn id="1" dur="indefinite" restart="never" nodeType="tmRoot"/>
+      </p:par>
+    </p:tnLst>
+  </p:timing>
 </p:sld>
 </file>
 
 <file path=ppt/theme/theme1.xml><?xml version="1.0" encoding="utf-8"?>
-<a:theme xmlns:a="http://schemas.openxmlformats.org/drawingml/2006/main" name="Thème Office">
+<a:theme xmlns:a="http://schemas.openxmlformats.org/drawingml/2006/main" name="Urbain">
   <a:themeElements>
-    <a:clrScheme name="Office">
+    <a:clrScheme name="Urbain">
       <a:dk1>
         <a:sysClr val="windowText" lastClr="000000"/>
       </a:dk1>
@@ -3092,46 +5806,80 @@
         <a:sysClr val="window" lastClr="FFFFFF"/>
       </a:lt1>
       <a:dk2>
-        <a:srgbClr val="1F497D"/>
+        <a:srgbClr val="424456"/>
       </a:dk2>
       <a:lt2>
-        <a:srgbClr val="EEECE1"/>
+        <a:srgbClr val="DEDEDE"/>
       </a:lt2>
       <a:accent1>
-        <a:srgbClr val="4F81BD"/>
+        <a:srgbClr val="53548A"/>
       </a:accent1>
       <a:accent2>
-        <a:srgbClr val="C0504D"/>
+        <a:srgbClr val="438086"/>
       </a:accent2>
       <a:accent3>
-        <a:srgbClr val="9BBB59"/>
+        <a:srgbClr val="A04DA3"/>
       </a:accent3>
       <a:accent4>
-        <a:srgbClr val="8064A2"/>
+        <a:srgbClr val="C4652D"/>
       </a:accent4>
       <a:accent5>
-        <a:srgbClr val="4BACC6"/>
+        <a:srgbClr val="8B5D3D"/>
       </a:accent5>
       <a:accent6>
-        <a:srgbClr val="F79646"/>
+        <a:srgbClr val="5C92B5"/>
       </a:accent6>
       <a:hlink>
-        <a:srgbClr val="0000FF"/>
+        <a:srgbClr val="67AFBD"/>
       </a:hlink>
       <a:folHlink>
-        <a:srgbClr val="800080"/>
+        <a:srgbClr val="C2A874"/>
       </a:folHlink>
     </a:clrScheme>
-    <a:fontScheme name="Office">
+    <a:fontScheme name="Urbain">
       <a:majorFont>
-        <a:latin typeface="Calibri"/>
+        <a:latin typeface="Trebuchet MS"/>
         <a:ea typeface=""/>
         <a:cs typeface=""/>
-        <a:font script="Jpan" typeface="ＭＳ Ｐゴシック"/>
+        <a:font script="Jpan" typeface="HGｺﾞｼｯｸM"/>
+        <a:font script="Hang" typeface="맑은 고딕"/>
+        <a:font script="Hans" typeface="方正姚体"/>
+        <a:font script="Hant" typeface="微軟正黑體"/>
+        <a:font script="Arab" typeface="Tahoma"/>
+        <a:font script="Hebr" typeface="Arial"/>
+        <a:font script="Thai" typeface="Cordia New"/>
+        <a:font script="Ethi" typeface="Nyala"/>
+        <a:font script="Beng" typeface="Vrinda"/>
+        <a:font script="Gujr" typeface="Shruti"/>
+        <a:font script="Khmr" typeface="DaunPenh"/>
+        <a:font script="Knda" typeface="Tunga"/>
+        <a:font script="Guru" typeface="Raavi"/>
+        <a:font script="Cans" typeface="Euphemia"/>
+        <a:font script="Cher" typeface="Plantagenet Cherokee"/>
+        <a:font script="Yiii" typeface="Microsoft Yi Baiti"/>
+        <a:font script="Tibt" typeface="Microsoft Himalaya"/>
+        <a:font script="Thaa" typeface="MV Boli"/>
+        <a:font script="Deva" typeface="Mangal"/>
+        <a:font script="Telu" typeface="Gautami"/>
+        <a:font script="Taml" typeface="Latha"/>
+        <a:font script="Syrc" typeface="Estrangelo Edessa"/>
+        <a:font script="Orya" typeface="Kalinga"/>
+        <a:font script="Mlym" typeface="Kartika"/>
+        <a:font script="Laoo" typeface="DokChampa"/>
+        <a:font script="Sinh" typeface="Iskoola Pota"/>
+        <a:font script="Mong" typeface="Mongolian Baiti"/>
+        <a:font script="Viet" typeface="Tahoma"/>
+        <a:font script="Uigh" typeface="Microsoft Uighur"/>
+      </a:majorFont>
+      <a:minorFont>
+        <a:latin typeface="Georgia"/>
+        <a:ea typeface=""/>
+        <a:cs typeface=""/>
+        <a:font script="Jpan" typeface="HG明朝B"/>
         <a:font script="Hang" typeface="맑은 고딕"/>
         <a:font script="Hans" typeface="宋体"/>
         <a:font script="Hant" typeface="新細明體"/>
-        <a:font script="Arab" typeface="Times New Roman"/>
+        <a:font script="Arab" typeface="Arial"/>
         <a:font script="Hebr" typeface="Times New Roman"/>
         <a:font script="Thai" typeface="Angsana New"/>
         <a:font script="Ethi" typeface="Nyala"/>
@@ -3156,43 +5904,9 @@
         <a:font script="Mong" typeface="Mongolian Baiti"/>
         <a:font script="Viet" typeface="Times New Roman"/>
         <a:font script="Uigh" typeface="Microsoft Uighur"/>
-      </a:majorFont>
-      <a:minorFont>
-        <a:latin typeface="Calibri"/>
-        <a:ea typeface=""/>
-        <a:cs typeface=""/>
-        <a:font script="Jpan" typeface="ＭＳ Ｐゴシック"/>
-        <a:font script="Hang" typeface="맑은 고딕"/>
-        <a:font script="Hans" typeface="宋体"/>
-        <a:font script="Hant" typeface="新細明體"/>
-        <a:font script="Arab" typeface="Arial"/>
-        <a:font script="Hebr" typeface="Arial"/>
-        <a:font script="Thai" typeface="Cordia New"/>
-        <a:font script="Ethi" typeface="Nyala"/>
-        <a:font script="Beng" typeface="Vrinda"/>
-        <a:font script="Gujr" typeface="Shruti"/>
-        <a:font script="Khmr" typeface="DaunPenh"/>
-        <a:font script="Knda" typeface="Tunga"/>
-        <a:font script="Guru" typeface="Raavi"/>
-        <a:font script="Cans" typeface="Euphemia"/>
-        <a:font script="Cher" typeface="Plantagenet Cherokee"/>
-        <a:font script="Yiii" typeface="Microsoft Yi Baiti"/>
-        <a:font script="Tibt" typeface="Microsoft Himalaya"/>
-        <a:font script="Thaa" typeface="MV Boli"/>
-        <a:font script="Deva" typeface="Mangal"/>
-        <a:font script="Telu" typeface="Gautami"/>
-        <a:font script="Taml" typeface="Latha"/>
-        <a:font script="Syrc" typeface="Estrangelo Edessa"/>
-        <a:font script="Orya" typeface="Kalinga"/>
-        <a:font script="Mlym" typeface="Kartika"/>
-        <a:font script="Laoo" typeface="DokChampa"/>
-        <a:font script="Sinh" typeface="Iskoola Pota"/>
-        <a:font script="Mong" typeface="Mongolian Baiti"/>
-        <a:font script="Viet" typeface="Arial"/>
-        <a:font script="Uigh" typeface="Microsoft Uighur"/>
       </a:minorFont>
     </a:fontScheme>
-    <a:fmtScheme name="Office">
+    <a:fmtScheme name="Urbain">
       <a:fillStyleLst>
         <a:solidFill>
           <a:schemeClr val="phClr"/>
@@ -3201,66 +5915,66 @@
           <a:gsLst>
             <a:gs pos="0">
               <a:schemeClr val="phClr">
-                <a:tint val="50000"/>
-                <a:satMod val="300000"/>
+                <a:tint val="1000"/>
+                <a:satMod val="255000"/>
               </a:schemeClr>
             </a:gs>
-            <a:gs pos="35000">
+            <a:gs pos="55000">
               <a:schemeClr val="phClr">
-                <a:tint val="37000"/>
-                <a:satMod val="300000"/>
+                <a:tint val="12000"/>
+                <a:satMod val="255000"/>
               </a:schemeClr>
             </a:gs>
             <a:gs pos="100000">
               <a:schemeClr val="phClr">
-                <a:tint val="15000"/>
-                <a:satMod val="350000"/>
+                <a:tint val="45000"/>
+                <a:satMod val="250000"/>
               </a:schemeClr>
             </a:gs>
           </a:gsLst>
-          <a:lin ang="16200000" scaled="1"/>
+          <a:path path="circle">
+            <a:fillToRect l="-40000" t="-90000" r="140000" b="190000"/>
+          </a:path>
         </a:gradFill>
         <a:gradFill rotWithShape="1">
           <a:gsLst>
             <a:gs pos="0">
               <a:schemeClr val="phClr">
-                <a:shade val="51000"/>
-                <a:satMod val="130000"/>
+                <a:tint val="43000"/>
+                <a:satMod val="165000"/>
               </a:schemeClr>
             </a:gs>
-            <a:gs pos="80000">
+            <a:gs pos="55000">
               <a:schemeClr val="phClr">
-                <a:shade val="93000"/>
-                <a:satMod val="130000"/>
+                <a:tint val="83000"/>
+                <a:satMod val="155000"/>
               </a:schemeClr>
             </a:gs>
             <a:gs pos="100000">
               <a:schemeClr val="phClr">
-                <a:shade val="94000"/>
-                <a:satMod val="135000"/>
+                <a:shade val="85000"/>
               </a:schemeClr>
             </a:gs>
           </a:gsLst>
-          <a:lin ang="16200000" scaled="0"/>
+          <a:path path="circle">
+            <a:fillToRect l="-40000" t="-90000" r="140000" b="190000"/>
+          </a:path>
         </a:gradFill>
       </a:fillStyleLst>
       <a:lnStyleLst>
         <a:ln w="9525" cap="flat" cmpd="sng" algn="ctr">
           <a:solidFill>
-            <a:schemeClr val="phClr">
-              <a:shade val="95000"/>
-              <a:satMod val="105000"/>
-            </a:schemeClr>
+            <a:schemeClr val="phClr"/>
           </a:solidFill>
           <a:prstDash val="solid"/>
         </a:ln>
-        <a:ln w="25400" cap="flat" cmpd="sng" algn="ctr">
+        <a:ln w="19050" cap="flat" cmpd="sng" algn="ctr">
           <a:solidFill>
             <a:schemeClr val="phClr"/>
           </a:solidFill>
           <a:prstDash val="solid"/>
         </a:ln>
-        <a:ln w="38100" cap="flat" cmpd="sng" algn="ctr">
+        <a:ln w="31750" cap="flat" cmpd="sng" algn="ctr">
           <a:solidFill>
             <a:schemeClr val="phClr"/>
           </a:solidFill>
@@ -3270,40 +5984,45 @@
       <a:effectStyleLst>
         <a:effectStyle>
           <a:effectLst>
-            <a:outerShdw blurRad="40000" dist="20000" dir="5400000" rotWithShape="0">
+            <a:outerShdw blurRad="51500" dist="25400" dir="5400000" rotWithShape="0">
               <a:srgbClr val="000000">
-                <a:alpha val="38000"/>
+                <a:alpha val="40000"/>
               </a:srgbClr>
             </a:outerShdw>
           </a:effectLst>
         </a:effectStyle>
         <a:effectStyle>
           <a:effectLst>
-            <a:outerShdw blurRad="40000" dist="23000" dir="5400000" rotWithShape="0">
+            <a:outerShdw blurRad="50800" dist="25400" dir="5400000" rotWithShape="0">
               <a:srgbClr val="000000">
-                <a:alpha val="35000"/>
+                <a:alpha val="45000"/>
               </a:srgbClr>
             </a:outerShdw>
           </a:effectLst>
         </a:effectStyle>
         <a:effectStyle>
           <a:effectLst>
-            <a:outerShdw blurRad="40000" dist="23000" dir="5400000" rotWithShape="0">
+            <a:outerShdw blurRad="50800" dist="25400" dir="5400000" rotWithShape="0">
               <a:srgbClr val="000000">
-                <a:alpha val="35000"/>
+                <a:alpha val="45000"/>
               </a:srgbClr>
             </a:outerShdw>
           </a:effectLst>
           <a:scene3d>
-            <a:camera prst="orthographicFront">
+            <a:camera prst="orthographicFront" fov="0">
               <a:rot lat="0" lon="0" rev="0"/>
             </a:camera>
-            <a:lightRig rig="threePt" dir="t">
-              <a:rot lat="0" lon="0" rev="1200000"/>
+            <a:lightRig rig="flat" dir="t">
+              <a:rot lat="0" lon="0" rev="20040000"/>
             </a:lightRig>
           </a:scene3d>
-          <a:sp3d>
-            <a:bevelT w="63500" h="25400"/>
+          <a:sp3d contourW="12700" prstMaterial="dkEdge">
+            <a:bevelT w="25400" h="38100" prst="convex"/>
+            <a:contourClr>
+              <a:schemeClr val="phClr">
+                <a:satMod val="115000"/>
+              </a:schemeClr>
+            </a:contourClr>
           </a:sp3d>
         </a:effectStyle>
       </a:effectStyleLst>
@@ -3313,49 +6032,41 @@
         </a:solidFill>
         <a:gradFill rotWithShape="1">
           <a:gsLst>
+            <a:gs pos="100000">
+              <a:schemeClr val="phClr">
+                <a:tint val="80000"/>
+                <a:satMod val="250000"/>
+              </a:schemeClr>
+            </a:gs>
+            <a:gs pos="60000">
+              <a:schemeClr val="phClr">
+                <a:shade val="38000"/>
+                <a:satMod val="175000"/>
+              </a:schemeClr>
+            </a:gs>
             <a:gs pos="0">
               <a:schemeClr val="phClr">
-                <a:tint val="40000"/>
-                <a:satMod val="350000"/>
-              </a:schemeClr>
-            </a:gs>
-            <a:gs pos="40000">
-              <a:schemeClr val="phClr">
-                <a:tint val="45000"/>
-                <a:shade val="99000"/>
-                <a:satMod val="350000"/>
-              </a:schemeClr>
-            </a:gs>
-            <a:gs pos="100000">
-              <a:schemeClr val="phClr">
-                <a:shade val="20000"/>
-                <a:satMod val="255000"/>
+                <a:shade val="30000"/>
+                <a:satMod val="175000"/>
               </a:schemeClr>
             </a:gs>
           </a:gsLst>
-          <a:path path="circle">
-            <a:fillToRect l="50000" t="-80000" r="50000" b="180000"/>
-          </a:path>
+          <a:lin ang="5400000" scaled="0"/>
         </a:gradFill>
-        <a:gradFill rotWithShape="1">
-          <a:gsLst>
-            <a:gs pos="0">
+        <a:blipFill>
+          <a:blip xmlns:r="http://schemas.openxmlformats.org/officeDocument/2006/relationships" r:embed="rId1">
+            <a:duotone>
               <a:schemeClr val="phClr">
-                <a:tint val="80000"/>
-                <a:satMod val="300000"/>
+                <a:shade val="48000"/>
               </a:schemeClr>
-            </a:gs>
-            <a:gs pos="100000">
               <a:schemeClr val="phClr">
-                <a:shade val="30000"/>
-                <a:satMod val="200000"/>
+                <a:tint val="96000"/>
+                <a:satMod val="150000"/>
               </a:schemeClr>
-            </a:gs>
-          </a:gsLst>
-          <a:path path="circle">
-            <a:fillToRect l="50000" t="50000" r="50000" b="50000"/>
-          </a:path>
-        </a:gradFill>
+            </a:duotone>
+          </a:blip>
+          <a:tile tx="0" ty="0" sx="80000" sy="80000" flip="none" algn="tl"/>
+        </a:blipFill>
       </a:bgFillStyleLst>
     </a:fmtScheme>
   </a:themeElements>
